--- a/Video Ver1/Video PPT/1. Introduction to data types.pptx
+++ b/Video Ver1/Video PPT/1. Introduction to data types.pptx
@@ -5,21 +5,26 @@
     <p:sldMasterId id="2147483648" r:id="rId1"/>
   </p:sldMasterIdLst>
   <p:notesMasterIdLst>
-    <p:notesMasterId r:id="rId14"/>
+    <p:notesMasterId r:id="rId19"/>
   </p:notesMasterIdLst>
   <p:sldIdLst>
     <p:sldId id="1176" r:id="rId2"/>
     <p:sldId id="1178" r:id="rId3"/>
     <p:sldId id="1180" r:id="rId4"/>
-    <p:sldId id="1189" r:id="rId5"/>
-    <p:sldId id="1183" r:id="rId6"/>
-    <p:sldId id="1185" r:id="rId7"/>
-    <p:sldId id="1186" r:id="rId8"/>
-    <p:sldId id="1184" r:id="rId9"/>
-    <p:sldId id="1187" r:id="rId10"/>
-    <p:sldId id="1181" r:id="rId11"/>
-    <p:sldId id="1182" r:id="rId12"/>
-    <p:sldId id="1188" r:id="rId13"/>
+    <p:sldId id="1190" r:id="rId5"/>
+    <p:sldId id="1191" r:id="rId6"/>
+    <p:sldId id="1192" r:id="rId7"/>
+    <p:sldId id="1183" r:id="rId8"/>
+    <p:sldId id="1193" r:id="rId9"/>
+    <p:sldId id="1198" r:id="rId10"/>
+    <p:sldId id="1186" r:id="rId11"/>
+    <p:sldId id="1195" r:id="rId12"/>
+    <p:sldId id="1196" r:id="rId13"/>
+    <p:sldId id="1185" r:id="rId14"/>
+    <p:sldId id="1181" r:id="rId15"/>
+    <p:sldId id="1182" r:id="rId16"/>
+    <p:sldId id="1188" r:id="rId17"/>
+    <p:sldId id="1197" r:id="rId18"/>
   </p:sldIdLst>
   <p:sldSz cx="12190413" cy="6858000"/>
   <p:notesSz cx="6858000" cy="9144000"/>
@@ -873,7 +878,7 @@
             <a:fld id="{4DF51050-3720-483B-B552-57DC1341D582}" type="datetimeFigureOut">
               <a:rPr lang="en-US" smtClean="0"/>
               <a:pPr/>
-              <a:t>6/4/2020</a:t>
+              <a:t>6/19/2020</a:t>
             </a:fld>
             <a:endParaRPr lang="en-US"/>
           </a:p>
@@ -1332,7 +1337,7 @@
             <a:fld id="{EEE556E8-492E-4E8F-8E7F-7A7787724D01}" type="datetimeFigureOut">
               <a:rPr lang="en-US" smtClean="0"/>
               <a:pPr/>
-              <a:t>6/4/2020</a:t>
+              <a:t>6/19/2020</a:t>
             </a:fld>
             <a:endParaRPr lang="en-US"/>
           </a:p>
@@ -1537,7 +1542,7 @@
             <a:fld id="{EEE556E8-492E-4E8F-8E7F-7A7787724D01}" type="datetimeFigureOut">
               <a:rPr lang="en-US" smtClean="0"/>
               <a:pPr/>
-              <a:t>6/4/2020</a:t>
+              <a:t>6/19/2020</a:t>
             </a:fld>
             <a:endParaRPr lang="en-US"/>
           </a:p>
@@ -1742,7 +1747,7 @@
             <a:fld id="{EEE556E8-492E-4E8F-8E7F-7A7787724D01}" type="datetimeFigureOut">
               <a:rPr lang="en-US" smtClean="0"/>
               <a:pPr/>
-              <a:t>6/4/2020</a:t>
+              <a:t>6/19/2020</a:t>
             </a:fld>
             <a:endParaRPr lang="en-US"/>
           </a:p>
@@ -1947,7 +1952,7 @@
             <a:fld id="{EEE556E8-492E-4E8F-8E7F-7A7787724D01}" type="datetimeFigureOut">
               <a:rPr lang="en-US" smtClean="0"/>
               <a:pPr/>
-              <a:t>6/4/2020</a:t>
+              <a:t>6/19/2020</a:t>
             </a:fld>
             <a:endParaRPr lang="en-US"/>
           </a:p>
@@ -2219,7 +2224,7 @@
             <a:fld id="{EEE556E8-492E-4E8F-8E7F-7A7787724D01}" type="datetimeFigureOut">
               <a:rPr lang="en-US" smtClean="0"/>
               <a:pPr/>
-              <a:t>6/4/2020</a:t>
+              <a:t>6/19/2020</a:t>
             </a:fld>
             <a:endParaRPr lang="en-US"/>
           </a:p>
@@ -2539,7 +2544,7 @@
             <a:fld id="{EEE556E8-492E-4E8F-8E7F-7A7787724D01}" type="datetimeFigureOut">
               <a:rPr lang="en-US" smtClean="0"/>
               <a:pPr/>
-              <a:t>6/4/2020</a:t>
+              <a:t>6/19/2020</a:t>
             </a:fld>
             <a:endParaRPr lang="en-US"/>
           </a:p>
@@ -2999,7 +3004,7 @@
             <a:fld id="{EEE556E8-492E-4E8F-8E7F-7A7787724D01}" type="datetimeFigureOut">
               <a:rPr lang="en-US" smtClean="0"/>
               <a:pPr/>
-              <a:t>6/4/2020</a:t>
+              <a:t>6/19/2020</a:t>
             </a:fld>
             <a:endParaRPr lang="en-US"/>
           </a:p>
@@ -3145,7 +3150,7 @@
             <a:fld id="{EEE556E8-492E-4E8F-8E7F-7A7787724D01}" type="datetimeFigureOut">
               <a:rPr lang="en-US" smtClean="0"/>
               <a:pPr/>
-              <a:t>6/4/2020</a:t>
+              <a:t>6/19/2020</a:t>
             </a:fld>
             <a:endParaRPr lang="en-US"/>
           </a:p>
@@ -3475,7 +3480,7 @@
             <a:fld id="{EEE556E8-492E-4E8F-8E7F-7A7787724D01}" type="datetimeFigureOut">
               <a:rPr lang="en-US" smtClean="0"/>
               <a:pPr/>
-              <a:t>6/4/2020</a:t>
+              <a:t>6/19/2020</a:t>
             </a:fld>
             <a:endParaRPr lang="en-US"/>
           </a:p>
@@ -3757,7 +3762,7 @@
             <a:fld id="{EEE556E8-492E-4E8F-8E7F-7A7787724D01}" type="datetimeFigureOut">
               <a:rPr lang="en-US" smtClean="0"/>
               <a:pPr/>
-              <a:t>6/4/2020</a:t>
+              <a:t>6/19/2020</a:t>
             </a:fld>
             <a:endParaRPr lang="en-US"/>
           </a:p>
@@ -4411,6 +4416,2075 @@
           <a:chExt cx="0" cy="0"/>
         </a:xfrm>
       </p:grpSpPr>
+      <p:pic>
+        <p:nvPicPr>
+          <p:cNvPr id="12" name="Picture 11">
+            <a:extLst>
+              <a:ext uri="{FF2B5EF4-FFF2-40B4-BE49-F238E27FC236}">
+                <a16:creationId xmlns:a16="http://schemas.microsoft.com/office/drawing/2014/main" xmlns="" id="{376A40D3-BDBE-40ED-8E56-15C49E3DE9B0}"/>
+              </a:ext>
+            </a:extLst>
+          </p:cNvPr>
+          <p:cNvPicPr>
+            <a:picLocks noChangeAspect="1"/>
+          </p:cNvPicPr>
+          <p:nvPr/>
+        </p:nvPicPr>
+        <p:blipFill>
+          <a:blip r:embed="rId2" cstate="print">
+            <a:extLst>
+              <a:ext uri="{28A0092B-C50C-407E-A947-70E740481C1C}">
+                <a14:useLocalDpi xmlns:a14="http://schemas.microsoft.com/office/drawing/2010/main" xmlns="" val="0"/>
+              </a:ext>
+            </a:extLst>
+          </a:blip>
+          <a:stretch>
+            <a:fillRect/>
+          </a:stretch>
+        </p:blipFill>
+        <p:spPr>
+          <a:xfrm>
+            <a:off x="118542" y="116632"/>
+            <a:ext cx="1371859" cy="445150"/>
+          </a:xfrm>
+          <a:prstGeom prst="rect">
+            <a:avLst/>
+          </a:prstGeom>
+        </p:spPr>
+      </p:pic>
+      <p:sp>
+        <p:nvSpPr>
+          <p:cNvPr id="11" name="Footer Placeholder 2">
+            <a:extLst>
+              <a:ext uri="{FF2B5EF4-FFF2-40B4-BE49-F238E27FC236}">
+                <a16:creationId xmlns:a16="http://schemas.microsoft.com/office/drawing/2014/main" xmlns="" id="{6E71ED8E-3D54-4568-9791-BB4BE74489E7}"/>
+              </a:ext>
+            </a:extLst>
+          </p:cNvPr>
+          <p:cNvSpPr txBox="1">
+            <a:spLocks/>
+          </p:cNvSpPr>
+          <p:nvPr/>
+        </p:nvSpPr>
+        <p:spPr>
+          <a:xfrm>
+            <a:off x="3237431" y="6523037"/>
+            <a:ext cx="5400600" cy="365125"/>
+          </a:xfrm>
+          <a:prstGeom prst="rect">
+            <a:avLst/>
+          </a:prstGeom>
+        </p:spPr>
+        <p:txBody>
+          <a:bodyPr/>
+          <a:lstStyle>
+            <a:defPPr>
+              <a:defRPr lang="en-US"/>
+            </a:defPPr>
+            <a:lvl1pPr marL="0" algn="l" defTabSz="914400" rtl="0" eaLnBrk="1" latinLnBrk="0" hangingPunct="1">
+              <a:defRPr sz="1050" kern="1200">
+                <a:solidFill>
+                  <a:schemeClr val="tx1"/>
+                </a:solidFill>
+                <a:latin typeface="+mn-lt"/>
+                <a:ea typeface="+mn-ea"/>
+                <a:cs typeface="+mn-cs"/>
+              </a:defRPr>
+            </a:lvl1pPr>
+            <a:lvl2pPr marL="457200" algn="l" defTabSz="914400" rtl="0" eaLnBrk="1" latinLnBrk="0" hangingPunct="1">
+              <a:defRPr sz="1800" kern="1200">
+                <a:solidFill>
+                  <a:schemeClr val="tx1"/>
+                </a:solidFill>
+                <a:latin typeface="+mn-lt"/>
+                <a:ea typeface="+mn-ea"/>
+                <a:cs typeface="+mn-cs"/>
+              </a:defRPr>
+            </a:lvl2pPr>
+            <a:lvl3pPr marL="914400" algn="l" defTabSz="914400" rtl="0" eaLnBrk="1" latinLnBrk="0" hangingPunct="1">
+              <a:defRPr sz="1800" kern="1200">
+                <a:solidFill>
+                  <a:schemeClr val="tx1"/>
+                </a:solidFill>
+                <a:latin typeface="+mn-lt"/>
+                <a:ea typeface="+mn-ea"/>
+                <a:cs typeface="+mn-cs"/>
+              </a:defRPr>
+            </a:lvl3pPr>
+            <a:lvl4pPr marL="1371600" algn="l" defTabSz="914400" rtl="0" eaLnBrk="1" latinLnBrk="0" hangingPunct="1">
+              <a:defRPr sz="1800" kern="1200">
+                <a:solidFill>
+                  <a:schemeClr val="tx1"/>
+                </a:solidFill>
+                <a:latin typeface="+mn-lt"/>
+                <a:ea typeface="+mn-ea"/>
+                <a:cs typeface="+mn-cs"/>
+              </a:defRPr>
+            </a:lvl4pPr>
+            <a:lvl5pPr marL="1828800" algn="l" defTabSz="914400" rtl="0" eaLnBrk="1" latinLnBrk="0" hangingPunct="1">
+              <a:defRPr sz="1800" kern="1200">
+                <a:solidFill>
+                  <a:schemeClr val="tx1"/>
+                </a:solidFill>
+                <a:latin typeface="+mn-lt"/>
+                <a:ea typeface="+mn-ea"/>
+                <a:cs typeface="+mn-cs"/>
+              </a:defRPr>
+            </a:lvl5pPr>
+            <a:lvl6pPr marL="2286000" algn="l" defTabSz="914400" rtl="0" eaLnBrk="1" latinLnBrk="0" hangingPunct="1">
+              <a:defRPr sz="1800" kern="1200">
+                <a:solidFill>
+                  <a:schemeClr val="tx1"/>
+                </a:solidFill>
+                <a:latin typeface="+mn-lt"/>
+                <a:ea typeface="+mn-ea"/>
+                <a:cs typeface="+mn-cs"/>
+              </a:defRPr>
+            </a:lvl6pPr>
+            <a:lvl7pPr marL="2743200" algn="l" defTabSz="914400" rtl="0" eaLnBrk="1" latinLnBrk="0" hangingPunct="1">
+              <a:defRPr sz="1800" kern="1200">
+                <a:solidFill>
+                  <a:schemeClr val="tx1"/>
+                </a:solidFill>
+                <a:latin typeface="+mn-lt"/>
+                <a:ea typeface="+mn-ea"/>
+                <a:cs typeface="+mn-cs"/>
+              </a:defRPr>
+            </a:lvl7pPr>
+            <a:lvl8pPr marL="3200400" algn="l" defTabSz="914400" rtl="0" eaLnBrk="1" latinLnBrk="0" hangingPunct="1">
+              <a:defRPr sz="1800" kern="1200">
+                <a:solidFill>
+                  <a:schemeClr val="tx1"/>
+                </a:solidFill>
+                <a:latin typeface="+mn-lt"/>
+                <a:ea typeface="+mn-ea"/>
+                <a:cs typeface="+mn-cs"/>
+              </a:defRPr>
+            </a:lvl8pPr>
+            <a:lvl9pPr marL="3657600" algn="l" defTabSz="914400" rtl="0" eaLnBrk="1" latinLnBrk="0" hangingPunct="1">
+              <a:defRPr sz="1800" kern="1200">
+                <a:solidFill>
+                  <a:schemeClr val="tx1"/>
+                </a:solidFill>
+                <a:latin typeface="+mn-lt"/>
+                <a:ea typeface="+mn-ea"/>
+                <a:cs typeface="+mn-cs"/>
+              </a:defRPr>
+            </a:lvl9pPr>
+          </a:lstStyle>
+          <a:p>
+            <a:r>
+              <a:rPr lang="en-US" dirty="0"/>
+              <a:t>Infoway Technologies, 3rd  Floor Commerce Centre, Rambaug Colony, Paud Road Pune 411038</a:t>
+            </a:r>
+            <a:endParaRPr lang="en-IN" dirty="0"/>
+          </a:p>
+          <a:p>
+            <a:endParaRPr lang="en-US" dirty="0"/>
+          </a:p>
+        </p:txBody>
+      </p:sp>
+      <p:sp>
+        <p:nvSpPr>
+          <p:cNvPr id="16" name="Rectangle 15"/>
+          <p:cNvSpPr/>
+          <p:nvPr/>
+        </p:nvSpPr>
+        <p:spPr>
+          <a:xfrm>
+            <a:off x="1523802" y="3"/>
+            <a:ext cx="9142810" cy="646331"/>
+          </a:xfrm>
+          <a:prstGeom prst="rect">
+            <a:avLst/>
+          </a:prstGeom>
+          <a:solidFill>
+            <a:schemeClr val="bg1"/>
+          </a:solidFill>
+        </p:spPr>
+        <p:txBody>
+          <a:bodyPr wrap="square">
+            <a:spAutoFit/>
+          </a:bodyPr>
+          <a:lstStyle/>
+          <a:p>
+            <a:pPr algn="r"/>
+            <a:r>
+              <a:rPr lang="en-US" sz="3600" dirty="0" smtClean="0"/>
+              <a:t>difference between char and varchar data type</a:t>
+            </a:r>
+            <a:endParaRPr lang="en-IN" sz="3600" dirty="0">
+              <a:latin typeface="Arial" panose="020B0604020202020204" pitchFamily="34" charset="0"/>
+              <a:cs typeface="Arial" panose="020B0604020202020204" pitchFamily="34" charset="0"/>
+            </a:endParaRPr>
+          </a:p>
+        </p:txBody>
+      </p:sp>
+      <p:graphicFrame>
+        <p:nvGraphicFramePr>
+          <p:cNvPr id="17" name="Table 16"/>
+          <p:cNvGraphicFramePr>
+            <a:graphicFrameLocks noGrp="1"/>
+          </p:cNvGraphicFramePr>
+          <p:nvPr/>
+        </p:nvGraphicFramePr>
+        <p:xfrm>
+          <a:off x="262558" y="1404676"/>
+          <a:ext cx="11593287" cy="3024456"/>
+        </p:xfrm>
+        <a:graphic>
+          <a:graphicData uri="http://schemas.openxmlformats.org/drawingml/2006/table">
+            <a:tbl>
+              <a:tblPr>
+                <a:tableStyleId>{5940675A-B579-460E-94D1-54222C63F5DA}</a:tableStyleId>
+              </a:tblPr>
+              <a:tblGrid>
+                <a:gridCol w="5805603"/>
+                <a:gridCol w="5787684"/>
+              </a:tblGrid>
+              <a:tr h="453818">
+                <a:tc>
+                  <a:txBody>
+                    <a:bodyPr/>
+                    <a:lstStyle/>
+                    <a:p>
+                      <a:pPr marL="0" algn="ctr" defTabSz="914400" rtl="0" eaLnBrk="1" fontAlgn="t" latinLnBrk="0" hangingPunct="1"/>
+                      <a:r>
+                        <a:rPr lang="en-US" sz="2000" b="1" kern="1200" dirty="0" smtClean="0">
+                          <a:solidFill>
+                            <a:schemeClr val="tx1"/>
+                          </a:solidFill>
+                          <a:latin typeface="Palatino Linotype" pitchFamily="18" charset="0"/>
+                          <a:ea typeface="+mn-ea"/>
+                          <a:cs typeface="+mn-cs"/>
+                        </a:rPr>
+                        <a:t>CHAR</a:t>
+                      </a:r>
+                      <a:endParaRPr lang="en-US" sz="2000" b="1" kern="1200" dirty="0">
+                        <a:solidFill>
+                          <a:schemeClr val="tx1"/>
+                        </a:solidFill>
+                        <a:latin typeface="Palatino Linotype" pitchFamily="18" charset="0"/>
+                        <a:ea typeface="+mn-ea"/>
+                        <a:cs typeface="+mn-cs"/>
+                      </a:endParaRPr>
+                    </a:p>
+                  </a:txBody>
+                  <a:tcPr marL="76095" marR="76095" marT="76095" marB="76095"/>
+                </a:tc>
+                <a:tc>
+                  <a:txBody>
+                    <a:bodyPr/>
+                    <a:lstStyle/>
+                    <a:p>
+                      <a:pPr marL="0" algn="ctr" defTabSz="914400" rtl="0" eaLnBrk="1" fontAlgn="t" latinLnBrk="0" hangingPunct="1"/>
+                      <a:r>
+                        <a:rPr lang="en-US" sz="2000" b="1" kern="1200" dirty="0" smtClean="0">
+                          <a:solidFill>
+                            <a:schemeClr val="tx1"/>
+                          </a:solidFill>
+                          <a:latin typeface="Palatino Linotype" pitchFamily="18" charset="0"/>
+                          <a:ea typeface="+mn-ea"/>
+                          <a:cs typeface="+mn-cs"/>
+                        </a:rPr>
+                        <a:t>VARCHAR</a:t>
+                      </a:r>
+                      <a:endParaRPr lang="en-US" sz="2000" b="1" kern="1200" dirty="0">
+                        <a:solidFill>
+                          <a:schemeClr val="tx1"/>
+                        </a:solidFill>
+                        <a:latin typeface="Palatino Linotype" pitchFamily="18" charset="0"/>
+                        <a:ea typeface="+mn-ea"/>
+                        <a:cs typeface="+mn-cs"/>
+                      </a:endParaRPr>
+                    </a:p>
+                  </a:txBody>
+                  <a:tcPr marL="76095" marR="76095" marT="76095" marB="76095"/>
+                </a:tc>
+              </a:tr>
+              <a:tr h="786396">
+                <a:tc>
+                  <a:txBody>
+                    <a:bodyPr/>
+                    <a:lstStyle/>
+                    <a:p>
+                      <a:pPr marL="360363" indent="0" fontAlgn="t"/>
+                      <a:r>
+                        <a:rPr lang="en-US" sz="1800" dirty="0">
+                          <a:latin typeface="Palatino Linotype" pitchFamily="18" charset="0"/>
+                        </a:rPr>
+                        <a:t>It stores values in fixed lengths and are padded </a:t>
+                      </a:r>
+                      <a:r>
+                        <a:rPr lang="en-US" sz="1800" dirty="0" smtClean="0">
+                          <a:latin typeface="Palatino Linotype" pitchFamily="18" charset="0"/>
+                        </a:rPr>
+                        <a:t>with </a:t>
+                      </a:r>
+                      <a:r>
+                        <a:rPr lang="en-US" sz="1800" dirty="0">
+                          <a:latin typeface="Palatino Linotype" pitchFamily="18" charset="0"/>
+                        </a:rPr>
+                        <a:t>space characters to match the specified </a:t>
+                      </a:r>
+                      <a:r>
+                        <a:rPr lang="en-US" sz="1800" dirty="0" smtClean="0">
+                          <a:latin typeface="Palatino Linotype" pitchFamily="18" charset="0"/>
+                        </a:rPr>
+                        <a:t>length</a:t>
+                      </a:r>
+                      <a:endParaRPr lang="en-US" sz="1800" dirty="0">
+                        <a:latin typeface="Palatino Linotype" pitchFamily="18" charset="0"/>
+                      </a:endParaRPr>
+                    </a:p>
+                  </a:txBody>
+                  <a:tcPr marL="76095" marR="76095" marT="76095" marB="76095"/>
+                </a:tc>
+                <a:tc>
+                  <a:txBody>
+                    <a:bodyPr/>
+                    <a:lstStyle/>
+                    <a:p>
+                      <a:pPr marL="360363" indent="0" fontAlgn="t"/>
+                      <a:r>
+                        <a:rPr lang="en-US" sz="1800" dirty="0">
+                          <a:latin typeface="Palatino Linotype" pitchFamily="18" charset="0"/>
+                        </a:rPr>
+                        <a:t>VARCHAR stores values in variable </a:t>
+                      </a:r>
+                      <a:r>
+                        <a:rPr lang="en-US" sz="1800" dirty="0" smtClean="0">
+                          <a:latin typeface="Palatino Linotype" pitchFamily="18" charset="0"/>
+                        </a:rPr>
+                        <a:t>length and </a:t>
+                      </a:r>
+                      <a:r>
+                        <a:rPr lang="en-US" sz="1800" dirty="0">
+                          <a:latin typeface="Palatino Linotype" pitchFamily="18" charset="0"/>
+                        </a:rPr>
+                        <a:t>are not padded with </a:t>
+                      </a:r>
+                      <a:r>
+                        <a:rPr lang="en-US" sz="1800" dirty="0" smtClean="0">
+                          <a:latin typeface="Palatino Linotype" pitchFamily="18" charset="0"/>
+                        </a:rPr>
+                        <a:t>space characters</a:t>
+                      </a:r>
+                      <a:endParaRPr lang="en-US" sz="1800" dirty="0">
+                        <a:latin typeface="Palatino Linotype" pitchFamily="18" charset="0"/>
+                      </a:endParaRPr>
+                    </a:p>
+                  </a:txBody>
+                  <a:tcPr marL="76095" marR="76095" marT="76095" marB="76095"/>
+                </a:tc>
+              </a:tr>
+              <a:tr h="684000">
+                <a:tc>
+                  <a:txBody>
+                    <a:bodyPr/>
+                    <a:lstStyle/>
+                    <a:p>
+                      <a:pPr marL="360363" indent="0" fontAlgn="t"/>
+                      <a:r>
+                        <a:rPr lang="en-US" sz="1800" dirty="0">
+                          <a:latin typeface="Palatino Linotype" pitchFamily="18" charset="0"/>
+                        </a:rPr>
+                        <a:t>It can hold a maximum of 255 characters</a:t>
+                      </a:r>
+                      <a:r>
+                        <a:rPr lang="en-US" sz="1800" dirty="0" smtClean="0">
+                          <a:latin typeface="Palatino Linotype" pitchFamily="18" charset="0"/>
+                        </a:rPr>
+                        <a:t>.</a:t>
+                      </a:r>
+                      <a:endParaRPr lang="en-US" sz="1800" dirty="0">
+                        <a:latin typeface="Palatino Linotype" pitchFamily="18" charset="0"/>
+                      </a:endParaRPr>
+                    </a:p>
+                  </a:txBody>
+                  <a:tcPr marL="76095" marR="76095" marT="76095" marB="76095"/>
+                </a:tc>
+                <a:tc>
+                  <a:txBody>
+                    <a:bodyPr/>
+                    <a:lstStyle/>
+                    <a:p>
+                      <a:pPr marL="360363" indent="0" fontAlgn="t"/>
+                      <a:r>
+                        <a:rPr lang="en-US" sz="1800" dirty="0">
+                          <a:latin typeface="Palatino Linotype" pitchFamily="18" charset="0"/>
+                        </a:rPr>
+                        <a:t>It can hold a maximum of 65,535 characters</a:t>
+                      </a:r>
+                      <a:r>
+                        <a:rPr lang="en-US" sz="1800" dirty="0" smtClean="0">
+                          <a:latin typeface="Palatino Linotype" pitchFamily="18" charset="0"/>
+                        </a:rPr>
+                        <a:t>.</a:t>
+                      </a:r>
+                      <a:endParaRPr lang="en-US" sz="1800" dirty="0">
+                        <a:latin typeface="Palatino Linotype" pitchFamily="18" charset="0"/>
+                      </a:endParaRPr>
+                    </a:p>
+                  </a:txBody>
+                  <a:tcPr marL="76095" marR="76095" marT="76095" marB="76095"/>
+                </a:tc>
+              </a:tr>
+              <a:tr h="684000">
+                <a:tc>
+                  <a:txBody>
+                    <a:bodyPr/>
+                    <a:lstStyle/>
+                    <a:p>
+                      <a:pPr marL="360363" indent="0" fontAlgn="t"/>
+                      <a:r>
+                        <a:rPr lang="en-US" sz="1800" dirty="0">
+                          <a:latin typeface="Palatino Linotype" pitchFamily="18" charset="0"/>
+                        </a:rPr>
+                        <a:t>It uses static memory allocation</a:t>
+                      </a:r>
+                      <a:r>
+                        <a:rPr lang="en-US" sz="1800" dirty="0" smtClean="0">
+                          <a:latin typeface="Palatino Linotype" pitchFamily="18" charset="0"/>
+                        </a:rPr>
+                        <a:t>.</a:t>
+                      </a:r>
+                    </a:p>
+                    <a:p>
+                      <a:pPr marL="360363" indent="0" fontAlgn="t"/>
+                      <a:endParaRPr lang="en-US" sz="800" dirty="0" smtClean="0">
+                        <a:latin typeface="Palatino Linotype" pitchFamily="18" charset="0"/>
+                      </a:endParaRPr>
+                    </a:p>
+                    <a:p>
+                      <a:pPr marL="360363" indent="0" fontAlgn="t"/>
+                      <a:r>
+                        <a:rPr lang="en-US" sz="1800" dirty="0" smtClean="0">
+                          <a:latin typeface="Palatino Linotype" pitchFamily="18" charset="0"/>
+                        </a:rPr>
+                        <a:t>e.g.</a:t>
+                      </a:r>
+                    </a:p>
+                    <a:p>
+                      <a:pPr marL="360363" indent="0" fontAlgn="t"/>
+                      <a:r>
+                        <a:rPr lang="en-US" sz="1800" dirty="0" smtClean="0">
+                          <a:latin typeface="Palatino Linotype" pitchFamily="18" charset="0"/>
+                        </a:rPr>
+                        <a:t>mysql&gt; CREATE TABLE emp(name CHAR(10</a:t>
+                      </a:r>
+                      <a:r>
+                        <a:rPr lang="en-US" sz="1800" dirty="0">
+                          <a:latin typeface="Palatino Linotype" pitchFamily="18" charset="0"/>
+                        </a:rPr>
+                        <a:t>)); </a:t>
+                      </a:r>
+                    </a:p>
+                  </a:txBody>
+                  <a:tcPr marL="76095" marR="76095" marT="76095" marB="76095"/>
+                </a:tc>
+                <a:tc>
+                  <a:txBody>
+                    <a:bodyPr/>
+                    <a:lstStyle/>
+                    <a:p>
+                      <a:pPr marL="360363" indent="0" fontAlgn="t"/>
+                      <a:r>
+                        <a:rPr lang="en-US" sz="1800" dirty="0">
+                          <a:latin typeface="Palatino Linotype" pitchFamily="18" charset="0"/>
+                        </a:rPr>
+                        <a:t>It uses dynamic memory allocation</a:t>
+                      </a:r>
+                      <a:r>
+                        <a:rPr lang="en-US" sz="1800" dirty="0" smtClean="0">
+                          <a:latin typeface="Palatino Linotype" pitchFamily="18" charset="0"/>
+                        </a:rPr>
+                        <a:t>.</a:t>
+                      </a:r>
+                    </a:p>
+                    <a:p>
+                      <a:pPr marL="360363" indent="0" fontAlgn="t"/>
+                      <a:endParaRPr lang="en-US" sz="800" dirty="0" smtClean="0">
+                        <a:latin typeface="Palatino Linotype" pitchFamily="18" charset="0"/>
+                      </a:endParaRPr>
+                    </a:p>
+                    <a:p>
+                      <a:pPr marL="360363" indent="0" fontAlgn="t"/>
+                      <a:r>
+                        <a:rPr lang="en-US" sz="1800" dirty="0" smtClean="0">
+                          <a:latin typeface="Palatino Linotype" pitchFamily="18" charset="0"/>
+                        </a:rPr>
+                        <a:t>e.g.</a:t>
+                      </a:r>
+                    </a:p>
+                    <a:p>
+                      <a:pPr marL="360363" indent="0" fontAlgn="t"/>
+                      <a:r>
+                        <a:rPr lang="en-US" sz="1800" dirty="0" smtClean="0">
+                          <a:latin typeface="Palatino Linotype" pitchFamily="18" charset="0"/>
+                        </a:rPr>
+                        <a:t>mysql&gt;create </a:t>
+                      </a:r>
+                      <a:r>
+                        <a:rPr lang="en-US" sz="1800" dirty="0">
+                          <a:latin typeface="Palatino Linotype" pitchFamily="18" charset="0"/>
+                        </a:rPr>
+                        <a:t>table emp1(name </a:t>
+                      </a:r>
+                      <a:r>
+                        <a:rPr lang="en-US" sz="1800" dirty="0" smtClean="0">
+                          <a:latin typeface="Palatino Linotype" pitchFamily="18" charset="0"/>
+                        </a:rPr>
+                        <a:t>VARCHAR(10</a:t>
+                      </a:r>
+                      <a:r>
+                        <a:rPr lang="en-US" sz="1800" dirty="0">
+                          <a:latin typeface="Palatino Linotype" pitchFamily="18" charset="0"/>
+                        </a:rPr>
+                        <a:t>)); </a:t>
+                      </a:r>
+                    </a:p>
+                  </a:txBody>
+                  <a:tcPr marL="76095" marR="76095" marT="76095" marB="76095"/>
+                </a:tc>
+              </a:tr>
+            </a:tbl>
+          </a:graphicData>
+        </a:graphic>
+      </p:graphicFrame>
+      <p:sp>
+        <p:nvSpPr>
+          <p:cNvPr id="6" name="Rectangle 5"/>
+          <p:cNvSpPr/>
+          <p:nvPr/>
+        </p:nvSpPr>
+        <p:spPr>
+          <a:xfrm>
+            <a:off x="11755679" y="0"/>
+            <a:ext cx="397866" cy="369332"/>
+          </a:xfrm>
+          <a:prstGeom prst="rect">
+            <a:avLst/>
+          </a:prstGeom>
+        </p:spPr>
+        <p:txBody>
+          <a:bodyPr wrap="none">
+            <a:spAutoFit/>
+          </a:bodyPr>
+          <a:lstStyle/>
+          <a:p>
+            <a:r>
+              <a:rPr lang="en-IN" dirty="0" smtClean="0">
+                <a:latin typeface="Segoe UI Light" panose="020B0502040204020203" pitchFamily="34" charset="0"/>
+                <a:cs typeface="Segoe UI Light" panose="020B0502040204020203" pitchFamily="34" charset="0"/>
+              </a:rPr>
+              <a:t>(1)</a:t>
+            </a:r>
+            <a:endParaRPr lang="en-US" dirty="0"/>
+          </a:p>
+        </p:txBody>
+      </p:sp>
+    </p:spTree>
+    <p:extLst>
+      <p:ext uri="{BB962C8B-B14F-4D97-AF65-F5344CB8AC3E}">
+        <p14:creationId xmlns:p14="http://schemas.microsoft.com/office/powerpoint/2010/main" xmlns="" val="1235870264"/>
+      </p:ext>
+    </p:extLst>
+  </p:cSld>
+  <p:clrMapOvr>
+    <a:masterClrMapping/>
+  </p:clrMapOvr>
+  <p:timing>
+    <p:tnLst>
+      <p:par>
+        <p:cTn id="1" dur="indefinite" restart="never" nodeType="tmRoot"/>
+      </p:par>
+    </p:tnLst>
+  </p:timing>
+</p:sld>
+</file>
+
+<file path=ppt/slides/slide11.xml><?xml version="1.0" encoding="utf-8"?>
+<p:sld xmlns:a="http://schemas.openxmlformats.org/drawingml/2006/main" xmlns:r="http://schemas.openxmlformats.org/officeDocument/2006/relationships" xmlns:p="http://schemas.openxmlformats.org/presentationml/2006/main">
+  <p:cSld>
+    <p:spTree>
+      <p:nvGrpSpPr>
+        <p:cNvPr id="1" name=""/>
+        <p:cNvGrpSpPr/>
+        <p:nvPr/>
+      </p:nvGrpSpPr>
+      <p:grpSpPr>
+        <a:xfrm>
+          <a:off x="0" y="0"/>
+          <a:ext cx="0" cy="0"/>
+          <a:chOff x="0" y="0"/>
+          <a:chExt cx="0" cy="0"/>
+        </a:xfrm>
+      </p:grpSpPr>
+      <p:pic>
+        <p:nvPicPr>
+          <p:cNvPr id="12" name="Picture 11">
+            <a:extLst>
+              <a:ext uri="{FF2B5EF4-FFF2-40B4-BE49-F238E27FC236}">
+                <a16:creationId xmlns:a16="http://schemas.microsoft.com/office/drawing/2014/main" xmlns="" id="{376A40D3-BDBE-40ED-8E56-15C49E3DE9B0}"/>
+              </a:ext>
+            </a:extLst>
+          </p:cNvPr>
+          <p:cNvPicPr>
+            <a:picLocks noChangeAspect="1"/>
+          </p:cNvPicPr>
+          <p:nvPr/>
+        </p:nvPicPr>
+        <p:blipFill>
+          <a:blip r:embed="rId2" cstate="print">
+            <a:extLst>
+              <a:ext uri="{28A0092B-C50C-407E-A947-70E740481C1C}">
+                <a14:useLocalDpi xmlns:a14="http://schemas.microsoft.com/office/drawing/2010/main" xmlns="" val="0"/>
+              </a:ext>
+            </a:extLst>
+          </a:blip>
+          <a:stretch>
+            <a:fillRect/>
+          </a:stretch>
+        </p:blipFill>
+        <p:spPr>
+          <a:xfrm>
+            <a:off x="118542" y="116632"/>
+            <a:ext cx="1371859" cy="445150"/>
+          </a:xfrm>
+          <a:prstGeom prst="rect">
+            <a:avLst/>
+          </a:prstGeom>
+        </p:spPr>
+      </p:pic>
+      <p:sp>
+        <p:nvSpPr>
+          <p:cNvPr id="11" name="Footer Placeholder 2">
+            <a:extLst>
+              <a:ext uri="{FF2B5EF4-FFF2-40B4-BE49-F238E27FC236}">
+                <a16:creationId xmlns:a16="http://schemas.microsoft.com/office/drawing/2014/main" xmlns="" id="{6E71ED8E-3D54-4568-9791-BB4BE74489E7}"/>
+              </a:ext>
+            </a:extLst>
+          </p:cNvPr>
+          <p:cNvSpPr txBox="1">
+            <a:spLocks/>
+          </p:cNvSpPr>
+          <p:nvPr/>
+        </p:nvSpPr>
+        <p:spPr>
+          <a:xfrm>
+            <a:off x="3237431" y="6523037"/>
+            <a:ext cx="5400600" cy="365125"/>
+          </a:xfrm>
+          <a:prstGeom prst="rect">
+            <a:avLst/>
+          </a:prstGeom>
+        </p:spPr>
+        <p:txBody>
+          <a:bodyPr/>
+          <a:lstStyle>
+            <a:defPPr>
+              <a:defRPr lang="en-US"/>
+            </a:defPPr>
+            <a:lvl1pPr marL="0" algn="l" defTabSz="914400" rtl="0" eaLnBrk="1" latinLnBrk="0" hangingPunct="1">
+              <a:defRPr sz="1050" kern="1200">
+                <a:solidFill>
+                  <a:schemeClr val="tx1"/>
+                </a:solidFill>
+                <a:latin typeface="+mn-lt"/>
+                <a:ea typeface="+mn-ea"/>
+                <a:cs typeface="+mn-cs"/>
+              </a:defRPr>
+            </a:lvl1pPr>
+            <a:lvl2pPr marL="457200" algn="l" defTabSz="914400" rtl="0" eaLnBrk="1" latinLnBrk="0" hangingPunct="1">
+              <a:defRPr sz="1800" kern="1200">
+                <a:solidFill>
+                  <a:schemeClr val="tx1"/>
+                </a:solidFill>
+                <a:latin typeface="+mn-lt"/>
+                <a:ea typeface="+mn-ea"/>
+                <a:cs typeface="+mn-cs"/>
+              </a:defRPr>
+            </a:lvl2pPr>
+            <a:lvl3pPr marL="914400" algn="l" defTabSz="914400" rtl="0" eaLnBrk="1" latinLnBrk="0" hangingPunct="1">
+              <a:defRPr sz="1800" kern="1200">
+                <a:solidFill>
+                  <a:schemeClr val="tx1"/>
+                </a:solidFill>
+                <a:latin typeface="+mn-lt"/>
+                <a:ea typeface="+mn-ea"/>
+                <a:cs typeface="+mn-cs"/>
+              </a:defRPr>
+            </a:lvl3pPr>
+            <a:lvl4pPr marL="1371600" algn="l" defTabSz="914400" rtl="0" eaLnBrk="1" latinLnBrk="0" hangingPunct="1">
+              <a:defRPr sz="1800" kern="1200">
+                <a:solidFill>
+                  <a:schemeClr val="tx1"/>
+                </a:solidFill>
+                <a:latin typeface="+mn-lt"/>
+                <a:ea typeface="+mn-ea"/>
+                <a:cs typeface="+mn-cs"/>
+              </a:defRPr>
+            </a:lvl4pPr>
+            <a:lvl5pPr marL="1828800" algn="l" defTabSz="914400" rtl="0" eaLnBrk="1" latinLnBrk="0" hangingPunct="1">
+              <a:defRPr sz="1800" kern="1200">
+                <a:solidFill>
+                  <a:schemeClr val="tx1"/>
+                </a:solidFill>
+                <a:latin typeface="+mn-lt"/>
+                <a:ea typeface="+mn-ea"/>
+                <a:cs typeface="+mn-cs"/>
+              </a:defRPr>
+            </a:lvl5pPr>
+            <a:lvl6pPr marL="2286000" algn="l" defTabSz="914400" rtl="0" eaLnBrk="1" latinLnBrk="0" hangingPunct="1">
+              <a:defRPr sz="1800" kern="1200">
+                <a:solidFill>
+                  <a:schemeClr val="tx1"/>
+                </a:solidFill>
+                <a:latin typeface="+mn-lt"/>
+                <a:ea typeface="+mn-ea"/>
+                <a:cs typeface="+mn-cs"/>
+              </a:defRPr>
+            </a:lvl6pPr>
+            <a:lvl7pPr marL="2743200" algn="l" defTabSz="914400" rtl="0" eaLnBrk="1" latinLnBrk="0" hangingPunct="1">
+              <a:defRPr sz="1800" kern="1200">
+                <a:solidFill>
+                  <a:schemeClr val="tx1"/>
+                </a:solidFill>
+                <a:latin typeface="+mn-lt"/>
+                <a:ea typeface="+mn-ea"/>
+                <a:cs typeface="+mn-cs"/>
+              </a:defRPr>
+            </a:lvl7pPr>
+            <a:lvl8pPr marL="3200400" algn="l" defTabSz="914400" rtl="0" eaLnBrk="1" latinLnBrk="0" hangingPunct="1">
+              <a:defRPr sz="1800" kern="1200">
+                <a:solidFill>
+                  <a:schemeClr val="tx1"/>
+                </a:solidFill>
+                <a:latin typeface="+mn-lt"/>
+                <a:ea typeface="+mn-ea"/>
+                <a:cs typeface="+mn-cs"/>
+              </a:defRPr>
+            </a:lvl8pPr>
+            <a:lvl9pPr marL="3657600" algn="l" defTabSz="914400" rtl="0" eaLnBrk="1" latinLnBrk="0" hangingPunct="1">
+              <a:defRPr sz="1800" kern="1200">
+                <a:solidFill>
+                  <a:schemeClr val="tx1"/>
+                </a:solidFill>
+                <a:latin typeface="+mn-lt"/>
+                <a:ea typeface="+mn-ea"/>
+                <a:cs typeface="+mn-cs"/>
+              </a:defRPr>
+            </a:lvl9pPr>
+          </a:lstStyle>
+          <a:p>
+            <a:r>
+              <a:rPr lang="en-US" dirty="0"/>
+              <a:t>Infoway Technologies, 3rd  Floor Commerce Centre, Rambaug Colony, Paud Road Pune 411038</a:t>
+            </a:r>
+            <a:endParaRPr lang="en-IN" dirty="0"/>
+          </a:p>
+          <a:p>
+            <a:endParaRPr lang="en-US" dirty="0"/>
+          </a:p>
+        </p:txBody>
+      </p:sp>
+      <p:sp>
+        <p:nvSpPr>
+          <p:cNvPr id="16" name="Rectangle 15"/>
+          <p:cNvSpPr/>
+          <p:nvPr/>
+        </p:nvSpPr>
+        <p:spPr>
+          <a:xfrm>
+            <a:off x="1523802" y="3"/>
+            <a:ext cx="9142810" cy="646331"/>
+          </a:xfrm>
+          <a:prstGeom prst="rect">
+            <a:avLst/>
+          </a:prstGeom>
+          <a:solidFill>
+            <a:schemeClr val="bg1"/>
+          </a:solidFill>
+        </p:spPr>
+        <p:txBody>
+          <a:bodyPr wrap="square">
+            <a:spAutoFit/>
+          </a:bodyPr>
+          <a:lstStyle/>
+          <a:p>
+            <a:pPr algn="r"/>
+            <a:r>
+              <a:rPr lang="en-US" sz="3600" dirty="0" smtClean="0"/>
+              <a:t>nvarchar/ unicode</a:t>
+            </a:r>
+            <a:endParaRPr lang="en-IN" sz="3600" dirty="0">
+              <a:latin typeface="Arial" panose="020B0604020202020204" pitchFamily="34" charset="0"/>
+              <a:cs typeface="Arial" panose="020B0604020202020204" pitchFamily="34" charset="0"/>
+            </a:endParaRPr>
+          </a:p>
+        </p:txBody>
+      </p:sp>
+      <p:sp>
+        <p:nvSpPr>
+          <p:cNvPr id="6" name="Rectangle 5"/>
+          <p:cNvSpPr/>
+          <p:nvPr/>
+        </p:nvSpPr>
+        <p:spPr>
+          <a:xfrm>
+            <a:off x="11755679" y="0"/>
+            <a:ext cx="397866" cy="369332"/>
+          </a:xfrm>
+          <a:prstGeom prst="rect">
+            <a:avLst/>
+          </a:prstGeom>
+        </p:spPr>
+        <p:txBody>
+          <a:bodyPr wrap="none">
+            <a:spAutoFit/>
+          </a:bodyPr>
+          <a:lstStyle/>
+          <a:p>
+            <a:r>
+              <a:rPr lang="en-IN" dirty="0" smtClean="0">
+                <a:latin typeface="Segoe UI Light" panose="020B0502040204020203" pitchFamily="34" charset="0"/>
+                <a:cs typeface="Segoe UI Light" panose="020B0502040204020203" pitchFamily="34" charset="0"/>
+              </a:rPr>
+              <a:t>(1)</a:t>
+            </a:r>
+            <a:endParaRPr lang="en-US" dirty="0"/>
+          </a:p>
+        </p:txBody>
+      </p:sp>
+      <p:sp>
+        <p:nvSpPr>
+          <p:cNvPr id="7" name="Rectangle 6"/>
+          <p:cNvSpPr/>
+          <p:nvPr/>
+        </p:nvSpPr>
+        <p:spPr>
+          <a:xfrm>
+            <a:off x="594480" y="1285860"/>
+            <a:ext cx="11287204" cy="923330"/>
+          </a:xfrm>
+          <a:prstGeom prst="rect">
+            <a:avLst/>
+          </a:prstGeom>
+        </p:spPr>
+        <p:txBody>
+          <a:bodyPr wrap="square">
+            <a:spAutoFit/>
+          </a:bodyPr>
+          <a:lstStyle/>
+          <a:p>
+            <a:r>
+              <a:rPr lang="en-US" dirty="0" smtClean="0"/>
+              <a:t>The "N" in </a:t>
+            </a:r>
+            <a:r>
+              <a:rPr lang="en-US" b="1" dirty="0" smtClean="0"/>
+              <a:t>NVARCHAR</a:t>
+            </a:r>
+            <a:r>
+              <a:rPr lang="en-US" dirty="0" smtClean="0"/>
+              <a:t> means unicode. Essentially, </a:t>
+            </a:r>
+            <a:r>
+              <a:rPr lang="en-US" b="1" dirty="0" smtClean="0"/>
+              <a:t>NVARCHAR</a:t>
+            </a:r>
+            <a:r>
+              <a:rPr lang="en-US" dirty="0" smtClean="0"/>
+              <a:t> is nothing more than a VARCHAR that supports two-byte characters. The most common </a:t>
+            </a:r>
+            <a:r>
+              <a:rPr lang="en-US" b="1" dirty="0" smtClean="0"/>
+              <a:t>use</a:t>
+            </a:r>
+            <a:r>
+              <a:rPr lang="en-US" dirty="0" smtClean="0"/>
+              <a:t> for this sort of thing is to store character data that is a mixture of English and non-English symbols -- in my case, English and Japanese.</a:t>
+            </a:r>
+            <a:endParaRPr lang="en-US" dirty="0"/>
+          </a:p>
+        </p:txBody>
+      </p:sp>
+    </p:spTree>
+    <p:extLst>
+      <p:ext uri="{BB962C8B-B14F-4D97-AF65-F5344CB8AC3E}">
+        <p14:creationId xmlns:p14="http://schemas.microsoft.com/office/powerpoint/2010/main" xmlns="" val="1235870264"/>
+      </p:ext>
+    </p:extLst>
+  </p:cSld>
+  <p:clrMapOvr>
+    <a:masterClrMapping/>
+  </p:clrMapOvr>
+  <p:timing>
+    <p:tnLst>
+      <p:par>
+        <p:cTn id="1" dur="indefinite" restart="never" nodeType="tmRoot"/>
+      </p:par>
+    </p:tnLst>
+  </p:timing>
+</p:sld>
+</file>
+
+<file path=ppt/slides/slide12.xml><?xml version="1.0" encoding="utf-8"?>
+<p:sld xmlns:a="http://schemas.openxmlformats.org/drawingml/2006/main" xmlns:r="http://schemas.openxmlformats.org/officeDocument/2006/relationships" xmlns:p="http://schemas.openxmlformats.org/presentationml/2006/main">
+  <p:cSld>
+    <p:spTree>
+      <p:nvGrpSpPr>
+        <p:cNvPr id="1" name=""/>
+        <p:cNvGrpSpPr/>
+        <p:nvPr/>
+      </p:nvGrpSpPr>
+      <p:grpSpPr>
+        <a:xfrm>
+          <a:off x="0" y="0"/>
+          <a:ext cx="0" cy="0"/>
+          <a:chOff x="0" y="0"/>
+          <a:chExt cx="0" cy="0"/>
+        </a:xfrm>
+      </p:grpSpPr>
+      <p:pic>
+        <p:nvPicPr>
+          <p:cNvPr id="12" name="Picture 11">
+            <a:extLst>
+              <a:ext uri="{FF2B5EF4-FFF2-40B4-BE49-F238E27FC236}">
+                <a16:creationId xmlns:a16="http://schemas.microsoft.com/office/drawing/2014/main" xmlns="" id="{376A40D3-BDBE-40ED-8E56-15C49E3DE9B0}"/>
+              </a:ext>
+            </a:extLst>
+          </p:cNvPr>
+          <p:cNvPicPr>
+            <a:picLocks noChangeAspect="1"/>
+          </p:cNvPicPr>
+          <p:nvPr/>
+        </p:nvPicPr>
+        <p:blipFill>
+          <a:blip r:embed="rId2" cstate="print">
+            <a:extLst>
+              <a:ext uri="{28A0092B-C50C-407E-A947-70E740481C1C}">
+                <a14:useLocalDpi xmlns:a14="http://schemas.microsoft.com/office/drawing/2010/main" xmlns="" val="0"/>
+              </a:ext>
+            </a:extLst>
+          </a:blip>
+          <a:stretch>
+            <a:fillRect/>
+          </a:stretch>
+        </p:blipFill>
+        <p:spPr>
+          <a:xfrm>
+            <a:off x="118542" y="116632"/>
+            <a:ext cx="1371859" cy="445150"/>
+          </a:xfrm>
+          <a:prstGeom prst="rect">
+            <a:avLst/>
+          </a:prstGeom>
+        </p:spPr>
+      </p:pic>
+      <p:sp>
+        <p:nvSpPr>
+          <p:cNvPr id="11" name="Footer Placeholder 2">
+            <a:extLst>
+              <a:ext uri="{FF2B5EF4-FFF2-40B4-BE49-F238E27FC236}">
+                <a16:creationId xmlns:a16="http://schemas.microsoft.com/office/drawing/2014/main" xmlns="" id="{6E71ED8E-3D54-4568-9791-BB4BE74489E7}"/>
+              </a:ext>
+            </a:extLst>
+          </p:cNvPr>
+          <p:cNvSpPr txBox="1">
+            <a:spLocks/>
+          </p:cNvSpPr>
+          <p:nvPr/>
+        </p:nvSpPr>
+        <p:spPr>
+          <a:xfrm>
+            <a:off x="3237431" y="6523037"/>
+            <a:ext cx="5400600" cy="365125"/>
+          </a:xfrm>
+          <a:prstGeom prst="rect">
+            <a:avLst/>
+          </a:prstGeom>
+        </p:spPr>
+        <p:txBody>
+          <a:bodyPr/>
+          <a:lstStyle>
+            <a:defPPr>
+              <a:defRPr lang="en-US"/>
+            </a:defPPr>
+            <a:lvl1pPr marL="0" algn="l" defTabSz="914400" rtl="0" eaLnBrk="1" latinLnBrk="0" hangingPunct="1">
+              <a:defRPr sz="1050" kern="1200">
+                <a:solidFill>
+                  <a:schemeClr val="tx1"/>
+                </a:solidFill>
+                <a:latin typeface="+mn-lt"/>
+                <a:ea typeface="+mn-ea"/>
+                <a:cs typeface="+mn-cs"/>
+              </a:defRPr>
+            </a:lvl1pPr>
+            <a:lvl2pPr marL="457200" algn="l" defTabSz="914400" rtl="0" eaLnBrk="1" latinLnBrk="0" hangingPunct="1">
+              <a:defRPr sz="1800" kern="1200">
+                <a:solidFill>
+                  <a:schemeClr val="tx1"/>
+                </a:solidFill>
+                <a:latin typeface="+mn-lt"/>
+                <a:ea typeface="+mn-ea"/>
+                <a:cs typeface="+mn-cs"/>
+              </a:defRPr>
+            </a:lvl2pPr>
+            <a:lvl3pPr marL="914400" algn="l" defTabSz="914400" rtl="0" eaLnBrk="1" latinLnBrk="0" hangingPunct="1">
+              <a:defRPr sz="1800" kern="1200">
+                <a:solidFill>
+                  <a:schemeClr val="tx1"/>
+                </a:solidFill>
+                <a:latin typeface="+mn-lt"/>
+                <a:ea typeface="+mn-ea"/>
+                <a:cs typeface="+mn-cs"/>
+              </a:defRPr>
+            </a:lvl3pPr>
+            <a:lvl4pPr marL="1371600" algn="l" defTabSz="914400" rtl="0" eaLnBrk="1" latinLnBrk="0" hangingPunct="1">
+              <a:defRPr sz="1800" kern="1200">
+                <a:solidFill>
+                  <a:schemeClr val="tx1"/>
+                </a:solidFill>
+                <a:latin typeface="+mn-lt"/>
+                <a:ea typeface="+mn-ea"/>
+                <a:cs typeface="+mn-cs"/>
+              </a:defRPr>
+            </a:lvl4pPr>
+            <a:lvl5pPr marL="1828800" algn="l" defTabSz="914400" rtl="0" eaLnBrk="1" latinLnBrk="0" hangingPunct="1">
+              <a:defRPr sz="1800" kern="1200">
+                <a:solidFill>
+                  <a:schemeClr val="tx1"/>
+                </a:solidFill>
+                <a:latin typeface="+mn-lt"/>
+                <a:ea typeface="+mn-ea"/>
+                <a:cs typeface="+mn-cs"/>
+              </a:defRPr>
+            </a:lvl5pPr>
+            <a:lvl6pPr marL="2286000" algn="l" defTabSz="914400" rtl="0" eaLnBrk="1" latinLnBrk="0" hangingPunct="1">
+              <a:defRPr sz="1800" kern="1200">
+                <a:solidFill>
+                  <a:schemeClr val="tx1"/>
+                </a:solidFill>
+                <a:latin typeface="+mn-lt"/>
+                <a:ea typeface="+mn-ea"/>
+                <a:cs typeface="+mn-cs"/>
+              </a:defRPr>
+            </a:lvl6pPr>
+            <a:lvl7pPr marL="2743200" algn="l" defTabSz="914400" rtl="0" eaLnBrk="1" latinLnBrk="0" hangingPunct="1">
+              <a:defRPr sz="1800" kern="1200">
+                <a:solidFill>
+                  <a:schemeClr val="tx1"/>
+                </a:solidFill>
+                <a:latin typeface="+mn-lt"/>
+                <a:ea typeface="+mn-ea"/>
+                <a:cs typeface="+mn-cs"/>
+              </a:defRPr>
+            </a:lvl7pPr>
+            <a:lvl8pPr marL="3200400" algn="l" defTabSz="914400" rtl="0" eaLnBrk="1" latinLnBrk="0" hangingPunct="1">
+              <a:defRPr sz="1800" kern="1200">
+                <a:solidFill>
+                  <a:schemeClr val="tx1"/>
+                </a:solidFill>
+                <a:latin typeface="+mn-lt"/>
+                <a:ea typeface="+mn-ea"/>
+                <a:cs typeface="+mn-cs"/>
+              </a:defRPr>
+            </a:lvl8pPr>
+            <a:lvl9pPr marL="3657600" algn="l" defTabSz="914400" rtl="0" eaLnBrk="1" latinLnBrk="0" hangingPunct="1">
+              <a:defRPr sz="1800" kern="1200">
+                <a:solidFill>
+                  <a:schemeClr val="tx1"/>
+                </a:solidFill>
+                <a:latin typeface="+mn-lt"/>
+                <a:ea typeface="+mn-ea"/>
+                <a:cs typeface="+mn-cs"/>
+              </a:defRPr>
+            </a:lvl9pPr>
+          </a:lstStyle>
+          <a:p>
+            <a:r>
+              <a:rPr lang="en-US" dirty="0"/>
+              <a:t>Infoway Technologies, 3rd  Floor Commerce Centre, Rambaug Colony, Paud Road Pune 411038</a:t>
+            </a:r>
+            <a:endParaRPr lang="en-IN" dirty="0"/>
+          </a:p>
+          <a:p>
+            <a:endParaRPr lang="en-US" dirty="0"/>
+          </a:p>
+        </p:txBody>
+      </p:sp>
+      <p:sp>
+        <p:nvSpPr>
+          <p:cNvPr id="16" name="Rectangle 15"/>
+          <p:cNvSpPr/>
+          <p:nvPr/>
+        </p:nvSpPr>
+        <p:spPr>
+          <a:xfrm>
+            <a:off x="1523802" y="139463"/>
+            <a:ext cx="10000692" cy="646331"/>
+          </a:xfrm>
+          <a:prstGeom prst="rect">
+            <a:avLst/>
+          </a:prstGeom>
+          <a:solidFill>
+            <a:schemeClr val="bg1"/>
+          </a:solidFill>
+        </p:spPr>
+        <p:txBody>
+          <a:bodyPr wrap="square">
+            <a:spAutoFit/>
+          </a:bodyPr>
+          <a:lstStyle/>
+          <a:p>
+            <a:pPr algn="r"/>
+            <a:r>
+              <a:rPr lang="en-US" sz="3600" dirty="0" smtClean="0"/>
+              <a:t>difference between varchar and n varchar data type</a:t>
+            </a:r>
+            <a:endParaRPr lang="en-IN" sz="3600" dirty="0">
+              <a:latin typeface="Arial" panose="020B0604020202020204" pitchFamily="34" charset="0"/>
+              <a:cs typeface="Arial" panose="020B0604020202020204" pitchFamily="34" charset="0"/>
+            </a:endParaRPr>
+          </a:p>
+        </p:txBody>
+      </p:sp>
+      <p:sp>
+        <p:nvSpPr>
+          <p:cNvPr id="6" name="Rectangle 5"/>
+          <p:cNvSpPr/>
+          <p:nvPr/>
+        </p:nvSpPr>
+        <p:spPr>
+          <a:xfrm>
+            <a:off x="11755679" y="0"/>
+            <a:ext cx="397866" cy="369332"/>
+          </a:xfrm>
+          <a:prstGeom prst="rect">
+            <a:avLst/>
+          </a:prstGeom>
+        </p:spPr>
+        <p:txBody>
+          <a:bodyPr wrap="none">
+            <a:spAutoFit/>
+          </a:bodyPr>
+          <a:lstStyle/>
+          <a:p>
+            <a:r>
+              <a:rPr lang="en-IN" dirty="0" smtClean="0">
+                <a:latin typeface="Segoe UI Light" panose="020B0502040204020203" pitchFamily="34" charset="0"/>
+                <a:cs typeface="Segoe UI Light" panose="020B0502040204020203" pitchFamily="34" charset="0"/>
+              </a:rPr>
+              <a:t>(1)</a:t>
+            </a:r>
+            <a:endParaRPr lang="en-US" dirty="0"/>
+          </a:p>
+        </p:txBody>
+      </p:sp>
+      <p:graphicFrame>
+        <p:nvGraphicFramePr>
+          <p:cNvPr id="8" name="Table 7"/>
+          <p:cNvGraphicFramePr>
+            <a:graphicFrameLocks noGrp="1"/>
+          </p:cNvGraphicFramePr>
+          <p:nvPr/>
+        </p:nvGraphicFramePr>
+        <p:xfrm>
+          <a:off x="262558" y="1285860"/>
+          <a:ext cx="11593287" cy="2116140"/>
+        </p:xfrm>
+        <a:graphic>
+          <a:graphicData uri="http://schemas.openxmlformats.org/drawingml/2006/table">
+            <a:tbl>
+              <a:tblPr>
+                <a:tableStyleId>{5940675A-B579-460E-94D1-54222C63F5DA}</a:tableStyleId>
+              </a:tblPr>
+              <a:tblGrid>
+                <a:gridCol w="5805603"/>
+                <a:gridCol w="5787684"/>
+              </a:tblGrid>
+              <a:tr h="453818">
+                <a:tc>
+                  <a:txBody>
+                    <a:bodyPr/>
+                    <a:lstStyle/>
+                    <a:p>
+                      <a:pPr marL="0" algn="ctr" defTabSz="914400" rtl="0" eaLnBrk="1" fontAlgn="t" latinLnBrk="0" hangingPunct="1"/>
+                      <a:r>
+                        <a:rPr lang="en-US" sz="2000" b="1" kern="1200" dirty="0" smtClean="0">
+                          <a:solidFill>
+                            <a:schemeClr val="tx1"/>
+                          </a:solidFill>
+                          <a:latin typeface="Palatino Linotype" pitchFamily="18" charset="0"/>
+                          <a:ea typeface="+mn-ea"/>
+                          <a:cs typeface="+mn-cs"/>
+                        </a:rPr>
+                        <a:t>VARCHAR</a:t>
+                      </a:r>
+                      <a:endParaRPr lang="en-US" sz="2000" b="1" kern="1200" dirty="0">
+                        <a:solidFill>
+                          <a:schemeClr val="tx1"/>
+                        </a:solidFill>
+                        <a:latin typeface="Palatino Linotype" pitchFamily="18" charset="0"/>
+                        <a:ea typeface="+mn-ea"/>
+                        <a:cs typeface="+mn-cs"/>
+                      </a:endParaRPr>
+                    </a:p>
+                  </a:txBody>
+                  <a:tcPr marL="76095" marR="76095" marT="76095" marB="76095"/>
+                </a:tc>
+                <a:tc>
+                  <a:txBody>
+                    <a:bodyPr/>
+                    <a:lstStyle/>
+                    <a:p>
+                      <a:pPr marL="0" algn="ctr" defTabSz="914400" rtl="0" eaLnBrk="1" fontAlgn="t" latinLnBrk="0" hangingPunct="1"/>
+                      <a:r>
+                        <a:rPr lang="en-US" sz="2000" b="1" kern="1200" dirty="0" smtClean="0">
+                          <a:solidFill>
+                            <a:schemeClr val="tx1"/>
+                          </a:solidFill>
+                          <a:latin typeface="Palatino Linotype" pitchFamily="18" charset="0"/>
+                          <a:ea typeface="+mn-ea"/>
+                          <a:cs typeface="+mn-cs"/>
+                        </a:rPr>
+                        <a:t>NVARCHAR</a:t>
+                      </a:r>
+                      <a:endParaRPr lang="en-US" sz="2000" b="1" kern="1200" dirty="0">
+                        <a:solidFill>
+                          <a:schemeClr val="tx1"/>
+                        </a:solidFill>
+                        <a:latin typeface="Palatino Linotype" pitchFamily="18" charset="0"/>
+                        <a:ea typeface="+mn-ea"/>
+                        <a:cs typeface="+mn-cs"/>
+                      </a:endParaRPr>
+                    </a:p>
+                  </a:txBody>
+                  <a:tcPr marL="76095" marR="76095" marT="76095" marB="76095"/>
+                </a:tc>
+              </a:tr>
+              <a:tr h="786396">
+                <a:tc>
+                  <a:txBody>
+                    <a:bodyPr/>
+                    <a:lstStyle/>
+                    <a:p>
+                      <a:pPr marL="360363" indent="0" fontAlgn="t"/>
+                      <a:r>
+                        <a:rPr lang="en-US" b="1" dirty="0" smtClean="0">
+                          <a:latin typeface="Palatino Linotype" pitchFamily="18" charset="0"/>
+                        </a:rPr>
+                        <a:t>varchar</a:t>
+                      </a:r>
+                      <a:r>
+                        <a:rPr lang="en-US" dirty="0" smtClean="0">
+                          <a:latin typeface="Palatino Linotype" pitchFamily="18" charset="0"/>
+                        </a:rPr>
+                        <a:t> is stored as regular 8-bit data(1 byte per character).</a:t>
+                      </a:r>
+                      <a:endParaRPr lang="en-US" sz="1800" dirty="0">
+                        <a:latin typeface="Palatino Linotype" pitchFamily="18" charset="0"/>
+                      </a:endParaRPr>
+                    </a:p>
+                  </a:txBody>
+                  <a:tcPr marL="76095" marR="76095" marT="76095" marB="76095"/>
+                </a:tc>
+                <a:tc>
+                  <a:txBody>
+                    <a:bodyPr/>
+                    <a:lstStyle/>
+                    <a:p>
+                      <a:pPr marL="360363" marR="0" indent="0" algn="l" defTabSz="914400" rtl="0" eaLnBrk="1" fontAlgn="t" latinLnBrk="0" hangingPunct="1">
+                        <a:lnSpc>
+                          <a:spcPct val="100000"/>
+                        </a:lnSpc>
+                        <a:spcBef>
+                          <a:spcPts val="0"/>
+                        </a:spcBef>
+                        <a:spcAft>
+                          <a:spcPts val="0"/>
+                        </a:spcAft>
+                        <a:buClrTx/>
+                        <a:buSzTx/>
+                        <a:buFontTx/>
+                        <a:buNone/>
+                        <a:tabLst/>
+                        <a:defRPr/>
+                      </a:pPr>
+                      <a:r>
+                        <a:rPr lang="en-US" b="1" dirty="0" smtClean="0">
+                          <a:latin typeface="Palatino Linotype" pitchFamily="18" charset="0"/>
+                        </a:rPr>
+                        <a:t>nvarchar</a:t>
+                      </a:r>
+                      <a:r>
+                        <a:rPr lang="en-US" dirty="0" smtClean="0">
+                          <a:latin typeface="Palatino Linotype" pitchFamily="18" charset="0"/>
+                        </a:rPr>
+                        <a:t> stores data at 2 bytes per character. Due to this reason, </a:t>
+                      </a:r>
+                      <a:r>
+                        <a:rPr lang="en-US" b="1" dirty="0" smtClean="0">
+                          <a:latin typeface="Palatino Linotype" pitchFamily="18" charset="0"/>
+                        </a:rPr>
+                        <a:t>nvarchar</a:t>
+                      </a:r>
+                      <a:r>
+                        <a:rPr lang="en-US" dirty="0" smtClean="0">
+                          <a:latin typeface="Palatino Linotype" pitchFamily="18" charset="0"/>
+                        </a:rPr>
+                        <a:t> can hold upto 4000 characters and it takes double the space as  </a:t>
+                      </a:r>
+                      <a:r>
+                        <a:rPr lang="en-US" b="1" dirty="0" smtClean="0">
+                          <a:latin typeface="Palatino Linotype" pitchFamily="18" charset="0"/>
+                        </a:rPr>
+                        <a:t>varchar</a:t>
+                      </a:r>
+                      <a:r>
+                        <a:rPr lang="en-US" dirty="0" smtClean="0">
+                          <a:latin typeface="Palatino Linotype" pitchFamily="18" charset="0"/>
+                        </a:rPr>
+                        <a:t>. </a:t>
+                      </a:r>
+                      <a:endParaRPr lang="en-US" sz="1800" dirty="0">
+                        <a:latin typeface="Palatino Linotype" pitchFamily="18" charset="0"/>
+                      </a:endParaRPr>
+                    </a:p>
+                  </a:txBody>
+                  <a:tcPr marL="76095" marR="76095" marT="76095" marB="76095"/>
+                </a:tc>
+              </a:tr>
+              <a:tr h="684000">
+                <a:tc>
+                  <a:txBody>
+                    <a:bodyPr/>
+                    <a:lstStyle/>
+                    <a:p>
+                      <a:pPr marL="360363" indent="0" fontAlgn="t"/>
+                      <a:r>
+                        <a:rPr lang="en-US" b="1" dirty="0" smtClean="0">
+                          <a:latin typeface="Palatino Linotype" pitchFamily="18" charset="0"/>
+                        </a:rPr>
+                        <a:t>varchar </a:t>
+                      </a:r>
+                      <a:r>
+                        <a:rPr lang="en-US" dirty="0" smtClean="0"/>
+                        <a:t>stores ASCII data.</a:t>
+                      </a:r>
+                      <a:endParaRPr lang="en-US" sz="1800" dirty="0">
+                        <a:latin typeface="Palatino Linotype" pitchFamily="18" charset="0"/>
+                      </a:endParaRPr>
+                    </a:p>
+                  </a:txBody>
+                  <a:tcPr marL="76095" marR="76095" marT="76095" marB="76095"/>
+                </a:tc>
+                <a:tc>
+                  <a:txBody>
+                    <a:bodyPr/>
+                    <a:lstStyle/>
+                    <a:p>
+                      <a:pPr marL="360363" marR="0" indent="0" algn="l" defTabSz="914400" rtl="0" eaLnBrk="1" fontAlgn="t" latinLnBrk="0" hangingPunct="1">
+                        <a:lnSpc>
+                          <a:spcPct val="100000"/>
+                        </a:lnSpc>
+                        <a:spcBef>
+                          <a:spcPts val="0"/>
+                        </a:spcBef>
+                        <a:spcAft>
+                          <a:spcPts val="0"/>
+                        </a:spcAft>
+                        <a:buClrTx/>
+                        <a:buSzTx/>
+                        <a:buFontTx/>
+                        <a:buNone/>
+                        <a:tabLst/>
+                        <a:defRPr/>
+                      </a:pPr>
+                      <a:r>
+                        <a:rPr lang="en-US" b="1" dirty="0" smtClean="0">
+                          <a:latin typeface="Palatino Linotype" pitchFamily="18" charset="0"/>
+                        </a:rPr>
+                        <a:t>nvarchar </a:t>
+                      </a:r>
+                      <a:r>
+                        <a:rPr lang="en-US" dirty="0" smtClean="0"/>
+                        <a:t>stores UNICODE data.</a:t>
+                      </a:r>
+                      <a:endParaRPr lang="en-US" dirty="0" smtClean="0">
+                        <a:latin typeface="Palatino Linotype" pitchFamily="18" charset="0"/>
+                      </a:endParaRPr>
+                    </a:p>
+                  </a:txBody>
+                  <a:tcPr marL="76095" marR="76095" marT="76095" marB="76095"/>
+                </a:tc>
+              </a:tr>
+            </a:tbl>
+          </a:graphicData>
+        </a:graphic>
+      </p:graphicFrame>
+    </p:spTree>
+    <p:extLst>
+      <p:ext uri="{BB962C8B-B14F-4D97-AF65-F5344CB8AC3E}">
+        <p14:creationId xmlns:p14="http://schemas.microsoft.com/office/powerpoint/2010/main" xmlns="" val="1235870264"/>
+      </p:ext>
+    </p:extLst>
+  </p:cSld>
+  <p:clrMapOvr>
+    <a:masterClrMapping/>
+  </p:clrMapOvr>
+  <p:timing>
+    <p:tnLst>
+      <p:par>
+        <p:cTn id="1" dur="indefinite" restart="never" nodeType="tmRoot"/>
+      </p:par>
+    </p:tnLst>
+  </p:timing>
+</p:sld>
+</file>
+
+<file path=ppt/slides/slide13.xml><?xml version="1.0" encoding="utf-8"?>
+<p:sld xmlns:a="http://schemas.openxmlformats.org/drawingml/2006/main" xmlns:r="http://schemas.openxmlformats.org/officeDocument/2006/relationships" xmlns:p="http://schemas.openxmlformats.org/presentationml/2006/main">
+  <p:cSld>
+    <p:spTree>
+      <p:nvGrpSpPr>
+        <p:cNvPr id="1" name=""/>
+        <p:cNvGrpSpPr/>
+        <p:nvPr/>
+      </p:nvGrpSpPr>
+      <p:grpSpPr>
+        <a:xfrm>
+          <a:off x="0" y="0"/>
+          <a:ext cx="0" cy="0"/>
+          <a:chOff x="0" y="0"/>
+          <a:chExt cx="0" cy="0"/>
+        </a:xfrm>
+      </p:grpSpPr>
+      <p:sp>
+        <p:nvSpPr>
+          <p:cNvPr id="4" name="Rectangle 3"/>
+          <p:cNvSpPr/>
+          <p:nvPr/>
+        </p:nvSpPr>
+        <p:spPr>
+          <a:xfrm>
+            <a:off x="1523802" y="3"/>
+            <a:ext cx="9142810" cy="1200329"/>
+          </a:xfrm>
+          <a:prstGeom prst="rect">
+            <a:avLst/>
+          </a:prstGeom>
+          <a:solidFill>
+            <a:schemeClr val="bg1"/>
+          </a:solidFill>
+        </p:spPr>
+        <p:txBody>
+          <a:bodyPr wrap="square">
+            <a:spAutoFit/>
+          </a:bodyPr>
+          <a:lstStyle/>
+          <a:p>
+            <a:pPr algn="r"/>
+            <a:r>
+              <a:rPr lang="en-US" sz="3600" dirty="0" smtClean="0"/>
+              <a:t>difference between unicode and non-Unicode data type</a:t>
+            </a:r>
+            <a:endParaRPr lang="en-IN" sz="3600" dirty="0">
+              <a:latin typeface="Arial" panose="020B0604020202020204" pitchFamily="34" charset="0"/>
+              <a:cs typeface="Arial" panose="020B0604020202020204" pitchFamily="34" charset="0"/>
+            </a:endParaRPr>
+          </a:p>
+        </p:txBody>
+      </p:sp>
+      <p:pic>
+        <p:nvPicPr>
+          <p:cNvPr id="7" name="Picture 6">
+            <a:extLst>
+              <a:ext uri="{FF2B5EF4-FFF2-40B4-BE49-F238E27FC236}">
+                <a16:creationId xmlns:a16="http://schemas.microsoft.com/office/drawing/2014/main" xmlns="" id="{038C4159-6EF4-4F81-B96F-610641B4DA32}"/>
+              </a:ext>
+            </a:extLst>
+          </p:cNvPr>
+          <p:cNvPicPr>
+            <a:picLocks noChangeAspect="1"/>
+          </p:cNvPicPr>
+          <p:nvPr/>
+        </p:nvPicPr>
+        <p:blipFill>
+          <a:blip r:embed="rId2" cstate="print">
+            <a:extLst>
+              <a:ext uri="{28A0092B-C50C-407E-A947-70E740481C1C}">
+                <a14:useLocalDpi xmlns:a14="http://schemas.microsoft.com/office/drawing/2010/main" xmlns="" val="0"/>
+              </a:ext>
+            </a:extLst>
+          </a:blip>
+          <a:stretch>
+            <a:fillRect/>
+          </a:stretch>
+        </p:blipFill>
+        <p:spPr>
+          <a:xfrm>
+            <a:off x="118542" y="116632"/>
+            <a:ext cx="1371859" cy="445150"/>
+          </a:xfrm>
+          <a:prstGeom prst="rect">
+            <a:avLst/>
+          </a:prstGeom>
+        </p:spPr>
+      </p:pic>
+      <p:graphicFrame>
+        <p:nvGraphicFramePr>
+          <p:cNvPr id="5" name="Table 4"/>
+          <p:cNvGraphicFramePr>
+            <a:graphicFrameLocks noGrp="1"/>
+          </p:cNvGraphicFramePr>
+          <p:nvPr/>
+        </p:nvGraphicFramePr>
+        <p:xfrm>
+          <a:off x="334566" y="1412776"/>
+          <a:ext cx="11521282" cy="4835188"/>
+        </p:xfrm>
+        <a:graphic>
+          <a:graphicData uri="http://schemas.openxmlformats.org/drawingml/2006/table">
+            <a:tbl>
+              <a:tblPr>
+                <a:tableStyleId>{5940675A-B579-460E-94D1-54222C63F5DA}</a:tableStyleId>
+              </a:tblPr>
+              <a:tblGrid>
+                <a:gridCol w="6192688"/>
+                <a:gridCol w="5328594"/>
+              </a:tblGrid>
+              <a:tr h="370994">
+                <a:tc>
+                  <a:txBody>
+                    <a:bodyPr/>
+                    <a:lstStyle/>
+                    <a:p>
+                      <a:pPr algn="ctr"/>
+                      <a:r>
+                        <a:rPr lang="en-US" sz="2000" b="1" dirty="0">
+                          <a:latin typeface="Palatino Linotype" pitchFamily="18" charset="0"/>
+                        </a:rPr>
+                        <a:t>Non-Unicode</a:t>
+                      </a:r>
+                    </a:p>
+                  </a:txBody>
+                  <a:tcPr marL="0" marR="0" marT="0" marB="0" anchor="ctr"/>
+                </a:tc>
+                <a:tc>
+                  <a:txBody>
+                    <a:bodyPr/>
+                    <a:lstStyle/>
+                    <a:p>
+                      <a:pPr algn="ctr"/>
+                      <a:r>
+                        <a:rPr lang="en-US" sz="2000" b="1" kern="1200" dirty="0">
+                          <a:solidFill>
+                            <a:schemeClr val="tx1"/>
+                          </a:solidFill>
+                          <a:latin typeface="Palatino Linotype" pitchFamily="18" charset="0"/>
+                          <a:ea typeface="+mn-ea"/>
+                          <a:cs typeface="+mn-cs"/>
+                        </a:rPr>
+                        <a:t>Unicode</a:t>
+                      </a:r>
+                    </a:p>
+                  </a:txBody>
+                  <a:tcPr marL="0" marR="0" marT="0" marB="0" anchor="ctr"/>
+                </a:tc>
+              </a:tr>
+              <a:tr h="657265">
+                <a:tc>
+                  <a:txBody>
+                    <a:bodyPr/>
+                    <a:lstStyle/>
+                    <a:p>
+                      <a:pPr marL="342900" indent="17463">
+                        <a:buFont typeface="Arial" pitchFamily="34" charset="0"/>
+                        <a:buNone/>
+                      </a:pPr>
+                      <a:r>
+                        <a:rPr lang="en-US" sz="1800" dirty="0" smtClean="0">
+                          <a:latin typeface="Palatino Linotype" pitchFamily="18" charset="0"/>
+                        </a:rPr>
+                        <a:t>(</a:t>
+                      </a:r>
+                      <a:r>
+                        <a:rPr lang="en-US" sz="1800" dirty="0">
+                          <a:latin typeface="Palatino Linotype" pitchFamily="18" charset="0"/>
+                        </a:rPr>
+                        <a:t>char, varchar, text)</a:t>
+                      </a:r>
+                    </a:p>
+                  </a:txBody>
+                  <a:tcPr marL="0" marR="0" marT="0" marB="0" anchor="ctr"/>
+                </a:tc>
+                <a:tc>
+                  <a:txBody>
+                    <a:bodyPr/>
+                    <a:lstStyle/>
+                    <a:p>
+                      <a:pPr marL="342900" indent="17463">
+                        <a:buFontTx/>
+                        <a:buNone/>
+                      </a:pPr>
+                      <a:r>
+                        <a:rPr lang="en-US" sz="1800" dirty="0">
+                          <a:latin typeface="Palatino Linotype" pitchFamily="18" charset="0"/>
+                        </a:rPr>
+                        <a:t>(nchar, </a:t>
+                      </a:r>
+                      <a:r>
+                        <a:rPr lang="en-US" sz="1800" dirty="0" smtClean="0">
+                          <a:latin typeface="Palatino Linotype" pitchFamily="18" charset="0"/>
+                        </a:rPr>
+                        <a:t>nvarchar)</a:t>
+                      </a:r>
+                      <a:endParaRPr lang="en-US" sz="1800" dirty="0">
+                        <a:latin typeface="Palatino Linotype" pitchFamily="18" charset="0"/>
+                      </a:endParaRPr>
+                    </a:p>
+                  </a:txBody>
+                  <a:tcPr marL="0" marR="0" marT="0" marB="0" anchor="ctr"/>
+                </a:tc>
+              </a:tr>
+              <a:tr h="657265">
+                <a:tc>
+                  <a:txBody>
+                    <a:bodyPr/>
+                    <a:lstStyle/>
+                    <a:p>
+                      <a:pPr marL="342900" indent="17463">
+                        <a:buFont typeface="Arial" pitchFamily="34" charset="0"/>
+                        <a:buNone/>
+                      </a:pPr>
+                      <a:r>
+                        <a:rPr lang="en-US" sz="1800" dirty="0" smtClean="0">
+                          <a:latin typeface="Palatino Linotype" pitchFamily="18" charset="0"/>
+                        </a:rPr>
+                        <a:t>Stores </a:t>
+                      </a:r>
+                      <a:r>
+                        <a:rPr lang="en-US" sz="1800" dirty="0">
+                          <a:latin typeface="Palatino Linotype" pitchFamily="18" charset="0"/>
+                        </a:rPr>
+                        <a:t>data in fixed or variable length</a:t>
+                      </a:r>
+                    </a:p>
+                  </a:txBody>
+                  <a:tcPr marL="0" marR="0" marT="0" marB="0" anchor="ctr"/>
+                </a:tc>
+                <a:tc>
+                  <a:txBody>
+                    <a:bodyPr/>
+                    <a:lstStyle/>
+                    <a:p>
+                      <a:pPr marL="342900" indent="17463">
+                        <a:buFontTx/>
+                        <a:buNone/>
+                      </a:pPr>
+                      <a:r>
+                        <a:rPr lang="en-US" sz="1800" dirty="0">
+                          <a:latin typeface="Palatino Linotype" pitchFamily="18" charset="0"/>
+                        </a:rPr>
+                        <a:t>Same as </a:t>
+                      </a:r>
+                      <a:r>
+                        <a:rPr lang="en-US" sz="1800" dirty="0" smtClean="0">
+                          <a:latin typeface="Palatino Linotype" pitchFamily="18" charset="0"/>
+                        </a:rPr>
+                        <a:t>Non-Unicode</a:t>
+                      </a:r>
+                      <a:endParaRPr lang="en-US" sz="1800" dirty="0">
+                        <a:latin typeface="Palatino Linotype" pitchFamily="18" charset="0"/>
+                      </a:endParaRPr>
+                    </a:p>
+                  </a:txBody>
+                  <a:tcPr marL="0" marR="0" marT="0" marB="0" anchor="ctr"/>
+                </a:tc>
+              </a:tr>
+              <a:tr h="1001665">
+                <a:tc>
+                  <a:txBody>
+                    <a:bodyPr/>
+                    <a:lstStyle/>
+                    <a:p>
+                      <a:pPr marL="703263" indent="-342900">
+                        <a:buFont typeface="Arial" pitchFamily="34" charset="0"/>
+                        <a:buNone/>
+                      </a:pPr>
+                      <a:r>
+                        <a:rPr lang="en-US" sz="1800" dirty="0" smtClean="0">
+                          <a:latin typeface="Palatino Linotype" pitchFamily="18" charset="0"/>
+                        </a:rPr>
+                        <a:t>char</a:t>
+                      </a:r>
+                      <a:r>
+                        <a:rPr lang="en-US" sz="1800" dirty="0">
+                          <a:latin typeface="Palatino Linotype" pitchFamily="18" charset="0"/>
+                        </a:rPr>
+                        <a:t>: data is padded with blanks to fill the field size. </a:t>
+                      </a:r>
+                      <a:endParaRPr lang="en-US" sz="1800" dirty="0" smtClean="0">
+                        <a:latin typeface="Palatino Linotype" pitchFamily="18" charset="0"/>
+                      </a:endParaRPr>
+                    </a:p>
+                    <a:p>
+                      <a:pPr marL="360363" indent="0">
+                        <a:buFont typeface="Arial" pitchFamily="34" charset="0"/>
+                        <a:buNone/>
+                      </a:pPr>
+                      <a:r>
+                        <a:rPr lang="en-US" sz="1800" dirty="0" smtClean="0">
+                          <a:latin typeface="Palatino Linotype" pitchFamily="18" charset="0"/>
+                        </a:rPr>
+                        <a:t>For </a:t>
+                      </a:r>
+                      <a:r>
+                        <a:rPr lang="en-US" sz="1800" dirty="0">
+                          <a:latin typeface="Palatino Linotype" pitchFamily="18" charset="0"/>
+                        </a:rPr>
+                        <a:t>example, if a char(10) field contains 5 characters </a:t>
+                      </a:r>
+                      <a:r>
+                        <a:rPr lang="en-US" sz="1800" dirty="0" smtClean="0">
+                          <a:latin typeface="Palatino Linotype" pitchFamily="18" charset="0"/>
+                        </a:rPr>
+                        <a:t>the</a:t>
+                      </a:r>
+                      <a:r>
+                        <a:rPr lang="en-US" sz="1800" baseline="0" dirty="0" smtClean="0">
+                          <a:latin typeface="Palatino Linotype" pitchFamily="18" charset="0"/>
+                        </a:rPr>
+                        <a:t> </a:t>
+                      </a:r>
+                      <a:r>
+                        <a:rPr lang="en-US" sz="1800" dirty="0" smtClean="0">
+                          <a:latin typeface="Palatino Linotype" pitchFamily="18" charset="0"/>
+                        </a:rPr>
+                        <a:t>system </a:t>
+                      </a:r>
+                      <a:r>
+                        <a:rPr lang="en-US" sz="1800" dirty="0">
+                          <a:latin typeface="Palatino Linotype" pitchFamily="18" charset="0"/>
+                        </a:rPr>
+                        <a:t>will pad it with 5 </a:t>
+                      </a:r>
+                      <a:r>
+                        <a:rPr lang="en-US" sz="1800" dirty="0" smtClean="0">
+                          <a:latin typeface="Palatino Linotype" pitchFamily="18" charset="0"/>
+                        </a:rPr>
+                        <a:t>blank</a:t>
+                      </a:r>
+                      <a:r>
+                        <a:rPr lang="en-US" sz="1800" baseline="0" dirty="0" smtClean="0">
+                          <a:latin typeface="Palatino Linotype" pitchFamily="18" charset="0"/>
+                        </a:rPr>
+                        <a:t> spaces.</a:t>
+                      </a:r>
+                      <a:endParaRPr lang="en-US" sz="1800" dirty="0">
+                        <a:latin typeface="Palatino Linotype" pitchFamily="18" charset="0"/>
+                      </a:endParaRPr>
+                    </a:p>
+                  </a:txBody>
+                  <a:tcPr marL="0" marR="0" marT="0" marB="0" anchor="ctr"/>
+                </a:tc>
+                <a:tc>
+                  <a:txBody>
+                    <a:bodyPr/>
+                    <a:lstStyle/>
+                    <a:p>
+                      <a:pPr marL="342900" indent="17463">
+                        <a:buFontTx/>
+                        <a:buNone/>
+                      </a:pPr>
+                      <a:r>
+                        <a:rPr lang="en-US" sz="1800" dirty="0">
+                          <a:latin typeface="Palatino Linotype" pitchFamily="18" charset="0"/>
+                        </a:rPr>
+                        <a:t>nchar: same as char</a:t>
+                      </a:r>
+                    </a:p>
+                  </a:txBody>
+                  <a:tcPr marL="0" marR="0" marT="0" marB="0" anchor="ctr"/>
+                </a:tc>
+              </a:tr>
+              <a:tr h="667774">
+                <a:tc>
+                  <a:txBody>
+                    <a:bodyPr/>
+                    <a:lstStyle/>
+                    <a:p>
+                      <a:pPr marL="342900" indent="17463">
+                        <a:buFont typeface="Arial" pitchFamily="34" charset="0"/>
+                        <a:buNone/>
+                      </a:pPr>
+                      <a:r>
+                        <a:rPr lang="en-US" sz="1800" dirty="0" smtClean="0">
+                          <a:latin typeface="Palatino Linotype" pitchFamily="18" charset="0"/>
+                        </a:rPr>
+                        <a:t>  varchar</a:t>
+                      </a:r>
+                      <a:r>
+                        <a:rPr lang="en-US" sz="1800" dirty="0">
+                          <a:latin typeface="Palatino Linotype" pitchFamily="18" charset="0"/>
+                        </a:rPr>
+                        <a:t>: stores actual value and does not pad with </a:t>
+                      </a:r>
+                      <a:r>
+                        <a:rPr lang="en-US" sz="1800" dirty="0" smtClean="0">
+                          <a:latin typeface="Palatino Linotype" pitchFamily="18" charset="0"/>
+                        </a:rPr>
+                        <a:t>blank</a:t>
+                      </a:r>
+                      <a:r>
+                        <a:rPr lang="en-US" sz="1800" baseline="0" dirty="0" smtClean="0">
+                          <a:latin typeface="Palatino Linotype" pitchFamily="18" charset="0"/>
+                        </a:rPr>
+                        <a:t> spaces.</a:t>
+                      </a:r>
+                      <a:endParaRPr lang="en-US" sz="1800" dirty="0">
+                        <a:latin typeface="Palatino Linotype" pitchFamily="18" charset="0"/>
+                      </a:endParaRPr>
+                    </a:p>
+                  </a:txBody>
+                  <a:tcPr marL="0" marR="0" marT="0" marB="0" anchor="ctr"/>
+                </a:tc>
+                <a:tc>
+                  <a:txBody>
+                    <a:bodyPr/>
+                    <a:lstStyle/>
+                    <a:p>
+                      <a:pPr marL="342900" indent="17463">
+                        <a:buFontTx/>
+                        <a:buNone/>
+                      </a:pPr>
+                      <a:r>
+                        <a:rPr lang="en-US" sz="1800" dirty="0">
+                          <a:latin typeface="Palatino Linotype" pitchFamily="18" charset="0"/>
+                        </a:rPr>
+                        <a:t>nvarchar: same as varchar</a:t>
+                      </a:r>
+                    </a:p>
+                  </a:txBody>
+                  <a:tcPr marL="0" marR="0" marT="0" marB="0" anchor="ctr"/>
+                </a:tc>
+              </a:tr>
+              <a:tr h="657265">
+                <a:tc>
+                  <a:txBody>
+                    <a:bodyPr/>
+                    <a:lstStyle/>
+                    <a:p>
+                      <a:pPr marL="342900" indent="17463">
+                        <a:buFont typeface="Arial" pitchFamily="34" charset="0"/>
+                        <a:buNone/>
+                      </a:pPr>
+                      <a:r>
+                        <a:rPr lang="en-US" sz="1800" dirty="0">
+                          <a:latin typeface="Palatino Linotype" pitchFamily="18" charset="0"/>
+                        </a:rPr>
+                        <a:t>requires 1 byte of </a:t>
+                      </a:r>
+                      <a:r>
+                        <a:rPr lang="en-US" sz="1800" dirty="0" smtClean="0">
+                          <a:latin typeface="Palatino Linotype" pitchFamily="18" charset="0"/>
+                        </a:rPr>
+                        <a:t>storage.</a:t>
+                      </a:r>
+                      <a:endParaRPr lang="en-US" sz="1800" dirty="0">
+                        <a:latin typeface="Palatino Linotype" pitchFamily="18" charset="0"/>
+                      </a:endParaRPr>
+                    </a:p>
+                  </a:txBody>
+                  <a:tcPr marL="0" marR="0" marT="0" marB="0" anchor="ctr"/>
+                </a:tc>
+                <a:tc>
+                  <a:txBody>
+                    <a:bodyPr/>
+                    <a:lstStyle/>
+                    <a:p>
+                      <a:pPr marL="342900" indent="17463">
+                        <a:buFontTx/>
+                        <a:buNone/>
+                      </a:pPr>
+                      <a:r>
+                        <a:rPr lang="en-US" sz="1800" dirty="0">
+                          <a:latin typeface="Palatino Linotype" pitchFamily="18" charset="0"/>
+                        </a:rPr>
+                        <a:t>requires 2 bytes of </a:t>
+                      </a:r>
+                      <a:r>
+                        <a:rPr lang="en-US" sz="1800" dirty="0" smtClean="0">
+                          <a:latin typeface="Palatino Linotype" pitchFamily="18" charset="0"/>
+                        </a:rPr>
+                        <a:t>storage.</a:t>
+                      </a:r>
+                      <a:endParaRPr lang="en-US" sz="1800" dirty="0">
+                        <a:latin typeface="Palatino Linotype" pitchFamily="18" charset="0"/>
+                      </a:endParaRPr>
+                    </a:p>
+                  </a:txBody>
+                  <a:tcPr marL="0" marR="0" marT="0" marB="0" anchor="ctr"/>
+                </a:tc>
+              </a:tr>
+              <a:tr h="667774">
+                <a:tc>
+                  <a:txBody>
+                    <a:bodyPr/>
+                    <a:lstStyle/>
+                    <a:p>
+                      <a:pPr marL="342900" indent="17463">
+                        <a:buFont typeface="Arial" pitchFamily="34" charset="0"/>
+                        <a:buNone/>
+                      </a:pPr>
+                      <a:r>
+                        <a:rPr lang="en-US" sz="1800" dirty="0">
+                          <a:latin typeface="Palatino Linotype" pitchFamily="18" charset="0"/>
+                        </a:rPr>
+                        <a:t>Best suited for </a:t>
+                      </a:r>
+                      <a:r>
+                        <a:rPr lang="en-US" sz="1800" dirty="0" smtClean="0">
+                          <a:latin typeface="Palatino Linotype" pitchFamily="18" charset="0"/>
+                        </a:rPr>
+                        <a:t>english characters.</a:t>
+                      </a:r>
+                      <a:endParaRPr lang="en-US" sz="1800" dirty="0">
+                        <a:latin typeface="Palatino Linotype" pitchFamily="18" charset="0"/>
+                      </a:endParaRPr>
+                    </a:p>
+                  </a:txBody>
+                  <a:tcPr marL="0" marR="0" marT="0" marB="0" anchor="ctr"/>
+                </a:tc>
+                <a:tc>
+                  <a:txBody>
+                    <a:bodyPr/>
+                    <a:lstStyle/>
+                    <a:p>
+                      <a:pPr marL="360363" indent="0">
+                        <a:buFontTx/>
+                        <a:buNone/>
+                      </a:pPr>
+                      <a:r>
+                        <a:rPr lang="en-US" sz="1800" dirty="0">
+                          <a:latin typeface="Palatino Linotype" pitchFamily="18" charset="0"/>
+                        </a:rPr>
+                        <a:t>Best suited for systems that need to support at </a:t>
+                      </a:r>
+                      <a:r>
+                        <a:rPr lang="en-US" sz="1800" dirty="0" smtClean="0">
+                          <a:latin typeface="Palatino Linotype" pitchFamily="18" charset="0"/>
+                        </a:rPr>
+                        <a:t>least</a:t>
+                      </a:r>
+                      <a:r>
+                        <a:rPr lang="en-US" sz="1800" baseline="0" dirty="0" smtClean="0">
+                          <a:latin typeface="Palatino Linotype" pitchFamily="18" charset="0"/>
+                        </a:rPr>
+                        <a:t> </a:t>
+                      </a:r>
+                      <a:r>
+                        <a:rPr lang="en-US" sz="1800" dirty="0" smtClean="0">
+                          <a:latin typeface="Palatino Linotype" pitchFamily="18" charset="0"/>
+                        </a:rPr>
+                        <a:t>one</a:t>
+                      </a:r>
+                      <a:r>
+                        <a:rPr lang="en-US" sz="1800" dirty="0">
+                          <a:latin typeface="Palatino Linotype" pitchFamily="18" charset="0"/>
+                        </a:rPr>
+                        <a:t> foreign </a:t>
+                      </a:r>
+                      <a:r>
+                        <a:rPr lang="en-US" sz="1800" dirty="0" smtClean="0">
+                          <a:latin typeface="Palatino Linotype" pitchFamily="18" charset="0"/>
+                        </a:rPr>
+                        <a:t>language (i.e. non english language)</a:t>
+                      </a:r>
+                      <a:endParaRPr lang="en-US" sz="1800" dirty="0">
+                        <a:latin typeface="Palatino Linotype" pitchFamily="18" charset="0"/>
+                      </a:endParaRPr>
+                    </a:p>
+                  </a:txBody>
+                  <a:tcPr marL="0" marR="0" marT="0" marB="0" anchor="ctr"/>
+                </a:tc>
+              </a:tr>
+            </a:tbl>
+          </a:graphicData>
+        </a:graphic>
+      </p:graphicFrame>
+      <p:sp>
+        <p:nvSpPr>
+          <p:cNvPr id="6" name="Rectangle 5"/>
+          <p:cNvSpPr/>
+          <p:nvPr/>
+        </p:nvSpPr>
+        <p:spPr>
+          <a:xfrm>
+            <a:off x="11755679" y="0"/>
+            <a:ext cx="397866" cy="369332"/>
+          </a:xfrm>
+          <a:prstGeom prst="rect">
+            <a:avLst/>
+          </a:prstGeom>
+        </p:spPr>
+        <p:txBody>
+          <a:bodyPr wrap="none">
+            <a:spAutoFit/>
+          </a:bodyPr>
+          <a:lstStyle/>
+          <a:p>
+            <a:r>
+              <a:rPr lang="en-IN" dirty="0" smtClean="0">
+                <a:latin typeface="Segoe UI Light" panose="020B0502040204020203" pitchFamily="34" charset="0"/>
+                <a:cs typeface="Segoe UI Light" panose="020B0502040204020203" pitchFamily="34" charset="0"/>
+              </a:rPr>
+              <a:t>(1)</a:t>
+            </a:r>
+            <a:endParaRPr lang="en-US" dirty="0"/>
+          </a:p>
+        </p:txBody>
+      </p:sp>
+    </p:spTree>
+    <p:extLst>
+      <p:ext uri="{BB962C8B-B14F-4D97-AF65-F5344CB8AC3E}">
+        <p14:creationId xmlns:p14="http://schemas.microsoft.com/office/powerpoint/2010/main" xmlns="" val="1302273438"/>
+      </p:ext>
+    </p:extLst>
+  </p:cSld>
+  <p:clrMapOvr>
+    <a:masterClrMapping/>
+  </p:clrMapOvr>
+  <p:timing>
+    <p:tnLst>
+      <p:par>
+        <p:cTn id="1" dur="indefinite" restart="never" nodeType="tmRoot"/>
+      </p:par>
+    </p:tnLst>
+  </p:timing>
+</p:sld>
+</file>
+
+<file path=ppt/slides/slide14.xml><?xml version="1.0" encoding="utf-8"?>
+<p:sld xmlns:a="http://schemas.openxmlformats.org/drawingml/2006/main" xmlns:r="http://schemas.openxmlformats.org/officeDocument/2006/relationships" xmlns:p="http://schemas.openxmlformats.org/presentationml/2006/main">
+  <p:cSld>
+    <p:spTree>
+      <p:nvGrpSpPr>
+        <p:cNvPr id="1" name=""/>
+        <p:cNvGrpSpPr/>
+        <p:nvPr/>
+      </p:nvGrpSpPr>
+      <p:grpSpPr>
+        <a:xfrm>
+          <a:off x="0" y="0"/>
+          <a:ext cx="0" cy="0"/>
+          <a:chOff x="0" y="0"/>
+          <a:chExt cx="0" cy="0"/>
+        </a:xfrm>
+      </p:grpSpPr>
       <p:sp>
         <p:nvSpPr>
           <p:cNvPr id="4" name="Rectangle 3"/>
@@ -5480,7 +7554,7 @@
 </p:sld>
 </file>
 
-<file path=ppt/slides/slide11.xml><?xml version="1.0" encoding="utf-8"?>
+<file path=ppt/slides/slide15.xml><?xml version="1.0" encoding="utf-8"?>
 <p:sld xmlns:a="http://schemas.openxmlformats.org/drawingml/2006/main" xmlns:r="http://schemas.openxmlformats.org/officeDocument/2006/relationships" xmlns:p="http://schemas.openxmlformats.org/presentationml/2006/main">
   <p:cSld>
     <p:spTree>
@@ -5867,7 +7941,7 @@
 </p:sld>
 </file>
 
-<file path=ppt/slides/slide12.xml><?xml version="1.0" encoding="utf-8"?>
+<file path=ppt/slides/slide16.xml><?xml version="1.0" encoding="utf-8"?>
 <p:sld xmlns:a="http://schemas.openxmlformats.org/drawingml/2006/main" xmlns:r="http://schemas.openxmlformats.org/officeDocument/2006/relationships" xmlns:p="http://schemas.openxmlformats.org/presentationml/2006/main">
   <p:cSld>
     <p:spTree>
@@ -6718,6 +8792,193 @@
                 <a:cs typeface="Segoe UI Light" panose="020B0502040204020203" pitchFamily="34" charset="0"/>
               </a:rPr>
               <a:t>(1)</a:t>
+            </a:r>
+            <a:endParaRPr lang="en-US" dirty="0"/>
+          </a:p>
+        </p:txBody>
+      </p:sp>
+    </p:spTree>
+    <p:extLst>
+      <p:ext uri="{BB962C8B-B14F-4D97-AF65-F5344CB8AC3E}">
+        <p14:creationId xmlns:p14="http://schemas.microsoft.com/office/powerpoint/2010/main" xmlns="" val="4187119804"/>
+      </p:ext>
+    </p:extLst>
+  </p:cSld>
+  <p:clrMapOvr>
+    <a:masterClrMapping/>
+  </p:clrMapOvr>
+  <p:timing>
+    <p:tnLst>
+      <p:par>
+        <p:cTn id="1" dur="indefinite" restart="never" nodeType="tmRoot"/>
+      </p:par>
+    </p:tnLst>
+  </p:timing>
+</p:sld>
+</file>
+
+<file path=ppt/slides/slide17.xml><?xml version="1.0" encoding="utf-8"?>
+<p:sld xmlns:a="http://schemas.openxmlformats.org/drawingml/2006/main" xmlns:r="http://schemas.openxmlformats.org/officeDocument/2006/relationships" xmlns:p="http://schemas.openxmlformats.org/presentationml/2006/main">
+  <p:cSld>
+    <p:spTree>
+      <p:nvGrpSpPr>
+        <p:cNvPr id="1" name=""/>
+        <p:cNvGrpSpPr/>
+        <p:nvPr/>
+      </p:nvGrpSpPr>
+      <p:grpSpPr>
+        <a:xfrm>
+          <a:off x="0" y="0"/>
+          <a:ext cx="0" cy="0"/>
+          <a:chOff x="0" y="0"/>
+          <a:chExt cx="0" cy="0"/>
+        </a:xfrm>
+      </p:grpSpPr>
+      <p:sp>
+        <p:nvSpPr>
+          <p:cNvPr id="4" name="Rectangle 3"/>
+          <p:cNvSpPr/>
+          <p:nvPr/>
+        </p:nvSpPr>
+        <p:spPr>
+          <a:xfrm>
+            <a:off x="1523802" y="3"/>
+            <a:ext cx="9142810" cy="646331"/>
+          </a:xfrm>
+          <a:prstGeom prst="rect">
+            <a:avLst/>
+          </a:prstGeom>
+          <a:solidFill>
+            <a:schemeClr val="bg1"/>
+          </a:solidFill>
+        </p:spPr>
+        <p:txBody>
+          <a:bodyPr wrap="square">
+            <a:spAutoFit/>
+          </a:bodyPr>
+          <a:lstStyle/>
+          <a:p>
+            <a:pPr algn="r"/>
+            <a:r>
+              <a:rPr lang="en-US" sz="3600" dirty="0" smtClean="0"/>
+              <a:t>similarity between blob and string</a:t>
+            </a:r>
+            <a:endParaRPr lang="en-IN" sz="3600" dirty="0">
+              <a:latin typeface="Arial" panose="020B0604020202020204" pitchFamily="34" charset="0"/>
+              <a:cs typeface="Arial" panose="020B0604020202020204" pitchFamily="34" charset="0"/>
+            </a:endParaRPr>
+          </a:p>
+        </p:txBody>
+      </p:sp>
+      <p:pic>
+        <p:nvPicPr>
+          <p:cNvPr id="9" name="Picture 8">
+            <a:extLst>
+              <a:ext uri="{FF2B5EF4-FFF2-40B4-BE49-F238E27FC236}">
+                <a16:creationId xmlns:a16="http://schemas.microsoft.com/office/drawing/2014/main" xmlns="" id="{8C6F0AA9-06F7-4616-8274-510A824F6E63}"/>
+              </a:ext>
+            </a:extLst>
+          </p:cNvPr>
+          <p:cNvPicPr>
+            <a:picLocks noChangeAspect="1"/>
+          </p:cNvPicPr>
+          <p:nvPr/>
+        </p:nvPicPr>
+        <p:blipFill>
+          <a:blip r:embed="rId2" cstate="print">
+            <a:extLst>
+              <a:ext uri="{28A0092B-C50C-407E-A947-70E740481C1C}">
+                <a14:useLocalDpi xmlns:a14="http://schemas.microsoft.com/office/drawing/2010/main" xmlns="" val="0"/>
+              </a:ext>
+            </a:extLst>
+          </a:blip>
+          <a:stretch>
+            <a:fillRect/>
+          </a:stretch>
+        </p:blipFill>
+        <p:spPr>
+          <a:xfrm>
+            <a:off x="118542" y="116632"/>
+            <a:ext cx="1371859" cy="445150"/>
+          </a:xfrm>
+          <a:prstGeom prst="rect">
+            <a:avLst/>
+          </a:prstGeom>
+        </p:spPr>
+      </p:pic>
+      <p:sp>
+        <p:nvSpPr>
+          <p:cNvPr id="8" name="Rectangle 7"/>
+          <p:cNvSpPr/>
+          <p:nvPr/>
+        </p:nvSpPr>
+        <p:spPr>
+          <a:xfrm>
+            <a:off x="11755679" y="0"/>
+            <a:ext cx="397866" cy="369332"/>
+          </a:xfrm>
+          <a:prstGeom prst="rect">
+            <a:avLst/>
+          </a:prstGeom>
+        </p:spPr>
+        <p:txBody>
+          <a:bodyPr wrap="none">
+            <a:spAutoFit/>
+          </a:bodyPr>
+          <a:lstStyle/>
+          <a:p>
+            <a:r>
+              <a:rPr lang="en-IN" dirty="0" smtClean="0">
+                <a:latin typeface="Segoe UI Light" panose="020B0502040204020203" pitchFamily="34" charset="0"/>
+                <a:cs typeface="Segoe UI Light" panose="020B0502040204020203" pitchFamily="34" charset="0"/>
+              </a:rPr>
+              <a:t>(1)</a:t>
+            </a:r>
+            <a:endParaRPr lang="en-US" dirty="0"/>
+          </a:p>
+        </p:txBody>
+      </p:sp>
+      <p:sp>
+        <p:nvSpPr>
+          <p:cNvPr id="13" name="Rectangle 12"/>
+          <p:cNvSpPr/>
+          <p:nvPr/>
+        </p:nvSpPr>
+        <p:spPr>
+          <a:xfrm>
+            <a:off x="380166" y="1500174"/>
+            <a:ext cx="11501518" cy="1477328"/>
+          </a:xfrm>
+          <a:prstGeom prst="rect">
+            <a:avLst/>
+          </a:prstGeom>
+        </p:spPr>
+        <p:txBody>
+          <a:bodyPr wrap="square">
+            <a:spAutoFit/>
+          </a:bodyPr>
+          <a:lstStyle/>
+          <a:p>
+            <a:r>
+              <a:rPr lang="en-US" b="1" dirty="0" smtClean="0"/>
+              <a:t>BLOB</a:t>
+            </a:r>
+            <a:r>
+              <a:rPr lang="en-US" dirty="0" smtClean="0"/>
+              <a:t> values behave like byte string and BLOB does not have a character set. Therefore, comparison and sorting is fully dependent upon numeric values of bytes.</a:t>
+            </a:r>
+          </a:p>
+          <a:p>
+            <a:endParaRPr lang="en-US" dirty="0" smtClean="0"/>
+          </a:p>
+          <a:p>
+            <a:r>
+              <a:rPr lang="en-US" b="1" dirty="0" smtClean="0"/>
+              <a:t>TEXT</a:t>
+            </a:r>
+            <a:r>
+              <a:rPr lang="en-US" dirty="0" smtClean="0"/>
+              <a:t> values behave like non-binary string or character string. TEXT has a character set and the comparison/ sorting fully depends upon the collection of character set.</a:t>
             </a:r>
             <a:endParaRPr lang="en-US" dirty="0"/>
           </a:p>
@@ -8232,89 +10493,6 @@
       </p:pic>
       <p:sp>
         <p:nvSpPr>
-          <p:cNvPr id="11" name="Rectangle 10"/>
-          <p:cNvSpPr/>
-          <p:nvPr/>
-        </p:nvSpPr>
-        <p:spPr>
-          <a:xfrm>
-            <a:off x="478582" y="4221088"/>
-            <a:ext cx="9145016" cy="2308324"/>
-          </a:xfrm>
-          <a:prstGeom prst="rect">
-            <a:avLst/>
-          </a:prstGeom>
-        </p:spPr>
-        <p:txBody>
-          <a:bodyPr wrap="square">
-            <a:spAutoFit/>
-          </a:bodyPr>
-          <a:lstStyle/>
-          <a:p>
-            <a:r>
-              <a:rPr lang="en-US" dirty="0" smtClean="0">
-                <a:latin typeface="Palatino Linotype" pitchFamily="18" charset="0"/>
-              </a:rPr>
-              <a:t>CREATE TABLE decimal_table ( col1 decimal(7,2) );</a:t>
-            </a:r>
-          </a:p>
-          <a:p>
-            <a:endParaRPr lang="en-US" dirty="0" smtClean="0">
-              <a:latin typeface="Palatino Linotype" pitchFamily="18" charset="0"/>
-            </a:endParaRPr>
-          </a:p>
-          <a:p>
-            <a:r>
-              <a:rPr lang="en-US" dirty="0" smtClean="0">
-                <a:latin typeface="Palatino Linotype" pitchFamily="18" charset="0"/>
-              </a:rPr>
-              <a:t>INSERT INTO decimal_table VALUES (5396.17);          #  5396.17</a:t>
-            </a:r>
-          </a:p>
-          <a:p>
-            <a:r>
-              <a:rPr lang="en-US" dirty="0" smtClean="0">
-                <a:latin typeface="Palatino Linotype" pitchFamily="18" charset="0"/>
-              </a:rPr>
-              <a:t>INSERT INTO decimal_table VALUES (5396.174);        # 5396.17</a:t>
-            </a:r>
-          </a:p>
-          <a:p>
-            <a:r>
-              <a:rPr lang="en-US" dirty="0" smtClean="0">
-                <a:latin typeface="Palatino Linotype" pitchFamily="18" charset="0"/>
-              </a:rPr>
-              <a:t>INSERT INTO decimal_table VALUES (5396.178);        # 5396.18</a:t>
-            </a:r>
-          </a:p>
-          <a:p>
-            <a:r>
-              <a:rPr lang="en-US" dirty="0" smtClean="0">
-                <a:latin typeface="Palatino Linotype" pitchFamily="18" charset="0"/>
-              </a:rPr>
-              <a:t>INSERT INTO decimal_table VALUES (5396.1743);      # 5396.17</a:t>
-            </a:r>
-          </a:p>
-          <a:p>
-            <a:r>
-              <a:rPr lang="en-US" dirty="0" smtClean="0">
-                <a:latin typeface="Palatino Linotype" pitchFamily="18" charset="0"/>
-              </a:rPr>
-              <a:t>INSERT INTO decimal_table VALUES (5396.1748);     # 5396.17</a:t>
-            </a:r>
-          </a:p>
-          <a:p>
-            <a:r>
-              <a:rPr lang="en-US" dirty="0" smtClean="0">
-                <a:latin typeface="Palatino Linotype" pitchFamily="18" charset="0"/>
-              </a:rPr>
-              <a:t>INSERT INTO decimal_table VALUES (5396.1788);     # 5396.18</a:t>
-            </a:r>
-          </a:p>
-        </p:txBody>
-      </p:sp>
-      <p:sp>
-        <p:nvSpPr>
           <p:cNvPr id="7" name="Rectangle 6"/>
           <p:cNvSpPr/>
           <p:nvPr/>
@@ -8449,11 +10627,11 @@
           <a:p>
             <a:pPr algn="r"/>
             <a:r>
-              <a:rPr lang="en-IN" sz="3600" dirty="0" smtClean="0">
+              <a:rPr lang="en-US" sz="3600" dirty="0" smtClean="0">
                 <a:latin typeface="Arial" panose="020B0604020202020204" pitchFamily="34" charset="0"/>
                 <a:cs typeface="Arial" panose="020B0604020202020204" pitchFamily="34" charset="0"/>
               </a:rPr>
-              <a:t>numeric datatype</a:t>
+              <a:t>difference between decimal and float</a:t>
             </a:r>
             <a:endParaRPr lang="en-IN" sz="3600" dirty="0">
               <a:latin typeface="Arial" panose="020B0604020202020204" pitchFamily="34" charset="0"/>
@@ -8532,14 +10710,14 @@
       </p:sp>
       <p:sp>
         <p:nvSpPr>
-          <p:cNvPr id="12" name="Rectangle 11"/>
+          <p:cNvPr id="10" name="Rectangle 9"/>
           <p:cNvSpPr/>
           <p:nvPr/>
         </p:nvSpPr>
         <p:spPr>
           <a:xfrm>
-            <a:off x="694606" y="3573016"/>
-            <a:ext cx="10369152" cy="369332"/>
+            <a:off x="737356" y="1880234"/>
+            <a:ext cx="10072758" cy="1477328"/>
           </a:xfrm>
           <a:prstGeom prst="rect">
             <a:avLst/>
@@ -8551,199 +10729,33 @@
           </a:bodyPr>
           <a:lstStyle/>
           <a:p>
-            <a:r>
-              <a:rPr lang="en-US" dirty="0" smtClean="0">
-                <a:latin typeface="Palatino Linotype" pitchFamily="18" charset="0"/>
-              </a:rPr>
-              <a:t>INSERT INTO decimal_table2  VALUES (1.23456, 1234.45, 1.23456, 1234.45);</a:t>
-            </a:r>
-            <a:endParaRPr lang="en-US" dirty="0">
-              <a:latin typeface="Palatino Linotype" pitchFamily="18" charset="0"/>
-            </a:endParaRPr>
+            <a:pPr fontAlgn="base"/>
+            <a:r>
+              <a:rPr lang="en-US" b="1" dirty="0" smtClean="0"/>
+              <a:t>Decimal/Numeric</a:t>
+            </a:r>
+            <a:r>
+              <a:rPr lang="en-US" dirty="0" smtClean="0"/>
+              <a:t> is Fixed-Precision data type, which means that all the values in the data type range can be represented exactly with precision and scale. You can use decimal for money saving.</a:t>
+            </a:r>
+          </a:p>
+          <a:p>
+            <a:pPr fontAlgn="base"/>
+            <a:endParaRPr lang="en-US" dirty="0" smtClean="0"/>
+          </a:p>
+          <a:p>
+            <a:pPr fontAlgn="base"/>
+            <a:r>
+              <a:rPr lang="en-US" b="1" dirty="0" smtClean="0"/>
+              <a:t>Float</a:t>
+            </a:r>
+            <a:r>
+              <a:rPr lang="en-US" dirty="0" smtClean="0"/>
+              <a:t> is Approximate-number data type, which means that not all values in the data type range can be represented exactly.</a:t>
+            </a:r>
           </a:p>
         </p:txBody>
       </p:sp>
-      <p:sp>
-        <p:nvSpPr>
-          <p:cNvPr id="13" name="Rectangle 12"/>
-          <p:cNvSpPr/>
-          <p:nvPr/>
-        </p:nvSpPr>
-        <p:spPr>
-          <a:xfrm>
-            <a:off x="694606" y="1484784"/>
-            <a:ext cx="9937104" cy="1754326"/>
-          </a:xfrm>
-          <a:prstGeom prst="rect">
-            <a:avLst/>
-          </a:prstGeom>
-        </p:spPr>
-        <p:txBody>
-          <a:bodyPr wrap="square">
-            <a:spAutoFit/>
-          </a:bodyPr>
-          <a:lstStyle/>
-          <a:p>
-            <a:r>
-              <a:rPr lang="en-US" dirty="0" smtClean="0">
-                <a:latin typeface="Palatino Linotype" pitchFamily="18" charset="0"/>
-              </a:rPr>
-              <a:t>CREATE TABLE decimal_table2 (   </a:t>
-            </a:r>
-          </a:p>
-          <a:p>
-            <a:r>
-              <a:rPr lang="en-US" dirty="0" smtClean="0">
-                <a:latin typeface="Palatino Linotype" pitchFamily="18" charset="0"/>
-              </a:rPr>
-              <a:t>   </a:t>
-            </a:r>
-            <a:r>
-              <a:rPr lang="en-US" dirty="0" smtClean="0">
-                <a:latin typeface="Palatino Linotype" pitchFamily="18" charset="0"/>
-              </a:rPr>
-              <a:t>d1 decimal,   </a:t>
-            </a:r>
-            <a:endParaRPr lang="en-US" dirty="0" smtClean="0">
-              <a:latin typeface="Palatino Linotype" pitchFamily="18" charset="0"/>
-            </a:endParaRPr>
-          </a:p>
-          <a:p>
-            <a:r>
-              <a:rPr lang="en-US" dirty="0" smtClean="0">
-                <a:latin typeface="Palatino Linotype" pitchFamily="18" charset="0"/>
-              </a:rPr>
-              <a:t>   d2 decimal(6,2</a:t>
-            </a:r>
-            <a:r>
-              <a:rPr lang="en-US" dirty="0" smtClean="0">
-                <a:latin typeface="Palatino Linotype" pitchFamily="18" charset="0"/>
-              </a:rPr>
-              <a:t>),   </a:t>
-            </a:r>
-            <a:endParaRPr lang="en-US" dirty="0" smtClean="0">
-              <a:latin typeface="Palatino Linotype" pitchFamily="18" charset="0"/>
-            </a:endParaRPr>
-          </a:p>
-          <a:p>
-            <a:r>
-              <a:rPr lang="en-US" dirty="0" smtClean="0">
-                <a:latin typeface="Palatino Linotype" pitchFamily="18" charset="0"/>
-              </a:rPr>
-              <a:t>   f1 </a:t>
-            </a:r>
-            <a:r>
-              <a:rPr lang="en-US" dirty="0" smtClean="0">
-                <a:latin typeface="Palatino Linotype" pitchFamily="18" charset="0"/>
-              </a:rPr>
-              <a:t>float,  </a:t>
-            </a:r>
-            <a:endParaRPr lang="en-US" dirty="0" smtClean="0">
-              <a:latin typeface="Palatino Linotype" pitchFamily="18" charset="0"/>
-            </a:endParaRPr>
-          </a:p>
-          <a:p>
-            <a:r>
-              <a:rPr lang="en-US" dirty="0" smtClean="0">
-                <a:latin typeface="Palatino Linotype" pitchFamily="18" charset="0"/>
-              </a:rPr>
-              <a:t>   f2 float(6,2</a:t>
-            </a:r>
-            <a:r>
-              <a:rPr lang="en-US" dirty="0" smtClean="0">
-                <a:latin typeface="Palatino Linotype" pitchFamily="18" charset="0"/>
-              </a:rPr>
-              <a:t>)</a:t>
-            </a:r>
-          </a:p>
-          <a:p>
-            <a:r>
-              <a:rPr lang="en-US" dirty="0" smtClean="0">
-                <a:latin typeface="Palatino Linotype" pitchFamily="18" charset="0"/>
-              </a:rPr>
-              <a:t>)</a:t>
-            </a:r>
-            <a:r>
-              <a:rPr lang="en-US" dirty="0" smtClean="0">
-                <a:latin typeface="Palatino Linotype" pitchFamily="18" charset="0"/>
-              </a:rPr>
-              <a:t>;</a:t>
-            </a:r>
-            <a:endParaRPr lang="en-US" dirty="0">
-              <a:latin typeface="Palatino Linotype" pitchFamily="18" charset="0"/>
-            </a:endParaRPr>
-          </a:p>
-        </p:txBody>
-      </p:sp>
-      <p:sp>
-        <p:nvSpPr>
-          <p:cNvPr id="7" name="Rectangle 6"/>
-          <p:cNvSpPr/>
-          <p:nvPr/>
-        </p:nvSpPr>
-        <p:spPr>
-          <a:xfrm>
-            <a:off x="622598" y="908720"/>
-            <a:ext cx="4271682" cy="369332"/>
-          </a:xfrm>
-          <a:prstGeom prst="rect">
-            <a:avLst/>
-          </a:prstGeom>
-        </p:spPr>
-        <p:txBody>
-          <a:bodyPr wrap="none">
-            <a:spAutoFit/>
-          </a:bodyPr>
-          <a:lstStyle/>
-          <a:p>
-            <a:r>
-              <a:rPr lang="en-US" dirty="0" smtClean="0"/>
-              <a:t>The default value of </a:t>
-            </a:r>
-            <a:r>
-              <a:rPr lang="en-US" i="1" dirty="0" smtClean="0"/>
-              <a:t>M</a:t>
-            </a:r>
-            <a:r>
-              <a:rPr lang="en-US" dirty="0" smtClean="0"/>
-              <a:t> is 10. If the scale is 0</a:t>
-            </a:r>
-            <a:endParaRPr lang="en-US" dirty="0"/>
-          </a:p>
-        </p:txBody>
-      </p:sp>
-      <p:pic>
-        <p:nvPicPr>
-          <p:cNvPr id="1026" name="Picture 2"/>
-          <p:cNvPicPr>
-            <a:picLocks noChangeAspect="1" noChangeArrowheads="1"/>
-          </p:cNvPicPr>
-          <p:nvPr/>
-        </p:nvPicPr>
-        <p:blipFill>
-          <a:blip r:embed="rId3" cstate="print"/>
-          <a:srcRect/>
-          <a:stretch>
-            <a:fillRect/>
-          </a:stretch>
-        </p:blipFill>
-        <p:spPr bwMode="auto">
-          <a:xfrm>
-            <a:off x="694605" y="4221088"/>
-            <a:ext cx="4259673" cy="792088"/>
-          </a:xfrm>
-          <a:prstGeom prst="rect">
-            <a:avLst/>
-          </a:prstGeom>
-          <a:noFill/>
-          <a:ln w="9525">
-            <a:noFill/>
-            <a:miter lim="800000"/>
-            <a:headEnd/>
-            <a:tailEnd/>
-          </a:ln>
-        </p:spPr>
-      </p:pic>
     </p:spTree>
     <p:extLst>
       <p:ext uri="{BB962C8B-B14F-4D97-AF65-F5344CB8AC3E}">
@@ -8811,6 +10823,663 @@
                 <a:latin typeface="Arial" panose="020B0604020202020204" pitchFamily="34" charset="0"/>
                 <a:cs typeface="Arial" panose="020B0604020202020204" pitchFamily="34" charset="0"/>
               </a:rPr>
+              <a:t>decimal datatype</a:t>
+            </a:r>
+            <a:endParaRPr lang="en-IN" sz="3600" dirty="0">
+              <a:latin typeface="Arial" panose="020B0604020202020204" pitchFamily="34" charset="0"/>
+              <a:cs typeface="Arial" panose="020B0604020202020204" pitchFamily="34" charset="0"/>
+            </a:endParaRPr>
+          </a:p>
+        </p:txBody>
+      </p:sp>
+      <p:pic>
+        <p:nvPicPr>
+          <p:cNvPr id="8" name="Picture 7">
+            <a:extLst>
+              <a:ext uri="{FF2B5EF4-FFF2-40B4-BE49-F238E27FC236}">
+                <a16:creationId xmlns:a16="http://schemas.microsoft.com/office/drawing/2014/main" xmlns="" id="{400BDB21-8205-4137-B6E5-08ED3722AACF}"/>
+              </a:ext>
+            </a:extLst>
+          </p:cNvPr>
+          <p:cNvPicPr>
+            <a:picLocks noChangeAspect="1"/>
+          </p:cNvPicPr>
+          <p:nvPr/>
+        </p:nvPicPr>
+        <p:blipFill>
+          <a:blip r:embed="rId2" cstate="print">
+            <a:extLst>
+              <a:ext uri="{28A0092B-C50C-407E-A947-70E740481C1C}">
+                <a14:useLocalDpi xmlns:a14="http://schemas.microsoft.com/office/drawing/2010/main" xmlns="" val="0"/>
+              </a:ext>
+            </a:extLst>
+          </a:blip>
+          <a:stretch>
+            <a:fillRect/>
+          </a:stretch>
+        </p:blipFill>
+        <p:spPr>
+          <a:xfrm>
+            <a:off x="118542" y="116632"/>
+            <a:ext cx="1371859" cy="445150"/>
+          </a:xfrm>
+          <a:prstGeom prst="rect">
+            <a:avLst/>
+          </a:prstGeom>
+        </p:spPr>
+      </p:pic>
+      <p:sp>
+        <p:nvSpPr>
+          <p:cNvPr id="9" name="Rectangle 8"/>
+          <p:cNvSpPr/>
+          <p:nvPr/>
+        </p:nvSpPr>
+        <p:spPr>
+          <a:xfrm>
+            <a:off x="11755679" y="0"/>
+            <a:ext cx="397866" cy="369332"/>
+          </a:xfrm>
+          <a:prstGeom prst="rect">
+            <a:avLst/>
+          </a:prstGeom>
+        </p:spPr>
+        <p:txBody>
+          <a:bodyPr wrap="none">
+            <a:spAutoFit/>
+          </a:bodyPr>
+          <a:lstStyle/>
+          <a:p>
+            <a:r>
+              <a:rPr lang="en-IN" dirty="0" smtClean="0">
+                <a:latin typeface="Segoe UI Light" panose="020B0502040204020203" pitchFamily="34" charset="0"/>
+                <a:cs typeface="Segoe UI Light" panose="020B0502040204020203" pitchFamily="34" charset="0"/>
+              </a:rPr>
+              <a:t>(1)</a:t>
+            </a:r>
+            <a:endParaRPr lang="en-US" dirty="0"/>
+          </a:p>
+        </p:txBody>
+      </p:sp>
+      <p:sp>
+        <p:nvSpPr>
+          <p:cNvPr id="7" name="Rectangle 6"/>
+          <p:cNvSpPr/>
+          <p:nvPr/>
+        </p:nvSpPr>
+        <p:spPr>
+          <a:xfrm>
+            <a:off x="622598" y="908720"/>
+            <a:ext cx="4271682" cy="369332"/>
+          </a:xfrm>
+          <a:prstGeom prst="rect">
+            <a:avLst/>
+          </a:prstGeom>
+        </p:spPr>
+        <p:txBody>
+          <a:bodyPr wrap="none">
+            <a:spAutoFit/>
+          </a:bodyPr>
+          <a:lstStyle/>
+          <a:p>
+            <a:r>
+              <a:rPr lang="en-US" dirty="0" smtClean="0"/>
+              <a:t>The default value of </a:t>
+            </a:r>
+            <a:r>
+              <a:rPr lang="en-US" i="1" dirty="0" smtClean="0"/>
+              <a:t>M</a:t>
+            </a:r>
+            <a:r>
+              <a:rPr lang="en-US" dirty="0" smtClean="0"/>
+              <a:t> is 10. If the scale is 0</a:t>
+            </a:r>
+            <a:endParaRPr lang="en-US" dirty="0"/>
+          </a:p>
+        </p:txBody>
+      </p:sp>
+      <p:sp>
+        <p:nvSpPr>
+          <p:cNvPr id="10" name="Rectangle 9"/>
+          <p:cNvSpPr/>
+          <p:nvPr/>
+        </p:nvSpPr>
+        <p:spPr>
+          <a:xfrm>
+            <a:off x="478582" y="1357298"/>
+            <a:ext cx="9145016" cy="369332"/>
+          </a:xfrm>
+          <a:prstGeom prst="rect">
+            <a:avLst/>
+          </a:prstGeom>
+        </p:spPr>
+        <p:txBody>
+          <a:bodyPr wrap="square">
+            <a:spAutoFit/>
+          </a:bodyPr>
+          <a:lstStyle/>
+          <a:p>
+            <a:r>
+              <a:rPr lang="en-US" dirty="0" smtClean="0">
+                <a:latin typeface="Palatino Linotype" pitchFamily="18" charset="0"/>
+              </a:rPr>
+              <a:t>CREATE TABLE decimal_table (col1 decimal, col2 decimal(7, 2) );</a:t>
+            </a:r>
+          </a:p>
+        </p:txBody>
+      </p:sp>
+      <p:pic>
+        <p:nvPicPr>
+          <p:cNvPr id="2051" name="Picture 3"/>
+          <p:cNvPicPr>
+            <a:picLocks noChangeAspect="1" noChangeArrowheads="1"/>
+          </p:cNvPicPr>
+          <p:nvPr/>
+        </p:nvPicPr>
+        <p:blipFill>
+          <a:blip r:embed="rId3"/>
+          <a:srcRect/>
+          <a:stretch>
+            <a:fillRect/>
+          </a:stretch>
+        </p:blipFill>
+        <p:spPr bwMode="auto">
+          <a:xfrm>
+            <a:off x="523042" y="1857364"/>
+            <a:ext cx="4978409" cy="928694"/>
+          </a:xfrm>
+          <a:prstGeom prst="rect">
+            <a:avLst/>
+          </a:prstGeom>
+          <a:noFill/>
+          <a:ln w="9525">
+            <a:noFill/>
+            <a:miter lim="800000"/>
+            <a:headEnd/>
+            <a:tailEnd/>
+          </a:ln>
+          <a:effectLst/>
+        </p:spPr>
+      </p:pic>
+      <p:sp>
+        <p:nvSpPr>
+          <p:cNvPr id="14" name="Rectangle 13"/>
+          <p:cNvSpPr/>
+          <p:nvPr/>
+        </p:nvSpPr>
+        <p:spPr>
+          <a:xfrm>
+            <a:off x="523042" y="2928934"/>
+            <a:ext cx="11287204" cy="1754326"/>
+          </a:xfrm>
+          <a:prstGeom prst="rect">
+            <a:avLst/>
+          </a:prstGeom>
+        </p:spPr>
+        <p:txBody>
+          <a:bodyPr wrap="square">
+            <a:spAutoFit/>
+          </a:bodyPr>
+          <a:lstStyle/>
+          <a:p>
+            <a:r>
+              <a:rPr lang="en-US" dirty="0" smtClean="0">
+                <a:latin typeface="Palatino Linotype" pitchFamily="18" charset="0"/>
+              </a:rPr>
+              <a:t>INSERT INTO decimal_table VALUES (1.2,5396.17);          </a:t>
+            </a:r>
+          </a:p>
+          <a:p>
+            <a:r>
+              <a:rPr lang="en-US" dirty="0" smtClean="0">
+                <a:latin typeface="Palatino Linotype" pitchFamily="18" charset="0"/>
+              </a:rPr>
+              <a:t>INSERT INTO decimal_table VALUES (1.23, 5396.174);       </a:t>
+            </a:r>
+          </a:p>
+          <a:p>
+            <a:r>
+              <a:rPr lang="en-US" dirty="0" smtClean="0">
+                <a:latin typeface="Palatino Linotype" pitchFamily="18" charset="0"/>
+              </a:rPr>
+              <a:t>INSERT INTO decimal_table VALUES (1.234, 5396.178);       </a:t>
+            </a:r>
+          </a:p>
+          <a:p>
+            <a:r>
+              <a:rPr lang="en-US" dirty="0" smtClean="0">
+                <a:latin typeface="Palatino Linotype" pitchFamily="18" charset="0"/>
+              </a:rPr>
+              <a:t>INSERT INTO decimal_table VALUES (1.456, 5396.1743);      </a:t>
+            </a:r>
+          </a:p>
+          <a:p>
+            <a:r>
+              <a:rPr lang="en-US" dirty="0" smtClean="0">
+                <a:latin typeface="Palatino Linotype" pitchFamily="18" charset="0"/>
+              </a:rPr>
+              <a:t>INSERT INTO decimal_table VALUES (1.56, 5396.1748);    </a:t>
+            </a:r>
+          </a:p>
+          <a:p>
+            <a:r>
+              <a:rPr lang="en-US" dirty="0" smtClean="0">
+                <a:latin typeface="Palatino Linotype" pitchFamily="18" charset="0"/>
+              </a:rPr>
+              <a:t>INSERT INTO decimal_table VALUES (1.567, 5396.1788);</a:t>
+            </a:r>
+          </a:p>
+        </p:txBody>
+      </p:sp>
+      <p:pic>
+        <p:nvPicPr>
+          <p:cNvPr id="2052" name="Picture 4"/>
+          <p:cNvPicPr>
+            <a:picLocks noChangeAspect="1" noChangeArrowheads="1"/>
+          </p:cNvPicPr>
+          <p:nvPr/>
+        </p:nvPicPr>
+        <p:blipFill>
+          <a:blip r:embed="rId4"/>
+          <a:srcRect/>
+          <a:stretch>
+            <a:fillRect/>
+          </a:stretch>
+        </p:blipFill>
+        <p:spPr bwMode="auto">
+          <a:xfrm>
+            <a:off x="523042" y="4714884"/>
+            <a:ext cx="2000264" cy="2000264"/>
+          </a:xfrm>
+          <a:prstGeom prst="rect">
+            <a:avLst/>
+          </a:prstGeom>
+          <a:noFill/>
+          <a:ln w="9525">
+            <a:noFill/>
+            <a:miter lim="800000"/>
+            <a:headEnd/>
+            <a:tailEnd/>
+          </a:ln>
+          <a:effectLst/>
+        </p:spPr>
+      </p:pic>
+    </p:spTree>
+    <p:extLst>
+      <p:ext uri="{BB962C8B-B14F-4D97-AF65-F5344CB8AC3E}">
+        <p14:creationId xmlns:p14="http://schemas.microsoft.com/office/powerpoint/2010/main" xmlns="" val="2592491060"/>
+      </p:ext>
+    </p:extLst>
+  </p:cSld>
+  <p:clrMapOvr>
+    <a:masterClrMapping/>
+  </p:clrMapOvr>
+  <p:timing>
+    <p:tnLst>
+      <p:par>
+        <p:cTn id="1" dur="indefinite" restart="never" nodeType="tmRoot"/>
+      </p:par>
+    </p:tnLst>
+  </p:timing>
+</p:sld>
+</file>
+
+<file path=ppt/slides/slide6.xml><?xml version="1.0" encoding="utf-8"?>
+<p:sld xmlns:a="http://schemas.openxmlformats.org/drawingml/2006/main" xmlns:r="http://schemas.openxmlformats.org/officeDocument/2006/relationships" xmlns:p="http://schemas.openxmlformats.org/presentationml/2006/main">
+  <p:cSld>
+    <p:spTree>
+      <p:nvGrpSpPr>
+        <p:cNvPr id="1" name=""/>
+        <p:cNvGrpSpPr/>
+        <p:nvPr/>
+      </p:nvGrpSpPr>
+      <p:grpSpPr>
+        <a:xfrm>
+          <a:off x="0" y="0"/>
+          <a:ext cx="0" cy="0"/>
+          <a:chOff x="0" y="0"/>
+          <a:chExt cx="0" cy="0"/>
+        </a:xfrm>
+      </p:grpSpPr>
+      <p:sp>
+        <p:nvSpPr>
+          <p:cNvPr id="4" name="Rectangle 3"/>
+          <p:cNvSpPr/>
+          <p:nvPr/>
+        </p:nvSpPr>
+        <p:spPr>
+          <a:xfrm>
+            <a:off x="1523802" y="3"/>
+            <a:ext cx="9142810" cy="646331"/>
+          </a:xfrm>
+          <a:prstGeom prst="rect">
+            <a:avLst/>
+          </a:prstGeom>
+          <a:solidFill>
+            <a:schemeClr val="bg1"/>
+          </a:solidFill>
+        </p:spPr>
+        <p:txBody>
+          <a:bodyPr wrap="square">
+            <a:spAutoFit/>
+          </a:bodyPr>
+          <a:lstStyle/>
+          <a:p>
+            <a:pPr algn="r"/>
+            <a:r>
+              <a:rPr lang="en-IN" sz="3600" dirty="0" smtClean="0">
+                <a:latin typeface="Arial" panose="020B0604020202020204" pitchFamily="34" charset="0"/>
+                <a:cs typeface="Arial" panose="020B0604020202020204" pitchFamily="34" charset="0"/>
+              </a:rPr>
+              <a:t>float datatype</a:t>
+            </a:r>
+            <a:endParaRPr lang="en-IN" sz="3600" dirty="0">
+              <a:latin typeface="Arial" panose="020B0604020202020204" pitchFamily="34" charset="0"/>
+              <a:cs typeface="Arial" panose="020B0604020202020204" pitchFamily="34" charset="0"/>
+            </a:endParaRPr>
+          </a:p>
+        </p:txBody>
+      </p:sp>
+      <p:pic>
+        <p:nvPicPr>
+          <p:cNvPr id="8" name="Picture 7">
+            <a:extLst>
+              <a:ext uri="{FF2B5EF4-FFF2-40B4-BE49-F238E27FC236}">
+                <a16:creationId xmlns:a16="http://schemas.microsoft.com/office/drawing/2014/main" xmlns="" id="{400BDB21-8205-4137-B6E5-08ED3722AACF}"/>
+              </a:ext>
+            </a:extLst>
+          </p:cNvPr>
+          <p:cNvPicPr>
+            <a:picLocks noChangeAspect="1"/>
+          </p:cNvPicPr>
+          <p:nvPr/>
+        </p:nvPicPr>
+        <p:blipFill>
+          <a:blip r:embed="rId2" cstate="print">
+            <a:extLst>
+              <a:ext uri="{28A0092B-C50C-407E-A947-70E740481C1C}">
+                <a14:useLocalDpi xmlns:a14="http://schemas.microsoft.com/office/drawing/2010/main" xmlns="" val="0"/>
+              </a:ext>
+            </a:extLst>
+          </a:blip>
+          <a:stretch>
+            <a:fillRect/>
+          </a:stretch>
+        </p:blipFill>
+        <p:spPr>
+          <a:xfrm>
+            <a:off x="118542" y="116632"/>
+            <a:ext cx="1371859" cy="445150"/>
+          </a:xfrm>
+          <a:prstGeom prst="rect">
+            <a:avLst/>
+          </a:prstGeom>
+        </p:spPr>
+      </p:pic>
+      <p:sp>
+        <p:nvSpPr>
+          <p:cNvPr id="9" name="Rectangle 8"/>
+          <p:cNvSpPr/>
+          <p:nvPr/>
+        </p:nvSpPr>
+        <p:spPr>
+          <a:xfrm>
+            <a:off x="11755679" y="0"/>
+            <a:ext cx="397866" cy="369332"/>
+          </a:xfrm>
+          <a:prstGeom prst="rect">
+            <a:avLst/>
+          </a:prstGeom>
+        </p:spPr>
+        <p:txBody>
+          <a:bodyPr wrap="none">
+            <a:spAutoFit/>
+          </a:bodyPr>
+          <a:lstStyle/>
+          <a:p>
+            <a:r>
+              <a:rPr lang="en-IN" dirty="0" smtClean="0">
+                <a:latin typeface="Segoe UI Light" panose="020B0502040204020203" pitchFamily="34" charset="0"/>
+                <a:cs typeface="Segoe UI Light" panose="020B0502040204020203" pitchFamily="34" charset="0"/>
+              </a:rPr>
+              <a:t>(1)</a:t>
+            </a:r>
+            <a:endParaRPr lang="en-US" dirty="0"/>
+          </a:p>
+        </p:txBody>
+      </p:sp>
+      <p:sp>
+        <p:nvSpPr>
+          <p:cNvPr id="10" name="Rectangle 9"/>
+          <p:cNvSpPr/>
+          <p:nvPr/>
+        </p:nvSpPr>
+        <p:spPr>
+          <a:xfrm>
+            <a:off x="478582" y="1000108"/>
+            <a:ext cx="9145016" cy="369332"/>
+          </a:xfrm>
+          <a:prstGeom prst="rect">
+            <a:avLst/>
+          </a:prstGeom>
+        </p:spPr>
+        <p:txBody>
+          <a:bodyPr wrap="square">
+            <a:spAutoFit/>
+          </a:bodyPr>
+          <a:lstStyle/>
+          <a:p>
+            <a:r>
+              <a:rPr lang="en-US" dirty="0" smtClean="0">
+                <a:latin typeface="Palatino Linotype" pitchFamily="18" charset="0"/>
+              </a:rPr>
+              <a:t>CREATE TABLE float_table (col1 float, col2 float(7, 2) );</a:t>
+            </a:r>
+          </a:p>
+        </p:txBody>
+      </p:sp>
+      <p:sp>
+        <p:nvSpPr>
+          <p:cNvPr id="14" name="Rectangle 13"/>
+          <p:cNvSpPr/>
+          <p:nvPr/>
+        </p:nvSpPr>
+        <p:spPr>
+          <a:xfrm>
+            <a:off x="523042" y="2643182"/>
+            <a:ext cx="11287204" cy="1754326"/>
+          </a:xfrm>
+          <a:prstGeom prst="rect">
+            <a:avLst/>
+          </a:prstGeom>
+        </p:spPr>
+        <p:txBody>
+          <a:bodyPr wrap="square">
+            <a:spAutoFit/>
+          </a:bodyPr>
+          <a:lstStyle/>
+          <a:p>
+            <a:r>
+              <a:rPr lang="en-US" dirty="0" smtClean="0">
+                <a:latin typeface="Palatino Linotype" pitchFamily="18" charset="0"/>
+              </a:rPr>
+              <a:t>INSERT INTO float_table VALUES (1.2,5396.17);         </a:t>
+            </a:r>
+          </a:p>
+          <a:p>
+            <a:r>
+              <a:rPr lang="en-US" dirty="0" smtClean="0">
+                <a:latin typeface="Palatino Linotype" pitchFamily="18" charset="0"/>
+              </a:rPr>
+              <a:t>INSERT INTO float_table VALUES (1.23, 5396.174);       </a:t>
+            </a:r>
+          </a:p>
+          <a:p>
+            <a:r>
+              <a:rPr lang="en-US" dirty="0" smtClean="0">
+                <a:latin typeface="Palatino Linotype" pitchFamily="18" charset="0"/>
+              </a:rPr>
+              <a:t>INSERT INTO float_table VALUES (1.234, 5396.178);      </a:t>
+            </a:r>
+          </a:p>
+          <a:p>
+            <a:r>
+              <a:rPr lang="en-US" dirty="0" smtClean="0">
+                <a:latin typeface="Palatino Linotype" pitchFamily="18" charset="0"/>
+              </a:rPr>
+              <a:t>INSERT INTO float_table VALUES (1.456, 5396.1743);      </a:t>
+            </a:r>
+          </a:p>
+          <a:p>
+            <a:r>
+              <a:rPr lang="en-US" dirty="0" smtClean="0">
+                <a:latin typeface="Palatino Linotype" pitchFamily="18" charset="0"/>
+              </a:rPr>
+              <a:t>INSERT INTO float_table VALUES (1.56, 5396.1748);    </a:t>
+            </a:r>
+          </a:p>
+          <a:p>
+            <a:r>
+              <a:rPr lang="en-US" dirty="0" smtClean="0">
+                <a:latin typeface="Palatino Linotype" pitchFamily="18" charset="0"/>
+              </a:rPr>
+              <a:t>INSERT INTO float_table VALUES (1.567, 5396.1788);</a:t>
+            </a:r>
+          </a:p>
+        </p:txBody>
+      </p:sp>
+      <p:pic>
+        <p:nvPicPr>
+          <p:cNvPr id="3074" name="Picture 2"/>
+          <p:cNvPicPr>
+            <a:picLocks noChangeAspect="1" noChangeArrowheads="1"/>
+          </p:cNvPicPr>
+          <p:nvPr/>
+        </p:nvPicPr>
+        <p:blipFill>
+          <a:blip r:embed="rId3"/>
+          <a:srcRect/>
+          <a:stretch>
+            <a:fillRect/>
+          </a:stretch>
+        </p:blipFill>
+        <p:spPr bwMode="auto">
+          <a:xfrm>
+            <a:off x="594480" y="1500174"/>
+            <a:ext cx="5167355" cy="1000133"/>
+          </a:xfrm>
+          <a:prstGeom prst="rect">
+            <a:avLst/>
+          </a:prstGeom>
+          <a:noFill/>
+          <a:ln w="9525">
+            <a:noFill/>
+            <a:miter lim="800000"/>
+            <a:headEnd/>
+            <a:tailEnd/>
+          </a:ln>
+          <a:effectLst/>
+        </p:spPr>
+      </p:pic>
+      <p:pic>
+        <p:nvPicPr>
+          <p:cNvPr id="3075" name="Picture 3"/>
+          <p:cNvPicPr>
+            <a:picLocks noChangeAspect="1" noChangeArrowheads="1"/>
+          </p:cNvPicPr>
+          <p:nvPr/>
+        </p:nvPicPr>
+        <p:blipFill>
+          <a:blip r:embed="rId4"/>
+          <a:srcRect/>
+          <a:stretch>
+            <a:fillRect/>
+          </a:stretch>
+        </p:blipFill>
+        <p:spPr bwMode="auto">
+          <a:xfrm>
+            <a:off x="594480" y="4572008"/>
+            <a:ext cx="2214578" cy="2098891"/>
+          </a:xfrm>
+          <a:prstGeom prst="rect">
+            <a:avLst/>
+          </a:prstGeom>
+          <a:noFill/>
+          <a:ln w="9525">
+            <a:noFill/>
+            <a:miter lim="800000"/>
+            <a:headEnd/>
+            <a:tailEnd/>
+          </a:ln>
+          <a:effectLst/>
+        </p:spPr>
+      </p:pic>
+    </p:spTree>
+    <p:extLst>
+      <p:ext uri="{BB962C8B-B14F-4D97-AF65-F5344CB8AC3E}">
+        <p14:creationId xmlns:p14="http://schemas.microsoft.com/office/powerpoint/2010/main" xmlns="" val="2592491060"/>
+      </p:ext>
+    </p:extLst>
+  </p:cSld>
+  <p:clrMapOvr>
+    <a:masterClrMapping/>
+  </p:clrMapOvr>
+  <p:timing>
+    <p:tnLst>
+      <p:par>
+        <p:cTn id="1" dur="indefinite" restart="never" nodeType="tmRoot"/>
+      </p:par>
+    </p:tnLst>
+  </p:timing>
+</p:sld>
+</file>
+
+<file path=ppt/slides/slide7.xml><?xml version="1.0" encoding="utf-8"?>
+<p:sld xmlns:a="http://schemas.openxmlformats.org/drawingml/2006/main" xmlns:r="http://schemas.openxmlformats.org/officeDocument/2006/relationships" xmlns:p="http://schemas.openxmlformats.org/presentationml/2006/main">
+  <p:cSld>
+    <p:spTree>
+      <p:nvGrpSpPr>
+        <p:cNvPr id="1" name=""/>
+        <p:cNvGrpSpPr/>
+        <p:nvPr/>
+      </p:nvGrpSpPr>
+      <p:grpSpPr>
+        <a:xfrm>
+          <a:off x="0" y="0"/>
+          <a:ext cx="0" cy="0"/>
+          <a:chOff x="0" y="0"/>
+          <a:chExt cx="0" cy="0"/>
+        </a:xfrm>
+      </p:grpSpPr>
+      <p:sp>
+        <p:nvSpPr>
+          <p:cNvPr id="4" name="Rectangle 3"/>
+          <p:cNvSpPr/>
+          <p:nvPr/>
+        </p:nvSpPr>
+        <p:spPr>
+          <a:xfrm>
+            <a:off x="1523802" y="3"/>
+            <a:ext cx="9142810" cy="646331"/>
+          </a:xfrm>
+          <a:prstGeom prst="rect">
+            <a:avLst/>
+          </a:prstGeom>
+          <a:solidFill>
+            <a:schemeClr val="bg1"/>
+          </a:solidFill>
+        </p:spPr>
+        <p:txBody>
+          <a:bodyPr wrap="square">
+            <a:spAutoFit/>
+          </a:bodyPr>
+          <a:lstStyle/>
+          <a:p>
+            <a:pPr algn="r"/>
+            <a:r>
+              <a:rPr lang="en-IN" sz="3600" dirty="0" smtClean="0">
+                <a:latin typeface="Arial" panose="020B0604020202020204" pitchFamily="34" charset="0"/>
+                <a:cs typeface="Arial" panose="020B0604020202020204" pitchFamily="34" charset="0"/>
+              </a:rPr>
               <a:t>string datatype</a:t>
             </a:r>
             <a:endParaRPr lang="en-IN" sz="3600" dirty="0">
@@ -8835,7 +11504,7 @@
           </p:nvPr>
         </p:nvGraphicFramePr>
         <p:xfrm>
-          <a:off x="406573" y="908720"/>
+          <a:off x="406573" y="1245562"/>
           <a:ext cx="10361179" cy="3540760"/>
         </p:xfrm>
         <a:graphic>
@@ -9714,626 +12383,205 @@
           </a:p>
         </p:txBody>
       </p:sp>
-    </p:spTree>
-    <p:extLst>
-      <p:ext uri="{BB962C8B-B14F-4D97-AF65-F5344CB8AC3E}">
-        <p14:creationId xmlns:p14="http://schemas.microsoft.com/office/powerpoint/2010/main" xmlns="" val="1302273438"/>
-      </p:ext>
-    </p:extLst>
-  </p:cSld>
-  <p:clrMapOvr>
-    <a:masterClrMapping/>
-  </p:clrMapOvr>
-  <p:timing>
-    <p:tnLst>
-      <p:par>
-        <p:cTn id="1" dur="indefinite" restart="never" nodeType="tmRoot"/>
-      </p:par>
-    </p:tnLst>
-  </p:timing>
-</p:sld>
-</file>
-
-<file path=ppt/slides/slide6.xml><?xml version="1.0" encoding="utf-8"?>
-<p:sld xmlns:a="http://schemas.openxmlformats.org/drawingml/2006/main" xmlns:r="http://schemas.openxmlformats.org/officeDocument/2006/relationships" xmlns:p="http://schemas.openxmlformats.org/presentationml/2006/main">
-  <p:cSld>
-    <p:spTree>
-      <p:nvGrpSpPr>
-        <p:cNvPr id="1" name=""/>
-        <p:cNvGrpSpPr/>
-        <p:nvPr/>
-      </p:nvGrpSpPr>
-      <p:grpSpPr>
-        <a:xfrm>
-          <a:off x="0" y="0"/>
-          <a:ext cx="0" cy="0"/>
-          <a:chOff x="0" y="0"/>
-          <a:chExt cx="0" cy="0"/>
-        </a:xfrm>
-      </p:grpSpPr>
       <p:sp>
         <p:nvSpPr>
-          <p:cNvPr id="4" name="Rectangle 3"/>
-          <p:cNvSpPr/>
+          <p:cNvPr id="15361" name="Rectangle 1"/>
+          <p:cNvSpPr>
+            <a:spLocks noChangeArrowheads="1"/>
+          </p:cNvSpPr>
           <p:nvPr/>
         </p:nvSpPr>
-        <p:spPr>
+        <p:spPr bwMode="auto">
           <a:xfrm>
-            <a:off x="1523802" y="3"/>
-            <a:ext cx="9142810" cy="1200329"/>
+            <a:off x="380166" y="5786454"/>
+            <a:ext cx="1276119" cy="646331"/>
           </a:xfrm>
           <a:prstGeom prst="rect">
             <a:avLst/>
           </a:prstGeom>
-          <a:solidFill>
-            <a:schemeClr val="bg1"/>
-          </a:solidFill>
+          <a:noFill/>
+          <a:ln w="9525">
+            <a:noFill/>
+            <a:miter lim="800000"/>
+            <a:headEnd/>
+            <a:tailEnd/>
+          </a:ln>
+          <a:effectLst/>
         </p:spPr>
         <p:txBody>
-          <a:bodyPr wrap="square">
+          <a:bodyPr vert="horz" wrap="none" lIns="91440" tIns="45720" rIns="91440" bIns="45720" numCol="1" anchor="ctr" anchorCtr="0" compatLnSpc="1">
+            <a:prstTxWarp prst="textNoShape">
+              <a:avLst/>
+            </a:prstTxWarp>
             <a:spAutoFit/>
           </a:bodyPr>
           <a:lstStyle/>
           <a:p>
-            <a:pPr algn="r"/>
-            <a:r>
-              <a:rPr lang="en-US" sz="3600" dirty="0" smtClean="0"/>
-              <a:t>difference between unicode and non-Unicode data type</a:t>
-            </a:r>
-            <a:endParaRPr lang="en-IN" sz="3600" dirty="0">
-              <a:latin typeface="Arial" panose="020B0604020202020204" pitchFamily="34" charset="0"/>
-              <a:cs typeface="Arial" panose="020B0604020202020204" pitchFamily="34" charset="0"/>
+            <a:pPr marL="0" marR="0" lvl="0" indent="0" algn="l" defTabSz="914400" rtl="0" eaLnBrk="1" fontAlgn="base" latinLnBrk="0" hangingPunct="1">
+              <a:lnSpc>
+                <a:spcPct val="100000"/>
+              </a:lnSpc>
+              <a:spcBef>
+                <a:spcPct val="0"/>
+              </a:spcBef>
+              <a:spcAft>
+                <a:spcPct val="0"/>
+              </a:spcAft>
+              <a:buClrTx/>
+              <a:buSzTx/>
+              <a:buFontTx/>
+              <a:buNone/>
+              <a:tabLst/>
+            </a:pPr>
+            <a:r>
+              <a:rPr kumimoji="0" lang="en-US" b="0" i="0" u="none" strike="noStrike" cap="none" normalizeH="0" baseline="0" smtClean="0">
+                <a:ln>
+                  <a:noFill/>
+                </a:ln>
+                <a:solidFill>
+                  <a:srgbClr val="000000"/>
+                </a:solidFill>
+                <a:effectLst/>
+                <a:latin typeface="Calibri" pitchFamily="34" charset="0"/>
+                <a:ea typeface="Calibri" pitchFamily="34" charset="0"/>
+                <a:cs typeface="Calibri" pitchFamily="34" charset="0"/>
+              </a:rPr>
+              <a:t>Char(10)</a:t>
+            </a:r>
+            <a:endParaRPr kumimoji="0" lang="en-US" b="0" i="0" u="none" strike="noStrike" cap="none" normalizeH="0" baseline="0" smtClean="0">
+              <a:ln>
+                <a:noFill/>
+              </a:ln>
+              <a:solidFill>
+                <a:schemeClr val="tx1"/>
+              </a:solidFill>
+              <a:effectLst/>
+              <a:latin typeface="Arial" pitchFamily="34" charset="0"/>
+              <a:cs typeface="Arial" pitchFamily="34" charset="0"/>
+            </a:endParaRPr>
+          </a:p>
+          <a:p>
+            <a:pPr marL="0" marR="0" lvl="0" indent="0" algn="l" defTabSz="914400" rtl="0" eaLnBrk="0" fontAlgn="base" latinLnBrk="0" hangingPunct="0">
+              <a:lnSpc>
+                <a:spcPct val="100000"/>
+              </a:lnSpc>
+              <a:spcBef>
+                <a:spcPct val="0"/>
+              </a:spcBef>
+              <a:spcAft>
+                <a:spcPct val="0"/>
+              </a:spcAft>
+              <a:buClrTx/>
+              <a:buSzTx/>
+              <a:buFontTx/>
+              <a:buNone/>
+              <a:tabLst/>
+            </a:pPr>
+            <a:r>
+              <a:rPr kumimoji="0" lang="en-US" b="0" i="0" u="none" strike="noStrike" cap="none" normalizeH="0" baseline="0" smtClean="0">
+                <a:ln>
+                  <a:noFill/>
+                </a:ln>
+                <a:solidFill>
+                  <a:srgbClr val="000000"/>
+                </a:solidFill>
+                <a:effectLst/>
+                <a:latin typeface="Calibri" pitchFamily="34" charset="0"/>
+                <a:ea typeface="Calibri" pitchFamily="34" charset="0"/>
+                <a:cs typeface="Calibri" pitchFamily="34" charset="0"/>
+              </a:rPr>
+              <a:t>Varchar(10)</a:t>
+            </a:r>
+            <a:endParaRPr kumimoji="0" lang="en-US" b="0" i="0" u="none" strike="noStrike" cap="none" normalizeH="0" baseline="0" smtClean="0">
+              <a:ln>
+                <a:noFill/>
+              </a:ln>
+              <a:solidFill>
+                <a:schemeClr val="tx1"/>
+              </a:solidFill>
+              <a:effectLst/>
+              <a:latin typeface="Arial" pitchFamily="34" charset="0"/>
+              <a:cs typeface="Arial" pitchFamily="34" charset="0"/>
             </a:endParaRPr>
           </a:p>
         </p:txBody>
       </p:sp>
-      <p:pic>
-        <p:nvPicPr>
-          <p:cNvPr id="7" name="Picture 6">
-            <a:extLst>
-              <a:ext uri="{FF2B5EF4-FFF2-40B4-BE49-F238E27FC236}">
-                <a16:creationId xmlns:a16="http://schemas.microsoft.com/office/drawing/2014/main" xmlns="" id="{038C4159-6EF4-4F81-B96F-610641B4DA32}"/>
-              </a:ext>
-            </a:extLst>
-          </p:cNvPr>
-          <p:cNvPicPr>
-            <a:picLocks noChangeAspect="1"/>
-          </p:cNvPicPr>
+      <p:sp>
+        <p:nvSpPr>
+          <p:cNvPr id="9" name="Rectangle 1"/>
+          <p:cNvSpPr>
+            <a:spLocks noChangeArrowheads="1"/>
+          </p:cNvSpPr>
           <p:nvPr/>
-        </p:nvPicPr>
-        <p:blipFill>
-          <a:blip r:embed="rId2" cstate="print">
-            <a:extLst>
-              <a:ext uri="{28A0092B-C50C-407E-A947-70E740481C1C}">
-                <a14:useLocalDpi xmlns:a14="http://schemas.microsoft.com/office/drawing/2010/main" xmlns="" val="0"/>
-              </a:ext>
-            </a:extLst>
-          </a:blip>
-          <a:stretch>
-            <a:fillRect/>
-          </a:stretch>
-        </p:blipFill>
-        <p:spPr>
+        </p:nvSpPr>
+        <p:spPr bwMode="auto">
           <a:xfrm>
-            <a:off x="118542" y="116632"/>
-            <a:ext cx="1371859" cy="445150"/>
+            <a:off x="451604" y="5357826"/>
+            <a:ext cx="527004" cy="369332"/>
           </a:xfrm>
           <a:prstGeom prst="rect">
             <a:avLst/>
           </a:prstGeom>
-        </p:spPr>
-      </p:pic>
-      <p:graphicFrame>
-        <p:nvGraphicFramePr>
-          <p:cNvPr id="5" name="Table 4"/>
-          <p:cNvGraphicFramePr>
-            <a:graphicFrameLocks noGrp="1"/>
-          </p:cNvGraphicFramePr>
-          <p:nvPr/>
-        </p:nvGraphicFramePr>
-        <p:xfrm>
-          <a:off x="334566" y="1412776"/>
-          <a:ext cx="11521282" cy="4835188"/>
-        </p:xfrm>
-        <a:graphic>
-          <a:graphicData uri="http://schemas.openxmlformats.org/drawingml/2006/table">
-            <a:tbl>
-              <a:tblPr>
-                <a:tableStyleId>{5940675A-B579-460E-94D1-54222C63F5DA}</a:tableStyleId>
-              </a:tblPr>
-              <a:tblGrid>
-                <a:gridCol w="6192688"/>
-                <a:gridCol w="5328594"/>
-              </a:tblGrid>
-              <a:tr h="370994">
-                <a:tc>
-                  <a:txBody>
-                    <a:bodyPr/>
-                    <a:lstStyle/>
-                    <a:p>
-                      <a:pPr algn="ctr"/>
-                      <a:r>
-                        <a:rPr lang="en-US" sz="2000" b="1" dirty="0">
-                          <a:latin typeface="Palatino Linotype" pitchFamily="18" charset="0"/>
-                        </a:rPr>
-                        <a:t>Non-Unicode</a:t>
-                      </a:r>
-                    </a:p>
-                  </a:txBody>
-                  <a:tcPr marL="0" marR="0" marT="0" marB="0" anchor="ctr"/>
-                </a:tc>
-                <a:tc>
-                  <a:txBody>
-                    <a:bodyPr/>
-                    <a:lstStyle/>
-                    <a:p>
-                      <a:pPr algn="ctr"/>
-                      <a:r>
-                        <a:rPr lang="en-US" sz="2000" b="1" kern="1200" dirty="0">
-                          <a:solidFill>
-                            <a:schemeClr val="tx1"/>
-                          </a:solidFill>
-                          <a:latin typeface="Palatino Linotype" pitchFamily="18" charset="0"/>
-                          <a:ea typeface="+mn-ea"/>
-                          <a:cs typeface="+mn-cs"/>
-                        </a:rPr>
-                        <a:t>Unicode</a:t>
-                      </a:r>
-                    </a:p>
-                  </a:txBody>
-                  <a:tcPr marL="0" marR="0" marT="0" marB="0" anchor="ctr"/>
-                </a:tc>
-              </a:tr>
-              <a:tr h="657265">
-                <a:tc>
-                  <a:txBody>
-                    <a:bodyPr/>
-                    <a:lstStyle/>
-                    <a:p>
-                      <a:pPr marL="342900" indent="17463">
-                        <a:buFont typeface="Arial" pitchFamily="34" charset="0"/>
-                        <a:buNone/>
-                      </a:pPr>
-                      <a:r>
-                        <a:rPr lang="en-US" sz="1800" dirty="0" smtClean="0">
-                          <a:latin typeface="Palatino Linotype" pitchFamily="18" charset="0"/>
-                        </a:rPr>
-                        <a:t>(</a:t>
-                      </a:r>
-                      <a:r>
-                        <a:rPr lang="en-US" sz="1800" dirty="0">
-                          <a:latin typeface="Palatino Linotype" pitchFamily="18" charset="0"/>
-                        </a:rPr>
-                        <a:t>char, varchar, text)</a:t>
-                      </a:r>
-                    </a:p>
-                  </a:txBody>
-                  <a:tcPr marL="0" marR="0" marT="0" marB="0" anchor="ctr"/>
-                </a:tc>
-                <a:tc>
-                  <a:txBody>
-                    <a:bodyPr/>
-                    <a:lstStyle/>
-                    <a:p>
-                      <a:pPr marL="342900" indent="17463">
-                        <a:buFontTx/>
-                        <a:buNone/>
-                      </a:pPr>
-                      <a:r>
-                        <a:rPr lang="en-US" sz="1800" dirty="0">
-                          <a:latin typeface="Palatino Linotype" pitchFamily="18" charset="0"/>
-                        </a:rPr>
-                        <a:t>(nchar, </a:t>
-                      </a:r>
-                      <a:r>
-                        <a:rPr lang="en-US" sz="1800" dirty="0" smtClean="0">
-                          <a:latin typeface="Palatino Linotype" pitchFamily="18" charset="0"/>
-                        </a:rPr>
-                        <a:t>nvarchar)</a:t>
-                      </a:r>
-                      <a:endParaRPr lang="en-US" sz="1800" dirty="0">
-                        <a:latin typeface="Palatino Linotype" pitchFamily="18" charset="0"/>
-                      </a:endParaRPr>
-                    </a:p>
-                  </a:txBody>
-                  <a:tcPr marL="0" marR="0" marT="0" marB="0" anchor="ctr"/>
-                </a:tc>
-              </a:tr>
-              <a:tr h="657265">
-                <a:tc>
-                  <a:txBody>
-                    <a:bodyPr/>
-                    <a:lstStyle/>
-                    <a:p>
-                      <a:pPr marL="342900" indent="17463">
-                        <a:buFont typeface="Arial" pitchFamily="34" charset="0"/>
-                        <a:buNone/>
-                      </a:pPr>
-                      <a:r>
-                        <a:rPr lang="en-US" sz="1800" dirty="0" smtClean="0">
-                          <a:latin typeface="Palatino Linotype" pitchFamily="18" charset="0"/>
-                        </a:rPr>
-                        <a:t>Stores </a:t>
-                      </a:r>
-                      <a:r>
-                        <a:rPr lang="en-US" sz="1800" dirty="0">
-                          <a:latin typeface="Palatino Linotype" pitchFamily="18" charset="0"/>
-                        </a:rPr>
-                        <a:t>data in fixed or variable length</a:t>
-                      </a:r>
-                    </a:p>
-                  </a:txBody>
-                  <a:tcPr marL="0" marR="0" marT="0" marB="0" anchor="ctr"/>
-                </a:tc>
-                <a:tc>
-                  <a:txBody>
-                    <a:bodyPr/>
-                    <a:lstStyle/>
-                    <a:p>
-                      <a:pPr marL="342900" indent="17463">
-                        <a:buFontTx/>
-                        <a:buNone/>
-                      </a:pPr>
-                      <a:r>
-                        <a:rPr lang="en-US" sz="1800" dirty="0">
-                          <a:latin typeface="Palatino Linotype" pitchFamily="18" charset="0"/>
-                        </a:rPr>
-                        <a:t>Same as </a:t>
-                      </a:r>
-                      <a:r>
-                        <a:rPr lang="en-US" sz="1800" dirty="0" smtClean="0">
-                          <a:latin typeface="Palatino Linotype" pitchFamily="18" charset="0"/>
-                        </a:rPr>
-                        <a:t>Non-Unicode</a:t>
-                      </a:r>
-                      <a:endParaRPr lang="en-US" sz="1800" dirty="0">
-                        <a:latin typeface="Palatino Linotype" pitchFamily="18" charset="0"/>
-                      </a:endParaRPr>
-                    </a:p>
-                  </a:txBody>
-                  <a:tcPr marL="0" marR="0" marT="0" marB="0" anchor="ctr"/>
-                </a:tc>
-              </a:tr>
-              <a:tr h="1001665">
-                <a:tc>
-                  <a:txBody>
-                    <a:bodyPr/>
-                    <a:lstStyle/>
-                    <a:p>
-                      <a:pPr marL="703263" indent="-342900">
-                        <a:buFont typeface="Arial" pitchFamily="34" charset="0"/>
-                        <a:buNone/>
-                      </a:pPr>
-                      <a:r>
-                        <a:rPr lang="en-US" sz="1800" dirty="0" smtClean="0">
-                          <a:latin typeface="Palatino Linotype" pitchFamily="18" charset="0"/>
-                        </a:rPr>
-                        <a:t>char</a:t>
-                      </a:r>
-                      <a:r>
-                        <a:rPr lang="en-US" sz="1800" dirty="0">
-                          <a:latin typeface="Palatino Linotype" pitchFamily="18" charset="0"/>
-                        </a:rPr>
-                        <a:t>: data is padded with blanks to fill the field size. </a:t>
-                      </a:r>
-                      <a:endParaRPr lang="en-US" sz="1800" dirty="0" smtClean="0">
-                        <a:latin typeface="Palatino Linotype" pitchFamily="18" charset="0"/>
-                      </a:endParaRPr>
-                    </a:p>
-                    <a:p>
-                      <a:pPr marL="360363" indent="0">
-                        <a:buFont typeface="Arial" pitchFamily="34" charset="0"/>
-                        <a:buNone/>
-                      </a:pPr>
-                      <a:r>
-                        <a:rPr lang="en-US" sz="1800" dirty="0" smtClean="0">
-                          <a:latin typeface="Palatino Linotype" pitchFamily="18" charset="0"/>
-                        </a:rPr>
-                        <a:t>For </a:t>
-                      </a:r>
-                      <a:r>
-                        <a:rPr lang="en-US" sz="1800" dirty="0">
-                          <a:latin typeface="Palatino Linotype" pitchFamily="18" charset="0"/>
-                        </a:rPr>
-                        <a:t>example, if a char(10) field contains 5 characters </a:t>
-                      </a:r>
-                      <a:r>
-                        <a:rPr lang="en-US" sz="1800" dirty="0" smtClean="0">
-                          <a:latin typeface="Palatino Linotype" pitchFamily="18" charset="0"/>
-                        </a:rPr>
-                        <a:t>the</a:t>
-                      </a:r>
-                      <a:r>
-                        <a:rPr lang="en-US" sz="1800" baseline="0" dirty="0" smtClean="0">
-                          <a:latin typeface="Palatino Linotype" pitchFamily="18" charset="0"/>
-                        </a:rPr>
-                        <a:t> </a:t>
-                      </a:r>
-                      <a:r>
-                        <a:rPr lang="en-US" sz="1800" dirty="0" smtClean="0">
-                          <a:latin typeface="Palatino Linotype" pitchFamily="18" charset="0"/>
-                        </a:rPr>
-                        <a:t>system </a:t>
-                      </a:r>
-                      <a:r>
-                        <a:rPr lang="en-US" sz="1800" dirty="0">
-                          <a:latin typeface="Palatino Linotype" pitchFamily="18" charset="0"/>
-                        </a:rPr>
-                        <a:t>will pad it with 5 </a:t>
-                      </a:r>
-                      <a:r>
-                        <a:rPr lang="en-US" sz="1800" dirty="0" smtClean="0">
-                          <a:latin typeface="Palatino Linotype" pitchFamily="18" charset="0"/>
-                        </a:rPr>
-                        <a:t>blank</a:t>
-                      </a:r>
-                      <a:r>
-                        <a:rPr lang="en-US" sz="1800" baseline="0" dirty="0" smtClean="0">
-                          <a:latin typeface="Palatino Linotype" pitchFamily="18" charset="0"/>
-                        </a:rPr>
-                        <a:t> spaces.</a:t>
-                      </a:r>
-                      <a:endParaRPr lang="en-US" sz="1800" dirty="0">
-                        <a:latin typeface="Palatino Linotype" pitchFamily="18" charset="0"/>
-                      </a:endParaRPr>
-                    </a:p>
-                  </a:txBody>
-                  <a:tcPr marL="0" marR="0" marT="0" marB="0" anchor="ctr"/>
-                </a:tc>
-                <a:tc>
-                  <a:txBody>
-                    <a:bodyPr/>
-                    <a:lstStyle/>
-                    <a:p>
-                      <a:pPr marL="342900" indent="17463">
-                        <a:buFontTx/>
-                        <a:buNone/>
-                      </a:pPr>
-                      <a:r>
-                        <a:rPr lang="en-US" sz="1800" dirty="0">
-                          <a:latin typeface="Palatino Linotype" pitchFamily="18" charset="0"/>
-                        </a:rPr>
-                        <a:t>nchar: same as char</a:t>
-                      </a:r>
-                    </a:p>
-                  </a:txBody>
-                  <a:tcPr marL="0" marR="0" marT="0" marB="0" anchor="ctr"/>
-                </a:tc>
-              </a:tr>
-              <a:tr h="667774">
-                <a:tc>
-                  <a:txBody>
-                    <a:bodyPr/>
-                    <a:lstStyle/>
-                    <a:p>
-                      <a:pPr marL="342900" indent="17463">
-                        <a:buFont typeface="Arial" pitchFamily="34" charset="0"/>
-                        <a:buNone/>
-                      </a:pPr>
-                      <a:r>
-                        <a:rPr lang="en-US" sz="1800" dirty="0" smtClean="0">
-                          <a:latin typeface="Palatino Linotype" pitchFamily="18" charset="0"/>
-                        </a:rPr>
-                        <a:t>  varchar</a:t>
-                      </a:r>
-                      <a:r>
-                        <a:rPr lang="en-US" sz="1800" dirty="0">
-                          <a:latin typeface="Palatino Linotype" pitchFamily="18" charset="0"/>
-                        </a:rPr>
-                        <a:t>: stores actual value and does not pad with </a:t>
-                      </a:r>
-                      <a:r>
-                        <a:rPr lang="en-US" sz="1800" dirty="0" smtClean="0">
-                          <a:latin typeface="Palatino Linotype" pitchFamily="18" charset="0"/>
-                        </a:rPr>
-                        <a:t>blank</a:t>
-                      </a:r>
-                      <a:r>
-                        <a:rPr lang="en-US" sz="1800" baseline="0" dirty="0" smtClean="0">
-                          <a:latin typeface="Palatino Linotype" pitchFamily="18" charset="0"/>
-                        </a:rPr>
-                        <a:t> spaces.</a:t>
-                      </a:r>
-                      <a:endParaRPr lang="en-US" sz="1800" dirty="0">
-                        <a:latin typeface="Palatino Linotype" pitchFamily="18" charset="0"/>
-                      </a:endParaRPr>
-                    </a:p>
-                  </a:txBody>
-                  <a:tcPr marL="0" marR="0" marT="0" marB="0" anchor="ctr"/>
-                </a:tc>
-                <a:tc>
-                  <a:txBody>
-                    <a:bodyPr/>
-                    <a:lstStyle/>
-                    <a:p>
-                      <a:pPr marL="342900" indent="17463">
-                        <a:buFontTx/>
-                        <a:buNone/>
-                      </a:pPr>
-                      <a:r>
-                        <a:rPr lang="en-US" sz="1800" dirty="0">
-                          <a:latin typeface="Palatino Linotype" pitchFamily="18" charset="0"/>
-                        </a:rPr>
-                        <a:t>nvarchar: same as varchar</a:t>
-                      </a:r>
-                    </a:p>
-                  </a:txBody>
-                  <a:tcPr marL="0" marR="0" marT="0" marB="0" anchor="ctr"/>
-                </a:tc>
-              </a:tr>
-              <a:tr h="657265">
-                <a:tc>
-                  <a:txBody>
-                    <a:bodyPr/>
-                    <a:lstStyle/>
-                    <a:p>
-                      <a:pPr marL="342900" indent="17463">
-                        <a:buFont typeface="Arial" pitchFamily="34" charset="0"/>
-                        <a:buNone/>
-                      </a:pPr>
-                      <a:r>
-                        <a:rPr lang="en-US" sz="1800" dirty="0">
-                          <a:latin typeface="Palatino Linotype" pitchFamily="18" charset="0"/>
-                        </a:rPr>
-                        <a:t>requires 1 byte of </a:t>
-                      </a:r>
-                      <a:r>
-                        <a:rPr lang="en-US" sz="1800" dirty="0" smtClean="0">
-                          <a:latin typeface="Palatino Linotype" pitchFamily="18" charset="0"/>
-                        </a:rPr>
-                        <a:t>storage.</a:t>
-                      </a:r>
-                      <a:endParaRPr lang="en-US" sz="1800" dirty="0">
-                        <a:latin typeface="Palatino Linotype" pitchFamily="18" charset="0"/>
-                      </a:endParaRPr>
-                    </a:p>
-                  </a:txBody>
-                  <a:tcPr marL="0" marR="0" marT="0" marB="0" anchor="ctr"/>
-                </a:tc>
-                <a:tc>
-                  <a:txBody>
-                    <a:bodyPr/>
-                    <a:lstStyle/>
-                    <a:p>
-                      <a:pPr marL="342900" indent="17463">
-                        <a:buFontTx/>
-                        <a:buNone/>
-                      </a:pPr>
-                      <a:r>
-                        <a:rPr lang="en-US" sz="1800" dirty="0">
-                          <a:latin typeface="Palatino Linotype" pitchFamily="18" charset="0"/>
-                        </a:rPr>
-                        <a:t>requires 2 bytes of </a:t>
-                      </a:r>
-                      <a:r>
-                        <a:rPr lang="en-US" sz="1800" dirty="0" smtClean="0">
-                          <a:latin typeface="Palatino Linotype" pitchFamily="18" charset="0"/>
-                        </a:rPr>
-                        <a:t>storage.</a:t>
-                      </a:r>
-                      <a:endParaRPr lang="en-US" sz="1800" dirty="0">
-                        <a:latin typeface="Palatino Linotype" pitchFamily="18" charset="0"/>
-                      </a:endParaRPr>
-                    </a:p>
-                  </a:txBody>
-                  <a:tcPr marL="0" marR="0" marT="0" marB="0" anchor="ctr"/>
-                </a:tc>
-              </a:tr>
-              <a:tr h="667774">
-                <a:tc>
-                  <a:txBody>
-                    <a:bodyPr/>
-                    <a:lstStyle/>
-                    <a:p>
-                      <a:pPr marL="342900" indent="17463">
-                        <a:buFont typeface="Arial" pitchFamily="34" charset="0"/>
-                        <a:buNone/>
-                      </a:pPr>
-                      <a:r>
-                        <a:rPr lang="en-US" sz="1800" dirty="0">
-                          <a:latin typeface="Palatino Linotype" pitchFamily="18" charset="0"/>
-                        </a:rPr>
-                        <a:t>Best suited for </a:t>
-                      </a:r>
-                      <a:r>
-                        <a:rPr lang="en-US" sz="1800" dirty="0" smtClean="0">
-                          <a:latin typeface="Palatino Linotype" pitchFamily="18" charset="0"/>
-                        </a:rPr>
-                        <a:t>english characters.</a:t>
-                      </a:r>
-                      <a:endParaRPr lang="en-US" sz="1800" dirty="0">
-                        <a:latin typeface="Palatino Linotype" pitchFamily="18" charset="0"/>
-                      </a:endParaRPr>
-                    </a:p>
-                  </a:txBody>
-                  <a:tcPr marL="0" marR="0" marT="0" marB="0" anchor="ctr"/>
-                </a:tc>
-                <a:tc>
-                  <a:txBody>
-                    <a:bodyPr/>
-                    <a:lstStyle/>
-                    <a:p>
-                      <a:pPr marL="360363" indent="0">
-                        <a:buFontTx/>
-                        <a:buNone/>
-                      </a:pPr>
-                      <a:r>
-                        <a:rPr lang="en-US" sz="1800" dirty="0">
-                          <a:latin typeface="Palatino Linotype" pitchFamily="18" charset="0"/>
-                        </a:rPr>
-                        <a:t>Best suited for systems that need to support at </a:t>
-                      </a:r>
-                      <a:r>
-                        <a:rPr lang="en-US" sz="1800" dirty="0" smtClean="0">
-                          <a:latin typeface="Palatino Linotype" pitchFamily="18" charset="0"/>
-                        </a:rPr>
-                        <a:t>least</a:t>
-                      </a:r>
-                      <a:r>
-                        <a:rPr lang="en-US" sz="1800" baseline="0" dirty="0" smtClean="0">
-                          <a:latin typeface="Palatino Linotype" pitchFamily="18" charset="0"/>
-                        </a:rPr>
-                        <a:t> </a:t>
-                      </a:r>
-                      <a:r>
-                        <a:rPr lang="en-US" sz="1800" dirty="0" smtClean="0">
-                          <a:latin typeface="Palatino Linotype" pitchFamily="18" charset="0"/>
-                        </a:rPr>
-                        <a:t>one</a:t>
-                      </a:r>
-                      <a:r>
-                        <a:rPr lang="en-US" sz="1800" dirty="0">
-                          <a:latin typeface="Palatino Linotype" pitchFamily="18" charset="0"/>
-                        </a:rPr>
-                        <a:t> foreign </a:t>
-                      </a:r>
-                      <a:r>
-                        <a:rPr lang="en-US" sz="1800" dirty="0" smtClean="0">
-                          <a:latin typeface="Palatino Linotype" pitchFamily="18" charset="0"/>
-                        </a:rPr>
-                        <a:t>language (i.e. non english language)</a:t>
-                      </a:r>
-                      <a:endParaRPr lang="en-US" sz="1800" dirty="0">
-                        <a:latin typeface="Palatino Linotype" pitchFamily="18" charset="0"/>
-                      </a:endParaRPr>
-                    </a:p>
-                  </a:txBody>
-                  <a:tcPr marL="0" marR="0" marT="0" marB="0" anchor="ctr"/>
-                </a:tc>
-              </a:tr>
-            </a:tbl>
-          </a:graphicData>
-        </a:graphic>
-      </p:graphicFrame>
-      <p:sp>
-        <p:nvSpPr>
-          <p:cNvPr id="6" name="Rectangle 5"/>
-          <p:cNvSpPr/>
-          <p:nvPr/>
-        </p:nvSpPr>
-        <p:spPr>
-          <a:xfrm>
-            <a:off x="11755679" y="0"/>
-            <a:ext cx="397866" cy="369332"/>
-          </a:xfrm>
-          <a:prstGeom prst="rect">
-            <a:avLst/>
-          </a:prstGeom>
+          <a:noFill/>
+          <a:ln w="9525">
+            <a:noFill/>
+            <a:miter lim="800000"/>
+            <a:headEnd/>
+            <a:tailEnd/>
+          </a:ln>
+          <a:effectLst/>
         </p:spPr>
         <p:txBody>
-          <a:bodyPr wrap="none">
+          <a:bodyPr vert="horz" wrap="none" lIns="91440" tIns="45720" rIns="91440" bIns="45720" numCol="1" anchor="ctr" anchorCtr="0" compatLnSpc="1">
+            <a:prstTxWarp prst="textNoShape">
+              <a:avLst/>
+            </a:prstTxWarp>
             <a:spAutoFit/>
           </a:bodyPr>
           <a:lstStyle/>
           <a:p>
-            <a:r>
-              <a:rPr lang="en-IN" dirty="0" smtClean="0">
-                <a:latin typeface="Segoe UI Light" panose="020B0502040204020203" pitchFamily="34" charset="0"/>
-                <a:cs typeface="Segoe UI Light" panose="020B0502040204020203" pitchFamily="34" charset="0"/>
+            <a:pPr marL="0" marR="0" lvl="0" indent="0" algn="l" defTabSz="914400" rtl="0" eaLnBrk="1" fontAlgn="base" latinLnBrk="0" hangingPunct="1">
+              <a:lnSpc>
+                <a:spcPct val="100000"/>
+              </a:lnSpc>
+              <a:spcBef>
+                <a:spcPct val="0"/>
+              </a:spcBef>
+              <a:spcAft>
+                <a:spcPct val="0"/>
+              </a:spcAft>
+              <a:buClrTx/>
+              <a:buSzTx/>
+              <a:buFontTx/>
+              <a:buNone/>
+              <a:tabLst/>
+            </a:pPr>
+            <a:r>
+              <a:rPr kumimoji="0" lang="en-US" b="0" i="0" u="none" strike="noStrike" cap="none" normalizeH="0" baseline="0" dirty="0" smtClean="0">
+                <a:ln>
+                  <a:noFill/>
+                </a:ln>
+                <a:solidFill>
+                  <a:srgbClr val="000000"/>
+                </a:solidFill>
+                <a:effectLst/>
+                <a:latin typeface="Calibri" pitchFamily="34" charset="0"/>
+                <a:ea typeface="Calibri" pitchFamily="34" charset="0"/>
+                <a:cs typeface="Calibri" pitchFamily="34" charset="0"/>
               </a:rPr>
-              <a:t>(1)</a:t>
-            </a:r>
-            <a:endParaRPr lang="en-US" dirty="0"/>
+              <a:t>e.g.</a:t>
+            </a:r>
+            <a:endParaRPr kumimoji="0" lang="en-US" b="0" i="0" u="none" strike="noStrike" cap="none" normalizeH="0" baseline="0" dirty="0" smtClean="0">
+              <a:ln>
+                <a:noFill/>
+              </a:ln>
+              <a:solidFill>
+                <a:schemeClr val="tx1"/>
+              </a:solidFill>
+              <a:effectLst/>
+              <a:latin typeface="Arial" pitchFamily="34" charset="0"/>
+              <a:cs typeface="Arial" pitchFamily="34" charset="0"/>
+            </a:endParaRPr>
           </a:p>
         </p:txBody>
       </p:sp>
@@ -10341,853 +12589,6 @@
     <p:extLst>
       <p:ext uri="{BB962C8B-B14F-4D97-AF65-F5344CB8AC3E}">
         <p14:creationId xmlns:p14="http://schemas.microsoft.com/office/powerpoint/2010/main" xmlns="" val="1302273438"/>
-      </p:ext>
-    </p:extLst>
-  </p:cSld>
-  <p:clrMapOvr>
-    <a:masterClrMapping/>
-  </p:clrMapOvr>
-  <p:timing>
-    <p:tnLst>
-      <p:par>
-        <p:cTn id="1" dur="indefinite" restart="never" nodeType="tmRoot"/>
-      </p:par>
-    </p:tnLst>
-  </p:timing>
-</p:sld>
-</file>
-
-<file path=ppt/slides/slide7.xml><?xml version="1.0" encoding="utf-8"?>
-<p:sld xmlns:a="http://schemas.openxmlformats.org/drawingml/2006/main" xmlns:r="http://schemas.openxmlformats.org/officeDocument/2006/relationships" xmlns:p="http://schemas.openxmlformats.org/presentationml/2006/main">
-  <p:cSld>
-    <p:spTree>
-      <p:nvGrpSpPr>
-        <p:cNvPr id="1" name=""/>
-        <p:cNvGrpSpPr/>
-        <p:nvPr/>
-      </p:nvGrpSpPr>
-      <p:grpSpPr>
-        <a:xfrm>
-          <a:off x="0" y="0"/>
-          <a:ext cx="0" cy="0"/>
-          <a:chOff x="0" y="0"/>
-          <a:chExt cx="0" cy="0"/>
-        </a:xfrm>
-      </p:grpSpPr>
-      <p:pic>
-        <p:nvPicPr>
-          <p:cNvPr id="12" name="Picture 11">
-            <a:extLst>
-              <a:ext uri="{FF2B5EF4-FFF2-40B4-BE49-F238E27FC236}">
-                <a16:creationId xmlns:a16="http://schemas.microsoft.com/office/drawing/2014/main" xmlns="" id="{376A40D3-BDBE-40ED-8E56-15C49E3DE9B0}"/>
-              </a:ext>
-            </a:extLst>
-          </p:cNvPr>
-          <p:cNvPicPr>
-            <a:picLocks noChangeAspect="1"/>
-          </p:cNvPicPr>
-          <p:nvPr/>
-        </p:nvPicPr>
-        <p:blipFill>
-          <a:blip r:embed="rId2" cstate="print">
-            <a:extLst>
-              <a:ext uri="{28A0092B-C50C-407E-A947-70E740481C1C}">
-                <a14:useLocalDpi xmlns:a14="http://schemas.microsoft.com/office/drawing/2010/main" xmlns="" val="0"/>
-              </a:ext>
-            </a:extLst>
-          </a:blip>
-          <a:stretch>
-            <a:fillRect/>
-          </a:stretch>
-        </p:blipFill>
-        <p:spPr>
-          <a:xfrm>
-            <a:off x="118542" y="116632"/>
-            <a:ext cx="1371859" cy="445150"/>
-          </a:xfrm>
-          <a:prstGeom prst="rect">
-            <a:avLst/>
-          </a:prstGeom>
-        </p:spPr>
-      </p:pic>
-      <p:sp>
-        <p:nvSpPr>
-          <p:cNvPr id="11" name="Footer Placeholder 2">
-            <a:extLst>
-              <a:ext uri="{FF2B5EF4-FFF2-40B4-BE49-F238E27FC236}">
-                <a16:creationId xmlns:a16="http://schemas.microsoft.com/office/drawing/2014/main" xmlns="" id="{6E71ED8E-3D54-4568-9791-BB4BE74489E7}"/>
-              </a:ext>
-            </a:extLst>
-          </p:cNvPr>
-          <p:cNvSpPr txBox="1">
-            <a:spLocks/>
-          </p:cNvSpPr>
-          <p:nvPr/>
-        </p:nvSpPr>
-        <p:spPr>
-          <a:xfrm>
-            <a:off x="3237431" y="6523037"/>
-            <a:ext cx="5400600" cy="365125"/>
-          </a:xfrm>
-          <a:prstGeom prst="rect">
-            <a:avLst/>
-          </a:prstGeom>
-        </p:spPr>
-        <p:txBody>
-          <a:bodyPr/>
-          <a:lstStyle>
-            <a:defPPr>
-              <a:defRPr lang="en-US"/>
-            </a:defPPr>
-            <a:lvl1pPr marL="0" algn="l" defTabSz="914400" rtl="0" eaLnBrk="1" latinLnBrk="0" hangingPunct="1">
-              <a:defRPr sz="1050" kern="1200">
-                <a:solidFill>
-                  <a:schemeClr val="tx1"/>
-                </a:solidFill>
-                <a:latin typeface="+mn-lt"/>
-                <a:ea typeface="+mn-ea"/>
-                <a:cs typeface="+mn-cs"/>
-              </a:defRPr>
-            </a:lvl1pPr>
-            <a:lvl2pPr marL="457200" algn="l" defTabSz="914400" rtl="0" eaLnBrk="1" latinLnBrk="0" hangingPunct="1">
-              <a:defRPr sz="1800" kern="1200">
-                <a:solidFill>
-                  <a:schemeClr val="tx1"/>
-                </a:solidFill>
-                <a:latin typeface="+mn-lt"/>
-                <a:ea typeface="+mn-ea"/>
-                <a:cs typeface="+mn-cs"/>
-              </a:defRPr>
-            </a:lvl2pPr>
-            <a:lvl3pPr marL="914400" algn="l" defTabSz="914400" rtl="0" eaLnBrk="1" latinLnBrk="0" hangingPunct="1">
-              <a:defRPr sz="1800" kern="1200">
-                <a:solidFill>
-                  <a:schemeClr val="tx1"/>
-                </a:solidFill>
-                <a:latin typeface="+mn-lt"/>
-                <a:ea typeface="+mn-ea"/>
-                <a:cs typeface="+mn-cs"/>
-              </a:defRPr>
-            </a:lvl3pPr>
-            <a:lvl4pPr marL="1371600" algn="l" defTabSz="914400" rtl="0" eaLnBrk="1" latinLnBrk="0" hangingPunct="1">
-              <a:defRPr sz="1800" kern="1200">
-                <a:solidFill>
-                  <a:schemeClr val="tx1"/>
-                </a:solidFill>
-                <a:latin typeface="+mn-lt"/>
-                <a:ea typeface="+mn-ea"/>
-                <a:cs typeface="+mn-cs"/>
-              </a:defRPr>
-            </a:lvl4pPr>
-            <a:lvl5pPr marL="1828800" algn="l" defTabSz="914400" rtl="0" eaLnBrk="1" latinLnBrk="0" hangingPunct="1">
-              <a:defRPr sz="1800" kern="1200">
-                <a:solidFill>
-                  <a:schemeClr val="tx1"/>
-                </a:solidFill>
-                <a:latin typeface="+mn-lt"/>
-                <a:ea typeface="+mn-ea"/>
-                <a:cs typeface="+mn-cs"/>
-              </a:defRPr>
-            </a:lvl5pPr>
-            <a:lvl6pPr marL="2286000" algn="l" defTabSz="914400" rtl="0" eaLnBrk="1" latinLnBrk="0" hangingPunct="1">
-              <a:defRPr sz="1800" kern="1200">
-                <a:solidFill>
-                  <a:schemeClr val="tx1"/>
-                </a:solidFill>
-                <a:latin typeface="+mn-lt"/>
-                <a:ea typeface="+mn-ea"/>
-                <a:cs typeface="+mn-cs"/>
-              </a:defRPr>
-            </a:lvl6pPr>
-            <a:lvl7pPr marL="2743200" algn="l" defTabSz="914400" rtl="0" eaLnBrk="1" latinLnBrk="0" hangingPunct="1">
-              <a:defRPr sz="1800" kern="1200">
-                <a:solidFill>
-                  <a:schemeClr val="tx1"/>
-                </a:solidFill>
-                <a:latin typeface="+mn-lt"/>
-                <a:ea typeface="+mn-ea"/>
-                <a:cs typeface="+mn-cs"/>
-              </a:defRPr>
-            </a:lvl7pPr>
-            <a:lvl8pPr marL="3200400" algn="l" defTabSz="914400" rtl="0" eaLnBrk="1" latinLnBrk="0" hangingPunct="1">
-              <a:defRPr sz="1800" kern="1200">
-                <a:solidFill>
-                  <a:schemeClr val="tx1"/>
-                </a:solidFill>
-                <a:latin typeface="+mn-lt"/>
-                <a:ea typeface="+mn-ea"/>
-                <a:cs typeface="+mn-cs"/>
-              </a:defRPr>
-            </a:lvl8pPr>
-            <a:lvl9pPr marL="3657600" algn="l" defTabSz="914400" rtl="0" eaLnBrk="1" latinLnBrk="0" hangingPunct="1">
-              <a:defRPr sz="1800" kern="1200">
-                <a:solidFill>
-                  <a:schemeClr val="tx1"/>
-                </a:solidFill>
-                <a:latin typeface="+mn-lt"/>
-                <a:ea typeface="+mn-ea"/>
-                <a:cs typeface="+mn-cs"/>
-              </a:defRPr>
-            </a:lvl9pPr>
-          </a:lstStyle>
-          <a:p>
-            <a:r>
-              <a:rPr lang="en-US" dirty="0"/>
-              <a:t>Infoway Technologies, 3rd  Floor Commerce Centre, Rambaug Colony, Paud Road Pune 411038</a:t>
-            </a:r>
-            <a:endParaRPr lang="en-IN" dirty="0"/>
-          </a:p>
-          <a:p>
-            <a:endParaRPr lang="en-US" dirty="0"/>
-          </a:p>
-        </p:txBody>
-      </p:sp>
-      <p:sp>
-        <p:nvSpPr>
-          <p:cNvPr id="16" name="Rectangle 15"/>
-          <p:cNvSpPr/>
-          <p:nvPr/>
-        </p:nvSpPr>
-        <p:spPr>
-          <a:xfrm>
-            <a:off x="1523802" y="3"/>
-            <a:ext cx="9142810" cy="646331"/>
-          </a:xfrm>
-          <a:prstGeom prst="rect">
-            <a:avLst/>
-          </a:prstGeom>
-          <a:solidFill>
-            <a:schemeClr val="bg1"/>
-          </a:solidFill>
-        </p:spPr>
-        <p:txBody>
-          <a:bodyPr wrap="square">
-            <a:spAutoFit/>
-          </a:bodyPr>
-          <a:lstStyle/>
-          <a:p>
-            <a:pPr algn="r"/>
-            <a:r>
-              <a:rPr lang="en-US" sz="3600" dirty="0" smtClean="0"/>
-              <a:t>difference between char and varchar data type</a:t>
-            </a:r>
-            <a:endParaRPr lang="en-IN" sz="3600" dirty="0">
-              <a:latin typeface="Arial" panose="020B0604020202020204" pitchFamily="34" charset="0"/>
-              <a:cs typeface="Arial" panose="020B0604020202020204" pitchFamily="34" charset="0"/>
-            </a:endParaRPr>
-          </a:p>
-        </p:txBody>
-      </p:sp>
-      <p:graphicFrame>
-        <p:nvGraphicFramePr>
-          <p:cNvPr id="17" name="Table 16"/>
-          <p:cNvGraphicFramePr>
-            <a:graphicFrameLocks noGrp="1"/>
-          </p:cNvGraphicFramePr>
-          <p:nvPr/>
-        </p:nvGraphicFramePr>
-        <p:xfrm>
-          <a:off x="262558" y="764704"/>
-          <a:ext cx="11593287" cy="3024456"/>
-        </p:xfrm>
-        <a:graphic>
-          <a:graphicData uri="http://schemas.openxmlformats.org/drawingml/2006/table">
-            <a:tbl>
-              <a:tblPr>
-                <a:tableStyleId>{5940675A-B579-460E-94D1-54222C63F5DA}</a:tableStyleId>
-              </a:tblPr>
-              <a:tblGrid>
-                <a:gridCol w="5805603"/>
-                <a:gridCol w="5787684"/>
-              </a:tblGrid>
-              <a:tr h="453818">
-                <a:tc>
-                  <a:txBody>
-                    <a:bodyPr/>
-                    <a:lstStyle/>
-                    <a:p>
-                      <a:pPr marL="0" algn="ctr" defTabSz="914400" rtl="0" eaLnBrk="1" fontAlgn="t" latinLnBrk="0" hangingPunct="1"/>
-                      <a:r>
-                        <a:rPr lang="en-US" sz="2000" b="1" kern="1200" dirty="0" smtClean="0">
-                          <a:solidFill>
-                            <a:schemeClr val="tx1"/>
-                          </a:solidFill>
-                          <a:latin typeface="Palatino Linotype" pitchFamily="18" charset="0"/>
-                          <a:ea typeface="+mn-ea"/>
-                          <a:cs typeface="+mn-cs"/>
-                        </a:rPr>
-                        <a:t>CHAR</a:t>
-                      </a:r>
-                      <a:endParaRPr lang="en-US" sz="2000" b="1" kern="1200" dirty="0">
-                        <a:solidFill>
-                          <a:schemeClr val="tx1"/>
-                        </a:solidFill>
-                        <a:latin typeface="Palatino Linotype" pitchFamily="18" charset="0"/>
-                        <a:ea typeface="+mn-ea"/>
-                        <a:cs typeface="+mn-cs"/>
-                      </a:endParaRPr>
-                    </a:p>
-                  </a:txBody>
-                  <a:tcPr marL="76095" marR="76095" marT="76095" marB="76095"/>
-                </a:tc>
-                <a:tc>
-                  <a:txBody>
-                    <a:bodyPr/>
-                    <a:lstStyle/>
-                    <a:p>
-                      <a:pPr marL="0" algn="ctr" defTabSz="914400" rtl="0" eaLnBrk="1" fontAlgn="t" latinLnBrk="0" hangingPunct="1"/>
-                      <a:r>
-                        <a:rPr lang="en-US" sz="2000" b="1" kern="1200" dirty="0" smtClean="0">
-                          <a:solidFill>
-                            <a:schemeClr val="tx1"/>
-                          </a:solidFill>
-                          <a:latin typeface="Palatino Linotype" pitchFamily="18" charset="0"/>
-                          <a:ea typeface="+mn-ea"/>
-                          <a:cs typeface="+mn-cs"/>
-                        </a:rPr>
-                        <a:t>VARCHAR</a:t>
-                      </a:r>
-                      <a:endParaRPr lang="en-US" sz="2000" b="1" kern="1200" dirty="0">
-                        <a:solidFill>
-                          <a:schemeClr val="tx1"/>
-                        </a:solidFill>
-                        <a:latin typeface="Palatino Linotype" pitchFamily="18" charset="0"/>
-                        <a:ea typeface="+mn-ea"/>
-                        <a:cs typeface="+mn-cs"/>
-                      </a:endParaRPr>
-                    </a:p>
-                  </a:txBody>
-                  <a:tcPr marL="76095" marR="76095" marT="76095" marB="76095"/>
-                </a:tc>
-              </a:tr>
-              <a:tr h="786396">
-                <a:tc>
-                  <a:txBody>
-                    <a:bodyPr/>
-                    <a:lstStyle/>
-                    <a:p>
-                      <a:pPr marL="360363" indent="0" fontAlgn="t"/>
-                      <a:r>
-                        <a:rPr lang="en-US" sz="1800" dirty="0">
-                          <a:latin typeface="Palatino Linotype" pitchFamily="18" charset="0"/>
-                        </a:rPr>
-                        <a:t>It stores values in fixed lengths and are padded </a:t>
-                      </a:r>
-                      <a:r>
-                        <a:rPr lang="en-US" sz="1800" dirty="0" smtClean="0">
-                          <a:latin typeface="Palatino Linotype" pitchFamily="18" charset="0"/>
-                        </a:rPr>
-                        <a:t>with </a:t>
-                      </a:r>
-                      <a:r>
-                        <a:rPr lang="en-US" sz="1800" dirty="0">
-                          <a:latin typeface="Palatino Linotype" pitchFamily="18" charset="0"/>
-                        </a:rPr>
-                        <a:t>space characters to match the specified </a:t>
-                      </a:r>
-                      <a:r>
-                        <a:rPr lang="en-US" sz="1800" dirty="0" smtClean="0">
-                          <a:latin typeface="Palatino Linotype" pitchFamily="18" charset="0"/>
-                        </a:rPr>
-                        <a:t>length</a:t>
-                      </a:r>
-                      <a:endParaRPr lang="en-US" sz="1800" dirty="0">
-                        <a:latin typeface="Palatino Linotype" pitchFamily="18" charset="0"/>
-                      </a:endParaRPr>
-                    </a:p>
-                  </a:txBody>
-                  <a:tcPr marL="76095" marR="76095" marT="76095" marB="76095"/>
-                </a:tc>
-                <a:tc>
-                  <a:txBody>
-                    <a:bodyPr/>
-                    <a:lstStyle/>
-                    <a:p>
-                      <a:pPr marL="360363" indent="0" fontAlgn="t"/>
-                      <a:r>
-                        <a:rPr lang="en-US" sz="1800" dirty="0">
-                          <a:latin typeface="Palatino Linotype" pitchFamily="18" charset="0"/>
-                        </a:rPr>
-                        <a:t>VARCHAR stores values in variable </a:t>
-                      </a:r>
-                      <a:r>
-                        <a:rPr lang="en-US" sz="1800" dirty="0" smtClean="0">
-                          <a:latin typeface="Palatino Linotype" pitchFamily="18" charset="0"/>
-                        </a:rPr>
-                        <a:t>length and </a:t>
-                      </a:r>
-                      <a:r>
-                        <a:rPr lang="en-US" sz="1800" dirty="0">
-                          <a:latin typeface="Palatino Linotype" pitchFamily="18" charset="0"/>
-                        </a:rPr>
-                        <a:t>are not padded with </a:t>
-                      </a:r>
-                      <a:r>
-                        <a:rPr lang="en-US" sz="1800" dirty="0" smtClean="0">
-                          <a:latin typeface="Palatino Linotype" pitchFamily="18" charset="0"/>
-                        </a:rPr>
-                        <a:t>space characters</a:t>
-                      </a:r>
-                      <a:endParaRPr lang="en-US" sz="1800" dirty="0">
-                        <a:latin typeface="Palatino Linotype" pitchFamily="18" charset="0"/>
-                      </a:endParaRPr>
-                    </a:p>
-                  </a:txBody>
-                  <a:tcPr marL="76095" marR="76095" marT="76095" marB="76095"/>
-                </a:tc>
-              </a:tr>
-              <a:tr h="684000">
-                <a:tc>
-                  <a:txBody>
-                    <a:bodyPr/>
-                    <a:lstStyle/>
-                    <a:p>
-                      <a:pPr marL="360363" indent="0" fontAlgn="t"/>
-                      <a:r>
-                        <a:rPr lang="en-US" sz="1800" dirty="0">
-                          <a:latin typeface="Palatino Linotype" pitchFamily="18" charset="0"/>
-                        </a:rPr>
-                        <a:t>It can hold a maximum of 255 characters</a:t>
-                      </a:r>
-                      <a:r>
-                        <a:rPr lang="en-US" sz="1800" dirty="0" smtClean="0">
-                          <a:latin typeface="Palatino Linotype" pitchFamily="18" charset="0"/>
-                        </a:rPr>
-                        <a:t>.</a:t>
-                      </a:r>
-                      <a:endParaRPr lang="en-US" sz="1800" dirty="0">
-                        <a:latin typeface="Palatino Linotype" pitchFamily="18" charset="0"/>
-                      </a:endParaRPr>
-                    </a:p>
-                  </a:txBody>
-                  <a:tcPr marL="76095" marR="76095" marT="76095" marB="76095"/>
-                </a:tc>
-                <a:tc>
-                  <a:txBody>
-                    <a:bodyPr/>
-                    <a:lstStyle/>
-                    <a:p>
-                      <a:pPr marL="360363" indent="0" fontAlgn="t"/>
-                      <a:r>
-                        <a:rPr lang="en-US" sz="1800" dirty="0">
-                          <a:latin typeface="Palatino Linotype" pitchFamily="18" charset="0"/>
-                        </a:rPr>
-                        <a:t>It can hold a maximum of 65,535 characters</a:t>
-                      </a:r>
-                      <a:r>
-                        <a:rPr lang="en-US" sz="1800" dirty="0" smtClean="0">
-                          <a:latin typeface="Palatino Linotype" pitchFamily="18" charset="0"/>
-                        </a:rPr>
-                        <a:t>.</a:t>
-                      </a:r>
-                      <a:endParaRPr lang="en-US" sz="1800" dirty="0">
-                        <a:latin typeface="Palatino Linotype" pitchFamily="18" charset="0"/>
-                      </a:endParaRPr>
-                    </a:p>
-                  </a:txBody>
-                  <a:tcPr marL="76095" marR="76095" marT="76095" marB="76095"/>
-                </a:tc>
-              </a:tr>
-              <a:tr h="684000">
-                <a:tc>
-                  <a:txBody>
-                    <a:bodyPr/>
-                    <a:lstStyle/>
-                    <a:p>
-                      <a:pPr marL="360363" indent="0" fontAlgn="t"/>
-                      <a:r>
-                        <a:rPr lang="en-US" sz="1800" dirty="0">
-                          <a:latin typeface="Palatino Linotype" pitchFamily="18" charset="0"/>
-                        </a:rPr>
-                        <a:t>It uses static memory allocation</a:t>
-                      </a:r>
-                      <a:r>
-                        <a:rPr lang="en-US" sz="1800" dirty="0" smtClean="0">
-                          <a:latin typeface="Palatino Linotype" pitchFamily="18" charset="0"/>
-                        </a:rPr>
-                        <a:t>.</a:t>
-                      </a:r>
-                    </a:p>
-                    <a:p>
-                      <a:pPr marL="360363" indent="0" fontAlgn="t"/>
-                      <a:endParaRPr lang="en-US" sz="800" dirty="0" smtClean="0">
-                        <a:latin typeface="Palatino Linotype" pitchFamily="18" charset="0"/>
-                      </a:endParaRPr>
-                    </a:p>
-                    <a:p>
-                      <a:pPr marL="360363" indent="0" fontAlgn="t"/>
-                      <a:r>
-                        <a:rPr lang="en-US" sz="1800" dirty="0" smtClean="0">
-                          <a:latin typeface="Palatino Linotype" pitchFamily="18" charset="0"/>
-                        </a:rPr>
-                        <a:t>e.g.</a:t>
-                      </a:r>
-                    </a:p>
-                    <a:p>
-                      <a:pPr marL="360363" indent="0" fontAlgn="t"/>
-                      <a:r>
-                        <a:rPr lang="en-US" sz="1800" dirty="0" smtClean="0">
-                          <a:latin typeface="Palatino Linotype" pitchFamily="18" charset="0"/>
-                        </a:rPr>
-                        <a:t>mysql&gt; CREATE TABLE emp(name CHAR(10</a:t>
-                      </a:r>
-                      <a:r>
-                        <a:rPr lang="en-US" sz="1800" dirty="0">
-                          <a:latin typeface="Palatino Linotype" pitchFamily="18" charset="0"/>
-                        </a:rPr>
-                        <a:t>)); </a:t>
-                      </a:r>
-                    </a:p>
-                  </a:txBody>
-                  <a:tcPr marL="76095" marR="76095" marT="76095" marB="76095"/>
-                </a:tc>
-                <a:tc>
-                  <a:txBody>
-                    <a:bodyPr/>
-                    <a:lstStyle/>
-                    <a:p>
-                      <a:pPr marL="360363" indent="0" fontAlgn="t"/>
-                      <a:r>
-                        <a:rPr lang="en-US" sz="1800" dirty="0">
-                          <a:latin typeface="Palatino Linotype" pitchFamily="18" charset="0"/>
-                        </a:rPr>
-                        <a:t>It uses dynamic memory allocation</a:t>
-                      </a:r>
-                      <a:r>
-                        <a:rPr lang="en-US" sz="1800" dirty="0" smtClean="0">
-                          <a:latin typeface="Palatino Linotype" pitchFamily="18" charset="0"/>
-                        </a:rPr>
-                        <a:t>.</a:t>
-                      </a:r>
-                    </a:p>
-                    <a:p>
-                      <a:pPr marL="360363" indent="0" fontAlgn="t"/>
-                      <a:endParaRPr lang="en-US" sz="800" dirty="0" smtClean="0">
-                        <a:latin typeface="Palatino Linotype" pitchFamily="18" charset="0"/>
-                      </a:endParaRPr>
-                    </a:p>
-                    <a:p>
-                      <a:pPr marL="360363" indent="0" fontAlgn="t"/>
-                      <a:r>
-                        <a:rPr lang="en-US" sz="1800" dirty="0" smtClean="0">
-                          <a:latin typeface="Palatino Linotype" pitchFamily="18" charset="0"/>
-                        </a:rPr>
-                        <a:t>e.g.</a:t>
-                      </a:r>
-                    </a:p>
-                    <a:p>
-                      <a:pPr marL="360363" indent="0" fontAlgn="t"/>
-                      <a:r>
-                        <a:rPr lang="en-US" sz="1800" dirty="0" smtClean="0">
-                          <a:latin typeface="Palatino Linotype" pitchFamily="18" charset="0"/>
-                        </a:rPr>
-                        <a:t>mysql&gt;create </a:t>
-                      </a:r>
-                      <a:r>
-                        <a:rPr lang="en-US" sz="1800" dirty="0">
-                          <a:latin typeface="Palatino Linotype" pitchFamily="18" charset="0"/>
-                        </a:rPr>
-                        <a:t>table emp1(name </a:t>
-                      </a:r>
-                      <a:r>
-                        <a:rPr lang="en-US" sz="1800" dirty="0" smtClean="0">
-                          <a:latin typeface="Palatino Linotype" pitchFamily="18" charset="0"/>
-                        </a:rPr>
-                        <a:t>VARCHAR(10</a:t>
-                      </a:r>
-                      <a:r>
-                        <a:rPr lang="en-US" sz="1800" dirty="0">
-                          <a:latin typeface="Palatino Linotype" pitchFamily="18" charset="0"/>
-                        </a:rPr>
-                        <a:t>)); </a:t>
-                      </a:r>
-                    </a:p>
-                  </a:txBody>
-                  <a:tcPr marL="76095" marR="76095" marT="76095" marB="76095"/>
-                </a:tc>
-              </a:tr>
-            </a:tbl>
-          </a:graphicData>
-        </a:graphic>
-      </p:graphicFrame>
-      <p:sp>
-        <p:nvSpPr>
-          <p:cNvPr id="6" name="Rectangle 5"/>
-          <p:cNvSpPr/>
-          <p:nvPr/>
-        </p:nvSpPr>
-        <p:spPr>
-          <a:xfrm>
-            <a:off x="11755679" y="0"/>
-            <a:ext cx="397866" cy="369332"/>
-          </a:xfrm>
-          <a:prstGeom prst="rect">
-            <a:avLst/>
-          </a:prstGeom>
-        </p:spPr>
-        <p:txBody>
-          <a:bodyPr wrap="none">
-            <a:spAutoFit/>
-          </a:bodyPr>
-          <a:lstStyle/>
-          <a:p>
-            <a:r>
-              <a:rPr lang="en-IN" dirty="0" smtClean="0">
-                <a:latin typeface="Segoe UI Light" panose="020B0502040204020203" pitchFamily="34" charset="0"/>
-                <a:cs typeface="Segoe UI Light" panose="020B0502040204020203" pitchFamily="34" charset="0"/>
-              </a:rPr>
-              <a:t>(1)</a:t>
-            </a:r>
-            <a:endParaRPr lang="en-US" dirty="0"/>
-          </a:p>
-        </p:txBody>
-      </p:sp>
-      <p:graphicFrame>
-        <p:nvGraphicFramePr>
-          <p:cNvPr id="8" name="Table 7"/>
-          <p:cNvGraphicFramePr>
-            <a:graphicFrameLocks noGrp="1"/>
-          </p:cNvGraphicFramePr>
-          <p:nvPr/>
-        </p:nvGraphicFramePr>
-        <p:xfrm>
-          <a:off x="262558" y="4121172"/>
-          <a:ext cx="11593287" cy="2116140"/>
-        </p:xfrm>
-        <a:graphic>
-          <a:graphicData uri="http://schemas.openxmlformats.org/drawingml/2006/table">
-            <a:tbl>
-              <a:tblPr>
-                <a:tableStyleId>{5940675A-B579-460E-94D1-54222C63F5DA}</a:tableStyleId>
-              </a:tblPr>
-              <a:tblGrid>
-                <a:gridCol w="5805603"/>
-                <a:gridCol w="5787684"/>
-              </a:tblGrid>
-              <a:tr h="453818">
-                <a:tc>
-                  <a:txBody>
-                    <a:bodyPr/>
-                    <a:lstStyle/>
-                    <a:p>
-                      <a:pPr marL="0" algn="ctr" defTabSz="914400" rtl="0" eaLnBrk="1" fontAlgn="t" latinLnBrk="0" hangingPunct="1"/>
-                      <a:r>
-                        <a:rPr lang="en-US" sz="2000" b="1" kern="1200" dirty="0" smtClean="0">
-                          <a:solidFill>
-                            <a:schemeClr val="tx1"/>
-                          </a:solidFill>
-                          <a:latin typeface="Palatino Linotype" pitchFamily="18" charset="0"/>
-                          <a:ea typeface="+mn-ea"/>
-                          <a:cs typeface="+mn-cs"/>
-                        </a:rPr>
-                        <a:t>VARCHAR</a:t>
-                      </a:r>
-                      <a:endParaRPr lang="en-US" sz="2000" b="1" kern="1200" dirty="0">
-                        <a:solidFill>
-                          <a:schemeClr val="tx1"/>
-                        </a:solidFill>
-                        <a:latin typeface="Palatino Linotype" pitchFamily="18" charset="0"/>
-                        <a:ea typeface="+mn-ea"/>
-                        <a:cs typeface="+mn-cs"/>
-                      </a:endParaRPr>
-                    </a:p>
-                  </a:txBody>
-                  <a:tcPr marL="76095" marR="76095" marT="76095" marB="76095"/>
-                </a:tc>
-                <a:tc>
-                  <a:txBody>
-                    <a:bodyPr/>
-                    <a:lstStyle/>
-                    <a:p>
-                      <a:pPr marL="0" algn="ctr" defTabSz="914400" rtl="0" eaLnBrk="1" fontAlgn="t" latinLnBrk="0" hangingPunct="1"/>
-                      <a:r>
-                        <a:rPr lang="en-US" sz="2000" b="1" kern="1200" dirty="0" smtClean="0">
-                          <a:solidFill>
-                            <a:schemeClr val="tx1"/>
-                          </a:solidFill>
-                          <a:latin typeface="Palatino Linotype" pitchFamily="18" charset="0"/>
-                          <a:ea typeface="+mn-ea"/>
-                          <a:cs typeface="+mn-cs"/>
-                        </a:rPr>
-                        <a:t>NVARCHAR</a:t>
-                      </a:r>
-                      <a:endParaRPr lang="en-US" sz="2000" b="1" kern="1200" dirty="0">
-                        <a:solidFill>
-                          <a:schemeClr val="tx1"/>
-                        </a:solidFill>
-                        <a:latin typeface="Palatino Linotype" pitchFamily="18" charset="0"/>
-                        <a:ea typeface="+mn-ea"/>
-                        <a:cs typeface="+mn-cs"/>
-                      </a:endParaRPr>
-                    </a:p>
-                  </a:txBody>
-                  <a:tcPr marL="76095" marR="76095" marT="76095" marB="76095"/>
-                </a:tc>
-              </a:tr>
-              <a:tr h="786396">
-                <a:tc>
-                  <a:txBody>
-                    <a:bodyPr/>
-                    <a:lstStyle/>
-                    <a:p>
-                      <a:pPr marL="360363" indent="0" fontAlgn="t"/>
-                      <a:r>
-                        <a:rPr lang="en-US" b="1" dirty="0" smtClean="0">
-                          <a:latin typeface="Palatino Linotype" pitchFamily="18" charset="0"/>
-                        </a:rPr>
-                        <a:t>varchar</a:t>
-                      </a:r>
-                      <a:r>
-                        <a:rPr lang="en-US" dirty="0" smtClean="0">
-                          <a:latin typeface="Palatino Linotype" pitchFamily="18" charset="0"/>
-                        </a:rPr>
-                        <a:t> is stored as regular 8-bit data(1 byte per character).</a:t>
-                      </a:r>
-                      <a:endParaRPr lang="en-US" sz="1800" dirty="0">
-                        <a:latin typeface="Palatino Linotype" pitchFamily="18" charset="0"/>
-                      </a:endParaRPr>
-                    </a:p>
-                  </a:txBody>
-                  <a:tcPr marL="76095" marR="76095" marT="76095" marB="76095"/>
-                </a:tc>
-                <a:tc>
-                  <a:txBody>
-                    <a:bodyPr/>
-                    <a:lstStyle/>
-                    <a:p>
-                      <a:pPr marL="360363" marR="0" indent="0" algn="l" defTabSz="914400" rtl="0" eaLnBrk="1" fontAlgn="t" latinLnBrk="0" hangingPunct="1">
-                        <a:lnSpc>
-                          <a:spcPct val="100000"/>
-                        </a:lnSpc>
-                        <a:spcBef>
-                          <a:spcPts val="0"/>
-                        </a:spcBef>
-                        <a:spcAft>
-                          <a:spcPts val="0"/>
-                        </a:spcAft>
-                        <a:buClrTx/>
-                        <a:buSzTx/>
-                        <a:buFontTx/>
-                        <a:buNone/>
-                        <a:tabLst/>
-                        <a:defRPr/>
-                      </a:pPr>
-                      <a:r>
-                        <a:rPr lang="en-US" b="1" dirty="0" smtClean="0">
-                          <a:latin typeface="Palatino Linotype" pitchFamily="18" charset="0"/>
-                        </a:rPr>
-                        <a:t>nvarchar</a:t>
-                      </a:r>
-                      <a:r>
-                        <a:rPr lang="en-US" dirty="0" smtClean="0">
-                          <a:latin typeface="Palatino Linotype" pitchFamily="18" charset="0"/>
-                        </a:rPr>
-                        <a:t> stores data at 2 bytes per character. Due to this reason, </a:t>
-                      </a:r>
-                      <a:r>
-                        <a:rPr lang="en-US" b="1" dirty="0" smtClean="0">
-                          <a:latin typeface="Palatino Linotype" pitchFamily="18" charset="0"/>
-                        </a:rPr>
-                        <a:t>nvarchar</a:t>
-                      </a:r>
-                      <a:r>
-                        <a:rPr lang="en-US" dirty="0" smtClean="0">
-                          <a:latin typeface="Palatino Linotype" pitchFamily="18" charset="0"/>
-                        </a:rPr>
-                        <a:t> can hold upto 4000 characters and it takes double the space as  </a:t>
-                      </a:r>
-                      <a:r>
-                        <a:rPr lang="en-US" b="1" dirty="0" smtClean="0">
-                          <a:latin typeface="Palatino Linotype" pitchFamily="18" charset="0"/>
-                        </a:rPr>
-                        <a:t>varchar</a:t>
-                      </a:r>
-                      <a:r>
-                        <a:rPr lang="en-US" dirty="0" smtClean="0">
-                          <a:latin typeface="Palatino Linotype" pitchFamily="18" charset="0"/>
-                        </a:rPr>
-                        <a:t>. </a:t>
-                      </a:r>
-                      <a:endParaRPr lang="en-US" sz="1800" dirty="0">
-                        <a:latin typeface="Palatino Linotype" pitchFamily="18" charset="0"/>
-                      </a:endParaRPr>
-                    </a:p>
-                  </a:txBody>
-                  <a:tcPr marL="76095" marR="76095" marT="76095" marB="76095"/>
-                </a:tc>
-              </a:tr>
-              <a:tr h="684000">
-                <a:tc>
-                  <a:txBody>
-                    <a:bodyPr/>
-                    <a:lstStyle/>
-                    <a:p>
-                      <a:pPr marL="360363" indent="0" fontAlgn="t"/>
-                      <a:r>
-                        <a:rPr lang="en-US" b="1" dirty="0" smtClean="0">
-                          <a:latin typeface="Palatino Linotype" pitchFamily="18" charset="0"/>
-                        </a:rPr>
-                        <a:t>varchar </a:t>
-                      </a:r>
-                      <a:r>
-                        <a:rPr lang="en-US" dirty="0" smtClean="0"/>
-                        <a:t>stores ASCII data.</a:t>
-                      </a:r>
-                      <a:endParaRPr lang="en-US" sz="1800" dirty="0">
-                        <a:latin typeface="Palatino Linotype" pitchFamily="18" charset="0"/>
-                      </a:endParaRPr>
-                    </a:p>
-                  </a:txBody>
-                  <a:tcPr marL="76095" marR="76095" marT="76095" marB="76095"/>
-                </a:tc>
-                <a:tc>
-                  <a:txBody>
-                    <a:bodyPr/>
-                    <a:lstStyle/>
-                    <a:p>
-                      <a:pPr marL="360363" marR="0" indent="0" algn="l" defTabSz="914400" rtl="0" eaLnBrk="1" fontAlgn="t" latinLnBrk="0" hangingPunct="1">
-                        <a:lnSpc>
-                          <a:spcPct val="100000"/>
-                        </a:lnSpc>
-                        <a:spcBef>
-                          <a:spcPts val="0"/>
-                        </a:spcBef>
-                        <a:spcAft>
-                          <a:spcPts val="0"/>
-                        </a:spcAft>
-                        <a:buClrTx/>
-                        <a:buSzTx/>
-                        <a:buFontTx/>
-                        <a:buNone/>
-                        <a:tabLst/>
-                        <a:defRPr/>
-                      </a:pPr>
-                      <a:r>
-                        <a:rPr lang="en-US" b="1" dirty="0" smtClean="0">
-                          <a:latin typeface="Palatino Linotype" pitchFamily="18" charset="0"/>
-                        </a:rPr>
-                        <a:t>nvarchar </a:t>
-                      </a:r>
-                      <a:r>
-                        <a:rPr lang="en-US" dirty="0" smtClean="0"/>
-                        <a:t>stores UNICODE data.</a:t>
-                      </a:r>
-                      <a:endParaRPr lang="en-US" dirty="0" smtClean="0">
-                        <a:latin typeface="Palatino Linotype" pitchFamily="18" charset="0"/>
-                      </a:endParaRPr>
-                    </a:p>
-                  </a:txBody>
-                  <a:tcPr marL="76095" marR="76095" marT="76095" marB="76095"/>
-                </a:tc>
-              </a:tr>
-            </a:tbl>
-          </a:graphicData>
-        </a:graphic>
-      </p:graphicFrame>
-    </p:spTree>
-    <p:extLst>
-      <p:ext uri="{BB962C8B-B14F-4D97-AF65-F5344CB8AC3E}">
-        <p14:creationId xmlns:p14="http://schemas.microsoft.com/office/powerpoint/2010/main" xmlns="" val="1235870264"/>
       </p:ext>
     </p:extLst>
   </p:cSld>
@@ -14530,11 +15931,18 @@
           <a:p>
             <a:pPr algn="r"/>
             <a:r>
+              <a:rPr lang="en-US" sz="3600" dirty="0" smtClean="0">
+                <a:latin typeface="Arial" panose="020B0604020202020204" pitchFamily="34" charset="0"/>
+                <a:cs typeface="Arial" panose="020B0604020202020204" pitchFamily="34" charset="0"/>
+              </a:rPr>
+              <a:t>char and varchar</a:t>
+            </a:r>
+            <a:r>
               <a:rPr lang="en-IN" sz="3600" dirty="0" smtClean="0">
                 <a:latin typeface="Arial" panose="020B0604020202020204" pitchFamily="34" charset="0"/>
                 <a:cs typeface="Arial" panose="020B0604020202020204" pitchFamily="34" charset="0"/>
               </a:rPr>
-              <a:t>string datatype</a:t>
+              <a:t> datatype</a:t>
             </a:r>
             <a:endParaRPr lang="en-IN" sz="3600" dirty="0">
               <a:latin typeface="Arial" panose="020B0604020202020204" pitchFamily="34" charset="0"/>
@@ -14666,7 +16074,7 @@
           <p:cNvPr id="12" name="Picture 11">
             <a:extLst>
               <a:ext uri="{FF2B5EF4-FFF2-40B4-BE49-F238E27FC236}">
-                <a16:creationId xmlns:a16="http://schemas.microsoft.com/office/drawing/2014/main" xmlns="" id="{376A40D3-BDBE-40ED-8E56-15C49E3DE9B0}"/>
+                <a16:creationId xmlns="" xmlns:a16="http://schemas.microsoft.com/office/drawing/2014/main" id="{376A40D3-BDBE-40ED-8E56-15C49E3DE9B0}"/>
               </a:ext>
             </a:extLst>
           </p:cNvPr>
@@ -14679,7 +16087,7 @@
           <a:blip r:embed="rId2" cstate="print">
             <a:extLst>
               <a:ext uri="{28A0092B-C50C-407E-A947-70E740481C1C}">
-                <a14:useLocalDpi xmlns:a14="http://schemas.microsoft.com/office/drawing/2010/main" xmlns="" val="0"/>
+                <a14:useLocalDpi xmlns="" xmlns:a14="http://schemas.microsoft.com/office/drawing/2010/main" val="0"/>
               </a:ext>
             </a:extLst>
           </a:blip>
@@ -14702,7 +16110,7 @@
           <p:cNvPr id="11" name="Footer Placeholder 2">
             <a:extLst>
               <a:ext uri="{FF2B5EF4-FFF2-40B4-BE49-F238E27FC236}">
-                <a16:creationId xmlns:a16="http://schemas.microsoft.com/office/drawing/2014/main" xmlns="" id="{6E71ED8E-3D54-4568-9791-BB4BE74489E7}"/>
+                <a16:creationId xmlns="" xmlns:a16="http://schemas.microsoft.com/office/drawing/2014/main" id="{6E71ED8E-3D54-4568-9791-BB4BE74489E7}"/>
               </a:ext>
             </a:extLst>
           </p:cNvPr>
@@ -15131,7 +16539,7 @@
     </p:spTree>
     <p:extLst>
       <p:ext uri="{BB962C8B-B14F-4D97-AF65-F5344CB8AC3E}">
-        <p14:creationId xmlns:p14="http://schemas.microsoft.com/office/powerpoint/2010/main" xmlns="" val="1235870264"/>
+        <p14:creationId xmlns="" xmlns:p14="http://schemas.microsoft.com/office/powerpoint/2010/main" val="1235870264"/>
       </p:ext>
     </p:extLst>
   </p:cSld>
